--- a/实验-5-数据可视化.pptx
+++ b/实验-5-数据可视化.pptx
@@ -18,11 +18,10 @@
     <p:sldId id="287" r:id="rId12"/>
     <p:sldId id="286" r:id="rId13"/>
     <p:sldId id="279" r:id="rId14"/>
-    <p:sldId id="267" r:id="rId15"/>
-    <p:sldId id="268" r:id="rId16"/>
-    <p:sldId id="288" r:id="rId17"/>
-    <p:sldId id="272" r:id="rId18"/>
-    <p:sldId id="277" r:id="rId19"/>
+    <p:sldId id="268" r:id="rId15"/>
+    <p:sldId id="288" r:id="rId16"/>
+    <p:sldId id="272" r:id="rId17"/>
+    <p:sldId id="277" r:id="rId18"/>
   </p:sldIdLst>
   <p:sldSz cx="12192000" cy="6858000"/>
   <p:notesSz cx="6858000" cy="9144000"/>
@@ -355,7 +354,7 @@
           <a:p>
             <a:fld id="{22B5609F-EBEC-463B-AA32-A5BE38243DB0}" type="datetimeFigureOut">
               <a:rPr lang="zh-CN" altLang="en-US" smtClean="0"/>
-              <a:t>2017/11/2</a:t>
+              <a:t>2017/11/3</a:t>
             </a:fld>
             <a:endParaRPr lang="zh-CN" altLang="en-US"/>
           </a:p>
@@ -563,7 +562,7 @@
           <a:p>
             <a:fld id="{22B5609F-EBEC-463B-AA32-A5BE38243DB0}" type="datetimeFigureOut">
               <a:rPr lang="zh-CN" altLang="en-US" smtClean="0"/>
-              <a:t>2017/11/2</a:t>
+              <a:t>2017/11/3</a:t>
             </a:fld>
             <a:endParaRPr lang="zh-CN" altLang="en-US"/>
           </a:p>
@@ -819,7 +818,7 @@
           <a:p>
             <a:fld id="{22B5609F-EBEC-463B-AA32-A5BE38243DB0}" type="datetimeFigureOut">
               <a:rPr lang="zh-CN" altLang="en-US" smtClean="0"/>
-              <a:t>2017/11/2</a:t>
+              <a:t>2017/11/3</a:t>
             </a:fld>
             <a:endParaRPr lang="zh-CN" altLang="en-US"/>
           </a:p>
@@ -1018,7 +1017,7 @@
           <a:p>
             <a:fld id="{22B5609F-EBEC-463B-AA32-A5BE38243DB0}" type="datetimeFigureOut">
               <a:rPr lang="zh-CN" altLang="en-US" smtClean="0"/>
-              <a:t>2017/11/2</a:t>
+              <a:t>2017/11/3</a:t>
             </a:fld>
             <a:endParaRPr lang="zh-CN" altLang="en-US"/>
           </a:p>
@@ -1360,7 +1359,7 @@
           <a:p>
             <a:fld id="{22B5609F-EBEC-463B-AA32-A5BE38243DB0}" type="datetimeFigureOut">
               <a:rPr lang="zh-CN" altLang="en-US" smtClean="0"/>
-              <a:t>2017/11/2</a:t>
+              <a:t>2017/11/3</a:t>
             </a:fld>
             <a:endParaRPr lang="zh-CN" altLang="en-US"/>
           </a:p>
@@ -1635,7 +1634,7 @@
           <a:p>
             <a:fld id="{22B5609F-EBEC-463B-AA32-A5BE38243DB0}" type="datetimeFigureOut">
               <a:rPr lang="zh-CN" altLang="en-US" smtClean="0"/>
-              <a:t>2017/11/2</a:t>
+              <a:t>2017/11/3</a:t>
             </a:fld>
             <a:endParaRPr lang="zh-CN" altLang="en-US"/>
           </a:p>
@@ -2014,7 +2013,7 @@
           <a:p>
             <a:fld id="{22B5609F-EBEC-463B-AA32-A5BE38243DB0}" type="datetimeFigureOut">
               <a:rPr lang="zh-CN" altLang="en-US" smtClean="0"/>
-              <a:t>2017/11/2</a:t>
+              <a:t>2017/11/3</a:t>
             </a:fld>
             <a:endParaRPr lang="zh-CN" altLang="en-US"/>
           </a:p>
@@ -2132,7 +2131,7 @@
           <a:p>
             <a:fld id="{22B5609F-EBEC-463B-AA32-A5BE38243DB0}" type="datetimeFigureOut">
               <a:rPr lang="zh-CN" altLang="en-US" smtClean="0"/>
-              <a:t>2017/11/2</a:t>
+              <a:t>2017/11/3</a:t>
             </a:fld>
             <a:endParaRPr lang="zh-CN" altLang="en-US"/>
           </a:p>
@@ -2303,7 +2302,7 @@
           <a:p>
             <a:fld id="{22B5609F-EBEC-463B-AA32-A5BE38243DB0}" type="datetimeFigureOut">
               <a:rPr lang="zh-CN" altLang="en-US" smtClean="0"/>
-              <a:t>2017/11/2</a:t>
+              <a:t>2017/11/3</a:t>
             </a:fld>
             <a:endParaRPr lang="zh-CN" altLang="en-US"/>
           </a:p>
@@ -2657,7 +2656,7 @@
           <a:p>
             <a:fld id="{22B5609F-EBEC-463B-AA32-A5BE38243DB0}" type="datetimeFigureOut">
               <a:rPr lang="zh-CN" altLang="en-US" smtClean="0"/>
-              <a:t>2017/11/2</a:t>
+              <a:t>2017/11/3</a:t>
             </a:fld>
             <a:endParaRPr lang="zh-CN" altLang="en-US"/>
           </a:p>
@@ -3039,7 +3038,7 @@
           <a:p>
             <a:fld id="{22B5609F-EBEC-463B-AA32-A5BE38243DB0}" type="datetimeFigureOut">
               <a:rPr lang="zh-CN" altLang="en-US" smtClean="0"/>
-              <a:t>2017/11/2</a:t>
+              <a:t>2017/11/3</a:t>
             </a:fld>
             <a:endParaRPr lang="zh-CN" altLang="en-US"/>
           </a:p>
@@ -3326,7 +3325,7 @@
           <a:p>
             <a:fld id="{22B5609F-EBEC-463B-AA32-A5BE38243DB0}" type="datetimeFigureOut">
               <a:rPr lang="zh-CN" altLang="en-US" smtClean="0"/>
-              <a:t>2017/11/2</a:t>
+              <a:t>2017/11/3</a:t>
             </a:fld>
             <a:endParaRPr lang="zh-CN" altLang="en-US"/>
           </a:p>
@@ -4538,7 +4537,7 @@
           <a:graphicData uri="http://schemas.openxmlformats.org/presentationml/2006/ole">
             <mc:AlternateContent xmlns:mc="http://schemas.openxmlformats.org/markup-compatibility/2006">
               <mc:Choice xmlns:v="urn:schemas-microsoft-com:vml" Requires="v">
-                <p:oleObj spid="_x0000_s4113" name="Equation" r:id="rId6" imgW="647640" imgH="203040" progId="Equation.DSMT4">
+                <p:oleObj spid="_x0000_s4126" name="Equation" r:id="rId6" imgW="647640" imgH="203040" progId="Equation.DSMT4">
                   <p:embed/>
                 </p:oleObj>
               </mc:Choice>
@@ -4665,7 +4664,7 @@
         </p:blipFill>
         <p:spPr>
           <a:xfrm>
-            <a:off x="914400" y="2356625"/>
+            <a:off x="914398" y="2154268"/>
             <a:ext cx="4267199" cy="4267199"/>
           </a:xfrm>
           <a:prstGeom prst="rect">
@@ -4683,7 +4682,7 @@
         </p:nvSpPr>
         <p:spPr bwMode="auto">
           <a:xfrm>
-            <a:off x="1095541" y="2356625"/>
+            <a:off x="1097280" y="2224892"/>
             <a:ext cx="3904915" cy="184666"/>
           </a:xfrm>
           <a:prstGeom prst="rect">
@@ -4777,8 +4776,8 @@
         </p:nvSpPr>
         <p:spPr>
           <a:xfrm>
-            <a:off x="6467707" y="4490224"/>
-            <a:ext cx="3183885" cy="369332"/>
+            <a:off x="2034232" y="6488359"/>
+            <a:ext cx="3430747" cy="369332"/>
           </a:xfrm>
           <a:prstGeom prst="rect">
             <a:avLst/>
@@ -4792,26 +4791,440 @@
           <a:lstStyle/>
           <a:p>
             <a:r>
-              <a:rPr lang="zh-CN" altLang="en-US" dirty="0" smtClean="0"/>
+              <a:rPr lang="zh-CN" altLang="en-US" dirty="0" smtClean="0">
+                <a:latin typeface="华文楷体" panose="02010600040101010101" pitchFamily="2" charset="-122"/>
+                <a:ea typeface="华文楷体" panose="02010600040101010101" pitchFamily="2" charset="-122"/>
+              </a:rPr>
               <a:t>相当于</a:t>
             </a:r>
             <a:r>
-              <a:rPr lang="en-US" altLang="zh-CN" dirty="0" smtClean="0"/>
+              <a:rPr lang="en-US" altLang="zh-CN" dirty="0" smtClean="0">
+                <a:latin typeface="华文楷体" panose="02010600040101010101" pitchFamily="2" charset="-122"/>
+                <a:ea typeface="华文楷体" panose="02010600040101010101" pitchFamily="2" charset="-122"/>
+              </a:rPr>
               <a:t>plot</a:t>
             </a:r>
             <a:r>
-              <a:rPr lang="zh-CN" altLang="en-US" dirty="0" smtClean="0"/>
+              <a:rPr lang="zh-CN" altLang="en-US" dirty="0" smtClean="0">
+                <a:latin typeface="华文楷体" panose="02010600040101010101" pitchFamily="2" charset="-122"/>
+                <a:ea typeface="华文楷体" panose="02010600040101010101" pitchFamily="2" charset="-122"/>
+              </a:rPr>
               <a:t>当中的</a:t>
             </a:r>
             <a:r>
-              <a:rPr lang="en-US" altLang="zh-CN" dirty="0" smtClean="0"/>
+              <a:rPr lang="en-US" altLang="zh-CN" dirty="0" smtClean="0">
+                <a:latin typeface="华文楷体" panose="02010600040101010101" pitchFamily="2" charset="-122"/>
+                <a:ea typeface="华文楷体" panose="02010600040101010101" pitchFamily="2" charset="-122"/>
+              </a:rPr>
               <a:t>type=“l”</a:t>
             </a:r>
             <a:r>
-              <a:rPr lang="zh-CN" altLang="en-US" dirty="0" smtClean="0"/>
+              <a:rPr lang="zh-CN" altLang="en-US" dirty="0" smtClean="0">
+                <a:latin typeface="华文楷体" panose="02010600040101010101" pitchFamily="2" charset="-122"/>
+                <a:ea typeface="华文楷体" panose="02010600040101010101" pitchFamily="2" charset="-122"/>
+              </a:rPr>
               <a:t>类型</a:t>
             </a:r>
+            <a:endParaRPr lang="zh-CN" altLang="en-US" dirty="0">
+              <a:latin typeface="华文楷体" panose="02010600040101010101" pitchFamily="2" charset="-122"/>
+              <a:ea typeface="华文楷体" panose="02010600040101010101" pitchFamily="2" charset="-122"/>
+            </a:endParaRPr>
+          </a:p>
+        </p:txBody>
+      </p:sp>
+      <p:sp>
+        <p:nvSpPr>
+          <p:cNvPr id="7" name="内容占位符 2"/>
+          <p:cNvSpPr txBox="1">
+            <a:spLocks/>
+          </p:cNvSpPr>
+          <p:nvPr/>
+        </p:nvSpPr>
+        <p:spPr>
+          <a:xfrm>
+            <a:off x="6993551" y="1823063"/>
+            <a:ext cx="2604925" cy="4023360"/>
+          </a:xfrm>
+          <a:prstGeom prst="rect">
+            <a:avLst/>
+          </a:prstGeom>
+        </p:spPr>
+        <p:txBody>
+          <a:bodyPr vert="horz" lIns="0" tIns="45720" rIns="0" bIns="45720" rtlCol="0">
+            <a:normAutofit/>
+          </a:bodyPr>
+          <a:lstStyle>
+            <a:lvl1pPr marL="91440" indent="-91440" algn="l" defTabSz="914400" rtl="0" eaLnBrk="1" latinLnBrk="0" hangingPunct="1">
+              <a:lnSpc>
+                <a:spcPct val="90000"/>
+              </a:lnSpc>
+              <a:spcBef>
+                <a:spcPts val="1200"/>
+              </a:spcBef>
+              <a:spcAft>
+                <a:spcPts val="200"/>
+              </a:spcAft>
+              <a:buClr>
+                <a:srgbClr val="7030A0"/>
+              </a:buClr>
+              <a:buSzPct val="100000"/>
+              <a:buFont typeface="Wingdings" panose="05000000000000000000" pitchFamily="2" charset="2"/>
+              <a:buChar char="l"/>
+              <a:defRPr sz="2000" kern="1200">
+                <a:solidFill>
+                  <a:schemeClr val="tx1">
+                    <a:lumMod val="75000"/>
+                    <a:lumOff val="25000"/>
+                  </a:schemeClr>
+                </a:solidFill>
+                <a:latin typeface="+mn-lt"/>
+                <a:ea typeface="+mn-ea"/>
+                <a:cs typeface="+mn-cs"/>
+              </a:defRPr>
+            </a:lvl1pPr>
+            <a:lvl2pPr marL="486918" indent="-285750" algn="l" defTabSz="914400" rtl="0" eaLnBrk="1" latinLnBrk="0" hangingPunct="1">
+              <a:lnSpc>
+                <a:spcPct val="90000"/>
+              </a:lnSpc>
+              <a:spcBef>
+                <a:spcPts val="200"/>
+              </a:spcBef>
+              <a:spcAft>
+                <a:spcPts val="400"/>
+              </a:spcAft>
+              <a:buClr>
+                <a:srgbClr val="002060"/>
+              </a:buClr>
+              <a:buFont typeface="Calibri" panose="020F0502020204030204" pitchFamily="34" charset="0"/>
+              <a:buChar char="—"/>
+              <a:defRPr sz="1800" kern="1200">
+                <a:solidFill>
+                  <a:schemeClr val="tx1">
+                    <a:lumMod val="75000"/>
+                    <a:lumOff val="25000"/>
+                  </a:schemeClr>
+                </a:solidFill>
+                <a:latin typeface="+mn-lt"/>
+                <a:ea typeface="+mn-ea"/>
+                <a:cs typeface="+mn-cs"/>
+              </a:defRPr>
+            </a:lvl2pPr>
+            <a:lvl3pPr marL="726948" indent="-342900" algn="l" defTabSz="914400" rtl="0" eaLnBrk="1" latinLnBrk="0" hangingPunct="1">
+              <a:lnSpc>
+                <a:spcPct val="90000"/>
+              </a:lnSpc>
+              <a:spcBef>
+                <a:spcPts val="200"/>
+              </a:spcBef>
+              <a:spcAft>
+                <a:spcPts val="400"/>
+              </a:spcAft>
+              <a:buClr>
+                <a:srgbClr val="0070C0"/>
+              </a:buClr>
+              <a:buFont typeface="+mj-lt"/>
+              <a:buAutoNum type="arabicPeriod"/>
+              <a:defRPr sz="1400" kern="1200">
+                <a:solidFill>
+                  <a:schemeClr val="tx1">
+                    <a:lumMod val="75000"/>
+                    <a:lumOff val="25000"/>
+                  </a:schemeClr>
+                </a:solidFill>
+                <a:latin typeface="+mn-lt"/>
+                <a:ea typeface="+mn-ea"/>
+                <a:cs typeface="+mn-cs"/>
+              </a:defRPr>
+            </a:lvl3pPr>
+            <a:lvl4pPr marL="749808" indent="-182880" algn="l" defTabSz="914400" rtl="0" eaLnBrk="1" latinLnBrk="0" hangingPunct="1">
+              <a:lnSpc>
+                <a:spcPct val="90000"/>
+              </a:lnSpc>
+              <a:spcBef>
+                <a:spcPts val="200"/>
+              </a:spcBef>
+              <a:spcAft>
+                <a:spcPts val="400"/>
+              </a:spcAft>
+              <a:buClr>
+                <a:schemeClr val="accent1"/>
+              </a:buClr>
+              <a:buFont typeface="Calibri" pitchFamily="34" charset="0"/>
+              <a:buChar char="◦"/>
+              <a:defRPr sz="1400" kern="1200">
+                <a:solidFill>
+                  <a:schemeClr val="tx1">
+                    <a:lumMod val="75000"/>
+                    <a:lumOff val="25000"/>
+                  </a:schemeClr>
+                </a:solidFill>
+                <a:latin typeface="+mn-lt"/>
+                <a:ea typeface="+mn-ea"/>
+                <a:cs typeface="+mn-cs"/>
+              </a:defRPr>
+            </a:lvl4pPr>
+            <a:lvl5pPr marL="932688" indent="-182880" algn="l" defTabSz="914400" rtl="0" eaLnBrk="1" latinLnBrk="0" hangingPunct="1">
+              <a:lnSpc>
+                <a:spcPct val="90000"/>
+              </a:lnSpc>
+              <a:spcBef>
+                <a:spcPts val="200"/>
+              </a:spcBef>
+              <a:spcAft>
+                <a:spcPts val="400"/>
+              </a:spcAft>
+              <a:buClr>
+                <a:schemeClr val="accent1"/>
+              </a:buClr>
+              <a:buFont typeface="Calibri" pitchFamily="34" charset="0"/>
+              <a:buChar char="◦"/>
+              <a:defRPr sz="1400" kern="1200">
+                <a:solidFill>
+                  <a:schemeClr val="tx1">
+                    <a:lumMod val="75000"/>
+                    <a:lumOff val="25000"/>
+                  </a:schemeClr>
+                </a:solidFill>
+                <a:latin typeface="+mn-lt"/>
+                <a:ea typeface="+mn-ea"/>
+                <a:cs typeface="+mn-cs"/>
+              </a:defRPr>
+            </a:lvl5pPr>
+            <a:lvl6pPr marL="1100000" indent="-228600" algn="l" defTabSz="914400" rtl="0" eaLnBrk="1" latinLnBrk="0" hangingPunct="1">
+              <a:lnSpc>
+                <a:spcPct val="90000"/>
+              </a:lnSpc>
+              <a:spcBef>
+                <a:spcPts val="200"/>
+              </a:spcBef>
+              <a:spcAft>
+                <a:spcPts val="400"/>
+              </a:spcAft>
+              <a:buClr>
+                <a:schemeClr val="accent1"/>
+              </a:buClr>
+              <a:buFont typeface="Calibri" pitchFamily="34" charset="0"/>
+              <a:buChar char="◦"/>
+              <a:defRPr sz="1400" kern="1200">
+                <a:solidFill>
+                  <a:schemeClr val="tx1">
+                    <a:lumMod val="75000"/>
+                    <a:lumOff val="25000"/>
+                  </a:schemeClr>
+                </a:solidFill>
+                <a:latin typeface="+mn-lt"/>
+                <a:ea typeface="+mn-ea"/>
+                <a:cs typeface="+mn-cs"/>
+              </a:defRPr>
+            </a:lvl6pPr>
+            <a:lvl7pPr marL="1300000" indent="-228600" algn="l" defTabSz="914400" rtl="0" eaLnBrk="1" latinLnBrk="0" hangingPunct="1">
+              <a:lnSpc>
+                <a:spcPct val="90000"/>
+              </a:lnSpc>
+              <a:spcBef>
+                <a:spcPts val="200"/>
+              </a:spcBef>
+              <a:spcAft>
+                <a:spcPts val="400"/>
+              </a:spcAft>
+              <a:buClr>
+                <a:schemeClr val="accent1"/>
+              </a:buClr>
+              <a:buFont typeface="Calibri" pitchFamily="34" charset="0"/>
+              <a:buChar char="◦"/>
+              <a:defRPr sz="1400" kern="1200">
+                <a:solidFill>
+                  <a:schemeClr val="tx1">
+                    <a:lumMod val="75000"/>
+                    <a:lumOff val="25000"/>
+                  </a:schemeClr>
+                </a:solidFill>
+                <a:latin typeface="+mn-lt"/>
+                <a:ea typeface="+mn-ea"/>
+                <a:cs typeface="+mn-cs"/>
+              </a:defRPr>
+            </a:lvl7pPr>
+            <a:lvl8pPr marL="1500000" indent="-228600" algn="l" defTabSz="914400" rtl="0" eaLnBrk="1" latinLnBrk="0" hangingPunct="1">
+              <a:lnSpc>
+                <a:spcPct val="90000"/>
+              </a:lnSpc>
+              <a:spcBef>
+                <a:spcPts val="200"/>
+              </a:spcBef>
+              <a:spcAft>
+                <a:spcPts val="400"/>
+              </a:spcAft>
+              <a:buClr>
+                <a:schemeClr val="accent1"/>
+              </a:buClr>
+              <a:buFont typeface="Calibri" pitchFamily="34" charset="0"/>
+              <a:buChar char="◦"/>
+              <a:defRPr sz="1400" kern="1200">
+                <a:solidFill>
+                  <a:schemeClr val="tx1">
+                    <a:lumMod val="75000"/>
+                    <a:lumOff val="25000"/>
+                  </a:schemeClr>
+                </a:solidFill>
+                <a:latin typeface="+mn-lt"/>
+                <a:ea typeface="+mn-ea"/>
+                <a:cs typeface="+mn-cs"/>
+              </a:defRPr>
+            </a:lvl8pPr>
+            <a:lvl9pPr marL="1700000" indent="-228600" algn="l" defTabSz="914400" rtl="0" eaLnBrk="1" latinLnBrk="0" hangingPunct="1">
+              <a:lnSpc>
+                <a:spcPct val="90000"/>
+              </a:lnSpc>
+              <a:spcBef>
+                <a:spcPts val="200"/>
+              </a:spcBef>
+              <a:spcAft>
+                <a:spcPts val="400"/>
+              </a:spcAft>
+              <a:buClr>
+                <a:schemeClr val="accent1"/>
+              </a:buClr>
+              <a:buFont typeface="Calibri" pitchFamily="34" charset="0"/>
+              <a:buChar char="◦"/>
+              <a:defRPr sz="1400" kern="1200">
+                <a:solidFill>
+                  <a:schemeClr val="tx1">
+                    <a:lumMod val="75000"/>
+                    <a:lumOff val="25000"/>
+                  </a:schemeClr>
+                </a:solidFill>
+                <a:latin typeface="+mn-lt"/>
+                <a:ea typeface="+mn-ea"/>
+                <a:cs typeface="+mn-cs"/>
+              </a:defRPr>
+            </a:lvl9pPr>
+          </a:lstStyle>
+          <a:p>
+            <a:r>
+              <a:rPr lang="zh-CN" altLang="en-US" smtClean="0"/>
+              <a:t>添加矩形</a:t>
+            </a:r>
             <a:endParaRPr lang="zh-CN" altLang="en-US" dirty="0"/>
+          </a:p>
+        </p:txBody>
+      </p:sp>
+      <p:pic>
+        <p:nvPicPr>
+          <p:cNvPr id="8" name="图片 7"/>
+          <p:cNvPicPr>
+            <a:picLocks noChangeAspect="1"/>
+          </p:cNvPicPr>
+          <p:nvPr/>
+        </p:nvPicPr>
+        <p:blipFill>
+          <a:blip r:embed="rId3"/>
+          <a:stretch>
+            <a:fillRect/>
+          </a:stretch>
+        </p:blipFill>
+        <p:spPr>
+          <a:xfrm>
+            <a:off x="6364621" y="2317225"/>
+            <a:ext cx="4111083" cy="4111083"/>
+          </a:xfrm>
+          <a:prstGeom prst="rect">
+            <a:avLst/>
+          </a:prstGeom>
+        </p:spPr>
+      </p:pic>
+      <p:sp>
+        <p:nvSpPr>
+          <p:cNvPr id="9" name="Rectangle 1"/>
+          <p:cNvSpPr>
+            <a:spLocks noChangeArrowheads="1"/>
+          </p:cNvSpPr>
+          <p:nvPr/>
+        </p:nvSpPr>
+        <p:spPr bwMode="auto">
+          <a:xfrm>
+            <a:off x="6688008" y="2468665"/>
+            <a:ext cx="2789225" cy="184666"/>
+          </a:xfrm>
+          <a:prstGeom prst="rect">
+            <a:avLst/>
+          </a:prstGeom>
+          <a:solidFill>
+            <a:srgbClr val="FFFFFF"/>
+          </a:solidFill>
+          <a:ln>
+            <a:noFill/>
+          </a:ln>
+          <a:effectLst/>
+          <a:extLst>
+            <a:ext uri="{91240B29-F687-4F45-9708-019B960494DF}">
+              <a14:hiddenLine xmlns:a14="http://schemas.microsoft.com/office/drawing/2010/main" w="9525">
+                <a:solidFill>
+                  <a:schemeClr val="tx1"/>
+                </a:solidFill>
+                <a:miter lim="800000"/>
+                <a:headEnd/>
+                <a:tailEnd/>
+              </a14:hiddenLine>
+            </a:ext>
+            <a:ext uri="{AF507438-7753-43E0-B8FC-AC1667EBCBE1}">
+              <a14:hiddenEffects xmlns:a14="http://schemas.microsoft.com/office/drawing/2010/main">
+                <a:effectLst>
+                  <a:outerShdw dist="35921" dir="2700000" algn="ctr" rotWithShape="0">
+                    <a:schemeClr val="bg2"/>
+                  </a:outerShdw>
+                </a:effectLst>
+              </a14:hiddenEffects>
+            </a:ext>
+          </a:extLst>
+        </p:spPr>
+        <p:txBody>
+          <a:bodyPr vert="horz" wrap="none" lIns="0" tIns="0" rIns="0" bIns="0" numCol="1" anchor="ctr" anchorCtr="0" compatLnSpc="1">
+            <a:prstTxWarp prst="textNoShape">
+              <a:avLst/>
+            </a:prstTxWarp>
+            <a:spAutoFit/>
+          </a:bodyPr>
+          <a:lstStyle/>
+          <a:p>
+            <a:pPr marL="0" marR="0" lvl="0" indent="0" algn="l" defTabSz="914400" rtl="0" eaLnBrk="0" fontAlgn="base" latinLnBrk="0" hangingPunct="0">
+              <a:lnSpc>
+                <a:spcPct val="100000"/>
+              </a:lnSpc>
+              <a:spcBef>
+                <a:spcPct val="0"/>
+              </a:spcBef>
+              <a:spcAft>
+                <a:spcPct val="0"/>
+              </a:spcAft>
+              <a:buClrTx/>
+              <a:buSzTx/>
+              <a:buFontTx/>
+              <a:buNone/>
+              <a:tabLst/>
+            </a:pPr>
+            <a:r>
+              <a:rPr kumimoji="0" lang="zh-CN" altLang="zh-CN" sz="1200" b="0" i="0" u="none" strike="noStrike" cap="none" normalizeH="0" baseline="0" dirty="0" smtClean="0">
+                <a:ln>
+                  <a:noFill/>
+                </a:ln>
+                <a:solidFill>
+                  <a:srgbClr val="0000FF"/>
+                </a:solidFill>
+                <a:effectLst/>
+                <a:latin typeface="Lucida Console" panose="020B0609040504020204" pitchFamily="49" charset="0"/>
+              </a:rPr>
+              <a:t>&gt; rect(5,20,16,100,density=10)</a:t>
+            </a:r>
+            <a:endParaRPr kumimoji="0" lang="zh-CN" altLang="zh-CN" sz="2800" b="0" i="0" u="none" strike="noStrike" cap="none" normalizeH="0" baseline="0" dirty="0" smtClean="0">
+              <a:ln>
+                <a:noFill/>
+              </a:ln>
+              <a:solidFill>
+                <a:schemeClr val="tx1"/>
+              </a:solidFill>
+              <a:effectLst/>
+              <a:latin typeface="Arial" panose="020B0604020202020204" pitchFamily="34" charset="0"/>
+            </a:endParaRPr>
           </a:p>
         </p:txBody>
       </p:sp>
@@ -4845,60 +5258,9 @@
           <a:chExt cx="0" cy="0"/>
         </a:xfrm>
       </p:grpSpPr>
-      <p:sp>
-        <p:nvSpPr>
-          <p:cNvPr id="2" name="标题 1"/>
-          <p:cNvSpPr>
-            <a:spLocks noGrp="1"/>
-          </p:cNvSpPr>
-          <p:nvPr>
-            <p:ph type="title"/>
-          </p:nvPr>
-        </p:nvSpPr>
-        <p:spPr/>
-        <p:txBody>
-          <a:bodyPr/>
-          <a:lstStyle/>
-          <a:p>
-            <a:r>
-              <a:rPr lang="zh-CN" altLang="en-US" dirty="0" smtClean="0"/>
-              <a:t>添加形状</a:t>
-            </a:r>
-            <a:endParaRPr lang="zh-CN" altLang="en-US" dirty="0"/>
-          </a:p>
-        </p:txBody>
-      </p:sp>
-      <p:sp>
-        <p:nvSpPr>
-          <p:cNvPr id="3" name="内容占位符 2"/>
-          <p:cNvSpPr>
-            <a:spLocks noGrp="1"/>
-          </p:cNvSpPr>
-          <p:nvPr>
-            <p:ph idx="1"/>
-          </p:nvPr>
-        </p:nvSpPr>
-        <p:spPr>
-          <a:xfrm>
-            <a:off x="1097280" y="1845734"/>
-            <a:ext cx="2604925" cy="4023360"/>
-          </a:xfrm>
-        </p:spPr>
-        <p:txBody>
-          <a:bodyPr/>
-          <a:lstStyle/>
-          <a:p>
-            <a:r>
-              <a:rPr lang="zh-CN" altLang="en-US" dirty="0" smtClean="0"/>
-              <a:t>添加矩形</a:t>
-            </a:r>
-            <a:endParaRPr lang="zh-CN" altLang="en-US" dirty="0"/>
-          </a:p>
-        </p:txBody>
-      </p:sp>
       <p:pic>
         <p:nvPicPr>
-          <p:cNvPr id="5" name="图片 4"/>
+          <p:cNvPr id="8" name="图片 7"/>
           <p:cNvPicPr>
             <a:picLocks noChangeAspect="1"/>
           </p:cNvPicPr>
@@ -4912,107 +5274,58 @@
         </p:blipFill>
         <p:spPr>
           <a:xfrm>
-            <a:off x="468350" y="2339896"/>
-            <a:ext cx="4111083" cy="4111083"/>
+            <a:off x="569454" y="2328973"/>
+            <a:ext cx="4289504" cy="4289504"/>
           </a:xfrm>
           <a:prstGeom prst="rect">
             <a:avLst/>
           </a:prstGeom>
         </p:spPr>
       </p:pic>
-      <p:sp>
-        <p:nvSpPr>
-          <p:cNvPr id="4" name="Rectangle 1"/>
-          <p:cNvSpPr>
-            <a:spLocks noChangeArrowheads="1"/>
-          </p:cNvSpPr>
+      <p:pic>
+        <p:nvPicPr>
+          <p:cNvPr id="10" name="图片 9"/>
+          <p:cNvPicPr>
+            <a:picLocks noChangeAspect="1"/>
+          </p:cNvPicPr>
           <p:nvPr/>
-        </p:nvSpPr>
-        <p:spPr bwMode="auto">
+        </p:nvPicPr>
+        <p:blipFill>
+          <a:blip r:embed="rId3"/>
+          <a:stretch>
+            <a:fillRect/>
+          </a:stretch>
+        </p:blipFill>
+        <p:spPr>
           <a:xfrm>
-            <a:off x="791737" y="2491336"/>
-            <a:ext cx="2789225" cy="184666"/>
+            <a:off x="6992041" y="2328973"/>
+            <a:ext cx="4300427" cy="4300427"/>
           </a:xfrm>
           <a:prstGeom prst="rect">
             <a:avLst/>
           </a:prstGeom>
-          <a:solidFill>
-            <a:srgbClr val="FFFFFF"/>
-          </a:solidFill>
-          <a:ln>
-            <a:noFill/>
-          </a:ln>
-          <a:effectLst/>
-          <a:extLst>
-            <a:ext uri="{91240B29-F687-4F45-9708-019B960494DF}">
-              <a14:hiddenLine xmlns:a14="http://schemas.microsoft.com/office/drawing/2010/main" w="9525">
-                <a:solidFill>
-                  <a:schemeClr val="tx1"/>
-                </a:solidFill>
-                <a:miter lim="800000"/>
-                <a:headEnd/>
-                <a:tailEnd/>
-              </a14:hiddenLine>
-            </a:ext>
-            <a:ext uri="{AF507438-7753-43E0-B8FC-AC1667EBCBE1}">
-              <a14:hiddenEffects xmlns:a14="http://schemas.microsoft.com/office/drawing/2010/main">
-                <a:effectLst>
-                  <a:outerShdw dist="35921" dir="2700000" algn="ctr" rotWithShape="0">
-                    <a:schemeClr val="bg2"/>
-                  </a:outerShdw>
-                </a:effectLst>
-              </a14:hiddenEffects>
-            </a:ext>
-          </a:extLst>
         </p:spPr>
-        <p:txBody>
-          <a:bodyPr vert="horz" wrap="none" lIns="0" tIns="0" rIns="0" bIns="0" numCol="1" anchor="ctr" anchorCtr="0" compatLnSpc="1">
-            <a:prstTxWarp prst="textNoShape">
-              <a:avLst/>
-            </a:prstTxWarp>
-            <a:spAutoFit/>
-          </a:bodyPr>
+      </p:pic>
+      <p:sp>
+        <p:nvSpPr>
+          <p:cNvPr id="2" name="标题 1"/>
+          <p:cNvSpPr>
+            <a:spLocks noGrp="1"/>
+          </p:cNvSpPr>
+          <p:nvPr>
+            <p:ph type="title"/>
+          </p:nvPr>
+        </p:nvSpPr>
+        <p:spPr/>
+        <p:txBody>
+          <a:bodyPr/>
           <a:lstStyle/>
           <a:p>
-            <a:pPr marL="0" marR="0" lvl="0" indent="0" algn="l" defTabSz="914400" rtl="0" eaLnBrk="0" fontAlgn="base" latinLnBrk="0" hangingPunct="0">
-              <a:lnSpc>
-                <a:spcPct val="100000"/>
-              </a:lnSpc>
-              <a:spcBef>
-                <a:spcPct val="0"/>
-              </a:spcBef>
-              <a:spcAft>
-                <a:spcPct val="0"/>
-              </a:spcAft>
-              <a:buClrTx/>
-              <a:buSzTx/>
-              <a:buFontTx/>
-              <a:buNone/>
-              <a:tabLst/>
-            </a:pPr>
-            <a:r>
-              <a:rPr kumimoji="0" lang="zh-CN" altLang="zh-CN" sz="1200" b="0" i="0" u="none" strike="noStrike" cap="none" normalizeH="0" baseline="0" dirty="0" smtClean="0">
-                <a:ln>
-                  <a:noFill/>
-                </a:ln>
-                <a:solidFill>
-                  <a:srgbClr val="0000FF"/>
-                </a:solidFill>
-                <a:effectLst/>
-                <a:latin typeface="Lucida Console" panose="020B0609040504020204" pitchFamily="49" charset="0"/>
-              </a:rPr>
-              <a:t>&gt; rect(5,20,16,100,density=10)</a:t>
-            </a:r>
-            <a:endParaRPr kumimoji="0" lang="zh-CN" altLang="zh-CN" sz="2800" b="0" i="0" u="none" strike="noStrike" cap="none" normalizeH="0" baseline="0" dirty="0" smtClean="0">
-              <a:ln>
-                <a:noFill/>
-              </a:ln>
-              <a:solidFill>
-                <a:schemeClr val="tx1"/>
-              </a:solidFill>
-              <a:effectLst/>
-              <a:latin typeface="Arial" panose="020B0604020202020204" pitchFamily="34" charset="0"/>
-            </a:endParaRPr>
+            <a:r>
+              <a:rPr lang="zh-CN" altLang="en-US" dirty="0" smtClean="0"/>
+              <a:t>添加形状</a:t>
+            </a:r>
+            <a:endParaRPr lang="zh-CN" altLang="en-US" dirty="0"/>
           </a:p>
         </p:txBody>
       </p:sp>
@@ -5026,7 +5339,7 @@
         </p:nvSpPr>
         <p:spPr>
           <a:xfrm>
-            <a:off x="5925690" y="1937338"/>
+            <a:off x="695836" y="1737360"/>
             <a:ext cx="2604925" cy="4023360"/>
           </a:xfrm>
           <a:prstGeom prst="rect">
@@ -5284,38 +5597,35 @@
             </a:lvl9pPr>
           </a:lstStyle>
           <a:p>
+            <a:pPr marL="0" indent="0">
+              <a:buNone/>
+            </a:pPr>
             <a:r>
               <a:rPr lang="zh-CN" altLang="en-US" dirty="0" smtClean="0"/>
-              <a:t>添加注释和箭头</a:t>
-            </a:r>
-            <a:endParaRPr lang="zh-CN" altLang="en-US" dirty="0"/>
-          </a:p>
-        </p:txBody>
-      </p:sp>
-      <p:pic>
-        <p:nvPicPr>
-          <p:cNvPr id="8" name="图片 7"/>
-          <p:cNvPicPr>
-            <a:picLocks noChangeAspect="1"/>
-          </p:cNvPicPr>
-          <p:nvPr/>
-        </p:nvPicPr>
-        <p:blipFill>
-          <a:blip r:embed="rId3"/>
-          <a:stretch>
-            <a:fillRect/>
-          </a:stretch>
-        </p:blipFill>
-        <p:spPr>
-          <a:xfrm>
-            <a:off x="6011406" y="2339896"/>
-            <a:ext cx="4289504" cy="4289504"/>
-          </a:xfrm>
-          <a:prstGeom prst="rect">
-            <a:avLst/>
-          </a:prstGeom>
-        </p:spPr>
-      </p:pic>
+              <a:t>添加注释和</a:t>
+            </a:r>
+            <a:r>
+              <a:rPr lang="zh-CN" altLang="en-US" dirty="0" smtClean="0"/>
+              <a:t>箭头</a:t>
+            </a:r>
+            <a:endParaRPr lang="en-US" altLang="zh-CN" dirty="0"/>
+          </a:p>
+          <a:p>
+            <a:pPr marL="0" indent="0">
+              <a:buNone/>
+            </a:pPr>
+            <a:r>
+              <a:rPr lang="en-US" altLang="zh-CN" sz="1600" dirty="0" smtClean="0"/>
+              <a:t>text</a:t>
+            </a:r>
+            <a:r>
+              <a:rPr lang="zh-CN" altLang="en-US" sz="1600" dirty="0" smtClean="0"/>
+              <a:t>仅能添加坐标轴内文本，按坐标定位</a:t>
+            </a:r>
+            <a:endParaRPr lang="zh-CN" altLang="en-US" sz="1600" dirty="0"/>
+          </a:p>
+        </p:txBody>
+      </p:sp>
       <p:sp>
         <p:nvSpPr>
           <p:cNvPr id="6" name="Rectangle 2"/>
@@ -5326,7 +5636,7 @@
         </p:nvSpPr>
         <p:spPr bwMode="auto">
           <a:xfrm>
-            <a:off x="8226624" y="1937338"/>
+            <a:off x="3459023" y="1859280"/>
             <a:ext cx="3533018" cy="738664"/>
           </a:xfrm>
           <a:prstGeom prst="rect">
@@ -5532,6 +5842,180 @@
               <a:effectLst/>
               <a:latin typeface="Arial" panose="020B0604020202020204" pitchFamily="34" charset="0"/>
             </a:endParaRPr>
+          </a:p>
+        </p:txBody>
+      </p:sp>
+      <p:sp>
+        <p:nvSpPr>
+          <p:cNvPr id="11" name="Rectangle 1"/>
+          <p:cNvSpPr>
+            <a:spLocks noChangeArrowheads="1"/>
+          </p:cNvSpPr>
+          <p:nvPr/>
+        </p:nvSpPr>
+        <p:spPr bwMode="auto">
+          <a:xfrm>
+            <a:off x="9108434" y="2257310"/>
+            <a:ext cx="3068148" cy="369332"/>
+          </a:xfrm>
+          <a:prstGeom prst="rect">
+            <a:avLst/>
+          </a:prstGeom>
+          <a:solidFill>
+            <a:srgbClr val="FFFFFF"/>
+          </a:solidFill>
+          <a:ln>
+            <a:noFill/>
+          </a:ln>
+          <a:effectLst/>
+          <a:extLst>
+            <a:ext uri="{91240B29-F687-4F45-9708-019B960494DF}">
+              <a14:hiddenLine xmlns:a14="http://schemas.microsoft.com/office/drawing/2010/main" w="9525">
+                <a:solidFill>
+                  <a:schemeClr val="tx1"/>
+                </a:solidFill>
+                <a:miter lim="800000"/>
+                <a:headEnd/>
+                <a:tailEnd/>
+              </a14:hiddenLine>
+            </a:ext>
+            <a:ext uri="{AF507438-7753-43E0-B8FC-AC1667EBCBE1}">
+              <a14:hiddenEffects xmlns:a14="http://schemas.microsoft.com/office/drawing/2010/main">
+                <a:effectLst>
+                  <a:outerShdw dist="35921" dir="2700000" algn="ctr" rotWithShape="0">
+                    <a:schemeClr val="bg2"/>
+                  </a:outerShdw>
+                </a:effectLst>
+              </a14:hiddenEffects>
+            </a:ext>
+          </a:extLst>
+        </p:spPr>
+        <p:txBody>
+          <a:bodyPr vert="horz" wrap="none" lIns="0" tIns="0" rIns="0" bIns="0" numCol="1" anchor="ctr" anchorCtr="0" compatLnSpc="1">
+            <a:prstTxWarp prst="textNoShape">
+              <a:avLst/>
+            </a:prstTxWarp>
+            <a:spAutoFit/>
+          </a:bodyPr>
+          <a:lstStyle/>
+          <a:p>
+            <a:pPr marL="0" marR="0" lvl="0" indent="0" algn="l" defTabSz="914400" rtl="0" eaLnBrk="0" fontAlgn="base" latinLnBrk="0" hangingPunct="0">
+              <a:lnSpc>
+                <a:spcPct val="100000"/>
+              </a:lnSpc>
+              <a:spcBef>
+                <a:spcPct val="0"/>
+              </a:spcBef>
+              <a:spcAft>
+                <a:spcPct val="0"/>
+              </a:spcAft>
+              <a:buClrTx/>
+              <a:buSzTx/>
+              <a:buFontTx/>
+              <a:buNone/>
+              <a:tabLst/>
+            </a:pPr>
+            <a:r>
+              <a:rPr kumimoji="0" lang="zh-CN" altLang="zh-CN" sz="1200" b="0" i="0" u="none" strike="noStrike" cap="none" normalizeH="0" baseline="0" dirty="0" smtClean="0">
+                <a:ln>
+                  <a:noFill/>
+                </a:ln>
+                <a:solidFill>
+                  <a:srgbClr val="0000FF"/>
+                </a:solidFill>
+                <a:effectLst/>
+                <a:latin typeface="Lucida Console" panose="020B0609040504020204" pitchFamily="49" charset="0"/>
+              </a:rPr>
+              <a:t>&gt; mtext("this is a test",side=3) </a:t>
+            </a:r>
+            <a:endParaRPr kumimoji="0" lang="en-US" altLang="zh-CN" sz="1200" b="0" i="0" u="none" strike="noStrike" cap="none" normalizeH="0" baseline="0" dirty="0" smtClean="0">
+              <a:ln>
+                <a:noFill/>
+              </a:ln>
+              <a:solidFill>
+                <a:srgbClr val="0000FF"/>
+              </a:solidFill>
+              <a:effectLst/>
+              <a:latin typeface="Lucida Console" panose="020B0609040504020204" pitchFamily="49" charset="0"/>
+            </a:endParaRPr>
+          </a:p>
+          <a:p>
+            <a:pPr marL="0" marR="0" lvl="0" indent="0" algn="l" defTabSz="914400" rtl="0" eaLnBrk="0" fontAlgn="base" latinLnBrk="0" hangingPunct="0">
+              <a:lnSpc>
+                <a:spcPct val="100000"/>
+              </a:lnSpc>
+              <a:spcBef>
+                <a:spcPct val="0"/>
+              </a:spcBef>
+              <a:spcAft>
+                <a:spcPct val="0"/>
+              </a:spcAft>
+              <a:buClrTx/>
+              <a:buSzTx/>
+              <a:buFontTx/>
+              <a:buNone/>
+              <a:tabLst/>
+            </a:pPr>
+            <a:r>
+              <a:rPr kumimoji="0" lang="zh-CN" altLang="zh-CN" sz="1200" b="0" i="0" u="none" strike="noStrike" cap="none" normalizeH="0" baseline="0" dirty="0" smtClean="0">
+                <a:ln>
+                  <a:noFill/>
+                </a:ln>
+                <a:solidFill>
+                  <a:srgbClr val="0000FF"/>
+                </a:solidFill>
+                <a:effectLst/>
+                <a:latin typeface="Lucida Console" panose="020B0609040504020204" pitchFamily="49" charset="0"/>
+              </a:rPr>
+              <a:t>&gt; mtext("this is a test",side=4)</a:t>
+            </a:r>
+            <a:endParaRPr kumimoji="0" lang="zh-CN" altLang="zh-CN" sz="2800" b="0" i="0" u="none" strike="noStrike" cap="none" normalizeH="0" baseline="0" dirty="0" smtClean="0">
+              <a:ln>
+                <a:noFill/>
+              </a:ln>
+              <a:solidFill>
+                <a:schemeClr val="tx1"/>
+              </a:solidFill>
+              <a:effectLst/>
+              <a:latin typeface="Arial" panose="020B0604020202020204" pitchFamily="34" charset="0"/>
+            </a:endParaRPr>
+          </a:p>
+        </p:txBody>
+      </p:sp>
+      <p:sp>
+        <p:nvSpPr>
+          <p:cNvPr id="12" name="文本框 11"/>
+          <p:cNvSpPr txBox="1"/>
+          <p:nvPr/>
+        </p:nvSpPr>
+        <p:spPr>
+          <a:xfrm>
+            <a:off x="7439490" y="1848729"/>
+            <a:ext cx="1569660" cy="615553"/>
+          </a:xfrm>
+          <a:prstGeom prst="rect">
+            <a:avLst/>
+          </a:prstGeom>
+          <a:noFill/>
+        </p:spPr>
+        <p:txBody>
+          <a:bodyPr wrap="none" rtlCol="0">
+            <a:spAutoFit/>
+          </a:bodyPr>
+          <a:lstStyle/>
+          <a:p>
+            <a:r>
+              <a:rPr lang="zh-CN" altLang="en-US" dirty="0" smtClean="0"/>
+              <a:t>添加图外文本</a:t>
+            </a:r>
+            <a:endParaRPr lang="en-US" altLang="zh-CN" dirty="0" smtClean="0"/>
+          </a:p>
+          <a:p>
+            <a:r>
+              <a:rPr lang="zh-CN" altLang="en-US" sz="1600" dirty="0" smtClean="0"/>
+              <a:t>按边定位</a:t>
+            </a:r>
+            <a:endParaRPr lang="zh-CN" altLang="en-US" sz="1600" dirty="0"/>
           </a:p>
         </p:txBody>
       </p:sp>
@@ -6171,7 +6655,12 @@
             <p:ph type="title"/>
           </p:nvPr>
         </p:nvSpPr>
-        <p:spPr/>
+        <p:spPr>
+          <a:xfrm>
+            <a:off x="1097280" y="1078173"/>
+            <a:ext cx="10058400" cy="604596"/>
+          </a:xfrm>
+        </p:spPr>
         <p:txBody>
           <a:bodyPr>
             <a:normAutofit/>
@@ -6179,10 +6668,10 @@
           <a:lstStyle/>
           <a:p>
             <a:r>
-              <a:rPr lang="zh-CN" altLang="en-US" sz="3600" dirty="0" smtClean="0"/>
-              <a:t>文本参数</a:t>
-            </a:r>
-            <a:endParaRPr lang="zh-CN" altLang="en-US" sz="3600" dirty="0"/>
+              <a:rPr lang="zh-CN" altLang="en-US" sz="2400" dirty="0" smtClean="0"/>
+              <a:t>补充说明：图形参数</a:t>
+            </a:r>
+            <a:endParaRPr lang="zh-CN" altLang="en-US" sz="2400" dirty="0"/>
           </a:p>
         </p:txBody>
       </p:sp>
@@ -6202,502 +6691,140 @@
           <a:lstStyle/>
           <a:p>
             <a:r>
+              <a:rPr lang="en-US" altLang="zh-CN" dirty="0" smtClean="0"/>
+              <a:t>par : </a:t>
+            </a:r>
+            <a:r>
               <a:rPr lang="zh-CN" altLang="en-US" dirty="0" smtClean="0"/>
-              <a:t>标题</a:t>
+              <a:t>设置或查看图形参数</a:t>
             </a:r>
             <a:endParaRPr lang="en-US" altLang="zh-CN" dirty="0" smtClean="0"/>
           </a:p>
           <a:p>
-            <a:pPr lvl="1"/>
-            <a:r>
-              <a:rPr lang="zh-CN" altLang="en-US" dirty="0"/>
-              <a:t>下</a:t>
+            <a:r>
+              <a:rPr lang="en-US" altLang="zh-CN" dirty="0" smtClean="0"/>
+              <a:t>help(“par”) </a:t>
             </a:r>
             <a:r>
               <a:rPr lang="zh-CN" altLang="en-US" dirty="0" smtClean="0"/>
-              <a:t>图中使用了专门给当前</a:t>
+              <a:t>参看</a:t>
             </a:r>
             <a:r>
               <a:rPr lang="en-US" altLang="zh-CN" dirty="0" smtClean="0"/>
-              <a:t>active</a:t>
+              <a:t>par</a:t>
             </a:r>
             <a:r>
               <a:rPr lang="zh-CN" altLang="en-US" dirty="0" smtClean="0"/>
-              <a:t>图片添加标题的命令，与</a:t>
-            </a:r>
+              <a:t>的说明文档</a:t>
+            </a:r>
+            <a:endParaRPr lang="en-US" altLang="zh-CN" dirty="0" smtClean="0"/>
+          </a:p>
+          <a:p>
+            <a:pPr marL="0" indent="0">
+              <a:buNone/>
+            </a:pPr>
             <a:r>
               <a:rPr lang="en-US" altLang="zh-CN" dirty="0" smtClean="0"/>
-              <a:t>plot</a:t>
+              <a:t>par() #</a:t>
             </a:r>
             <a:r>
               <a:rPr lang="zh-CN" altLang="en-US" dirty="0" smtClean="0"/>
-              <a:t>内部参数一致</a:t>
+              <a:t>默认状态下返回当前图形参数设置</a:t>
             </a:r>
             <a:endParaRPr lang="en-US" altLang="zh-CN" dirty="0" smtClean="0"/>
           </a:p>
           <a:p>
-            <a:pPr lvl="1"/>
+            <a:pPr marL="0" indent="0">
+              <a:buNone/>
+            </a:pPr>
+            <a:r>
+              <a:rPr lang="en-US" altLang="zh-CN" dirty="0" smtClean="0"/>
+              <a:t>par(</a:t>
+            </a:r>
+            <a:r>
+              <a:rPr lang="en-US" altLang="zh-CN" dirty="0" err="1" smtClean="0"/>
+              <a:t>optionname</a:t>
+            </a:r>
+            <a:r>
+              <a:rPr lang="en-US" altLang="zh-CN" dirty="0" smtClean="0"/>
+              <a:t>=name,……) #</a:t>
+            </a:r>
             <a:r>
               <a:rPr lang="zh-CN" altLang="en-US" dirty="0" smtClean="0"/>
-              <a:t>其中涉及参数</a:t>
+              <a:t>修改图形参数</a:t>
             </a:r>
             <a:endParaRPr lang="en-US" altLang="zh-CN" dirty="0" smtClean="0"/>
           </a:p>
           <a:p>
-            <a:pPr lvl="2"/>
+            <a:pPr marL="0" indent="0">
+              <a:buNone/>
+            </a:pPr>
+            <a:r>
+              <a:rPr lang="en-US" altLang="zh-CN" dirty="0" err="1" smtClean="0"/>
+              <a:t>opar</a:t>
+            </a:r>
             <a:r>
               <a:rPr lang="en-US" altLang="zh-CN" dirty="0" smtClean="0"/>
-              <a:t>main </a:t>
+              <a:t>&lt;- par(</a:t>
+            </a:r>
+            <a:r>
+              <a:rPr lang="en-US" altLang="zh-CN" dirty="0" err="1" smtClean="0"/>
+              <a:t>no.readonly</a:t>
+            </a:r>
+            <a:r>
+              <a:rPr lang="en-US" altLang="zh-CN" dirty="0" smtClean="0"/>
+              <a:t>=TRUE) #</a:t>
             </a:r>
             <a:r>
               <a:rPr lang="zh-CN" altLang="en-US" dirty="0" smtClean="0"/>
-              <a:t>图片标题</a:t>
+              <a:t>生成可修改的图形参数，并保存在变量</a:t>
+            </a:r>
+            <a:r>
+              <a:rPr lang="en-US" altLang="zh-CN" dirty="0" err="1" smtClean="0"/>
+              <a:t>opar</a:t>
+            </a:r>
+            <a:r>
+              <a:rPr lang="zh-CN" altLang="en-US" dirty="0" smtClean="0"/>
+              <a:t>当中，</a:t>
             </a:r>
             <a:endParaRPr lang="en-US" altLang="zh-CN" dirty="0" smtClean="0"/>
           </a:p>
           <a:p>
-            <a:pPr lvl="2"/>
+            <a:pPr marL="0" indent="0">
+              <a:buNone/>
+            </a:pPr>
             <a:r>
               <a:rPr lang="en-US" altLang="zh-CN" dirty="0" smtClean="0"/>
-              <a:t>sub </a:t>
+              <a:t>par(</a:t>
+            </a:r>
+            <a:r>
+              <a:rPr lang="en-US" altLang="zh-CN" dirty="0" err="1" smtClean="0"/>
+              <a:t>opar</a:t>
+            </a:r>
+            <a:r>
+              <a:rPr lang="en-US" altLang="zh-CN" dirty="0" smtClean="0"/>
+              <a:t>) #</a:t>
             </a:r>
             <a:r>
               <a:rPr lang="zh-CN" altLang="en-US" dirty="0" smtClean="0"/>
-              <a:t>图片副标题</a:t>
-            </a:r>
-            <a:endParaRPr lang="en-US" altLang="zh-CN" dirty="0" smtClean="0"/>
-          </a:p>
-          <a:p>
-            <a:pPr lvl="2"/>
+              <a:t>恢复存储在变量</a:t>
+            </a:r>
             <a:r>
               <a:rPr lang="en-US" altLang="zh-CN" dirty="0" err="1" smtClean="0"/>
-              <a:t>xlab</a:t>
-            </a:r>
-            <a:r>
-              <a:rPr lang="en-US" altLang="zh-CN" dirty="0" smtClean="0"/>
-              <a:t> </a:t>
-            </a:r>
-            <a:r>
-              <a:rPr lang="en-US" altLang="zh-CN" dirty="0" err="1" smtClean="0"/>
-              <a:t>ylab</a:t>
-            </a:r>
-            <a:r>
-              <a:rPr lang="en-US" altLang="zh-CN" dirty="0" smtClean="0"/>
-              <a:t> x</a:t>
+              <a:t>opar</a:t>
             </a:r>
             <a:r>
               <a:rPr lang="zh-CN" altLang="en-US" dirty="0" smtClean="0"/>
-              <a:t>轴和</a:t>
-            </a:r>
-            <a:r>
-              <a:rPr lang="en-US" altLang="zh-CN" dirty="0" smtClean="0"/>
-              <a:t>y</a:t>
-            </a:r>
-            <a:r>
-              <a:rPr lang="zh-CN" altLang="en-US" dirty="0" smtClean="0"/>
-              <a:t>轴标题</a:t>
-            </a:r>
-            <a:endParaRPr lang="en-US" altLang="zh-CN" dirty="0" smtClean="0"/>
-          </a:p>
-          <a:p>
-            <a:pPr lvl="2"/>
-            <a:r>
-              <a:rPr lang="en-US" altLang="zh-CN" dirty="0" smtClean="0"/>
-              <a:t>col. </a:t>
-            </a:r>
-            <a:r>
-              <a:rPr lang="zh-CN" altLang="en-US" dirty="0" smtClean="0"/>
-              <a:t>为</a:t>
-            </a:r>
-            <a:r>
-              <a:rPr lang="en-US" altLang="zh-CN" dirty="0" smtClean="0"/>
-              <a:t>main sub </a:t>
-            </a:r>
-            <a:r>
-              <a:rPr lang="en-US" altLang="zh-CN" dirty="0" err="1" smtClean="0"/>
-              <a:t>xlab</a:t>
-            </a:r>
-            <a:r>
-              <a:rPr lang="en-US" altLang="zh-CN" dirty="0" smtClean="0"/>
-              <a:t> </a:t>
-            </a:r>
-            <a:r>
-              <a:rPr lang="en-US" altLang="zh-CN" dirty="0" err="1" smtClean="0"/>
-              <a:t>ylab</a:t>
-            </a:r>
-            <a:r>
-              <a:rPr lang="zh-CN" altLang="en-US" dirty="0" smtClean="0"/>
-              <a:t>等配置颜色</a:t>
-            </a:r>
-            <a:endParaRPr lang="en-US" altLang="zh-CN" dirty="0" smtClean="0"/>
-          </a:p>
-          <a:p>
-            <a:pPr lvl="1"/>
-            <a:r>
-              <a:rPr lang="zh-CN" altLang="en-US" dirty="0" smtClean="0"/>
-              <a:t>以上参数都可以合并在</a:t>
-            </a:r>
-            <a:r>
-              <a:rPr lang="en-US" altLang="zh-CN" dirty="0" smtClean="0"/>
-              <a:t>plot</a:t>
-            </a:r>
-            <a:r>
-              <a:rPr lang="zh-CN" altLang="en-US" dirty="0" smtClean="0"/>
-              <a:t>命令当中进行</a:t>
+              <a:t>中的参数设置</a:t>
             </a:r>
             <a:endParaRPr lang="zh-CN" altLang="en-US" dirty="0"/>
-          </a:p>
-        </p:txBody>
-      </p:sp>
-      <p:sp>
-        <p:nvSpPr>
-          <p:cNvPr id="4" name="Rectangle 6"/>
-          <p:cNvSpPr>
-            <a:spLocks noChangeArrowheads="1"/>
-          </p:cNvSpPr>
-          <p:nvPr/>
-        </p:nvSpPr>
-        <p:spPr bwMode="auto">
-          <a:xfrm>
-            <a:off x="1706135" y="4492757"/>
-            <a:ext cx="5680432" cy="957355"/>
-          </a:xfrm>
-          <a:prstGeom prst="rect">
-            <a:avLst/>
-          </a:prstGeom>
-          <a:noFill/>
-          <a:ln w="19050">
-            <a:solidFill>
-              <a:schemeClr val="hlink"/>
-            </a:solidFill>
-            <a:miter lim="800000"/>
-            <a:headEnd/>
-            <a:tailEnd/>
-          </a:ln>
-          <a:effectLst/>
-          <a:extLst>
-            <a:ext uri="{909E8E84-426E-40dd-AFC4-6F175D3DCCD1}">
-              <a14:hiddenFill xmlns:lc="http://schemas.openxmlformats.org/drawingml/2006/lockedCanvas" xmlns:a14="http://schemas.microsoft.com/office/drawing/2010/main" xmlns="">
-                <a:solidFill>
-                  <a:schemeClr val="accent1"/>
-                </a:solidFill>
-              </a14:hiddenFill>
-            </a:ext>
-            <a:ext uri="{AF507438-7753-43e0-B8FC-AC1667EBCBE1}">
-              <a14:hiddenEffects xmlns:lc="http://schemas.openxmlformats.org/drawingml/2006/lockedCanvas" xmlns:a14="http://schemas.microsoft.com/office/drawing/2010/main" xmlns="">
-                <a:effectLst>
-                  <a:outerShdw blurRad="63500" dist="12700" dir="2700000" algn="ctr" rotWithShape="0">
-                    <a:schemeClr val="hlink">
-                      <a:gamma/>
-                      <a:shade val="60000"/>
-                      <a:invGamma/>
-                      <a:alpha val="75000"/>
-                    </a:schemeClr>
-                  </a:outerShdw>
-                </a:effectLst>
-              </a14:hiddenEffects>
-            </a:ext>
-          </a:extLst>
-        </p:spPr>
-        <p:txBody>
-          <a:bodyPr wrap="square" tIns="90000" bIns="90000">
-            <a:spAutoFit/>
-          </a:bodyPr>
-          <a:lstStyle>
-            <a:defPPr>
-              <a:defRPr lang="en-US"/>
-            </a:defPPr>
-            <a:lvl1pPr algn="l" rtl="0" fontAlgn="base">
-              <a:spcBef>
-                <a:spcPct val="0"/>
-              </a:spcBef>
-              <a:spcAft>
-                <a:spcPct val="0"/>
-              </a:spcAft>
-              <a:defRPr sz="2000" kern="1200">
-                <a:solidFill>
-                  <a:schemeClr val="tx1"/>
-                </a:solidFill>
-                <a:latin typeface="Helvetica" panose="020B0604020202020204" pitchFamily="34" charset="0"/>
-                <a:ea typeface="MS PGothic" panose="020B0600070205080204" pitchFamily="34" charset="-128"/>
-                <a:cs typeface="+mn-cs"/>
-              </a:defRPr>
-            </a:lvl1pPr>
-            <a:lvl2pPr marL="457200" algn="l" rtl="0" fontAlgn="base">
-              <a:spcBef>
-                <a:spcPct val="0"/>
-              </a:spcBef>
-              <a:spcAft>
-                <a:spcPct val="0"/>
-              </a:spcAft>
-              <a:defRPr sz="2000" kern="1200">
-                <a:solidFill>
-                  <a:schemeClr val="tx1"/>
-                </a:solidFill>
-                <a:latin typeface="Helvetica" panose="020B0604020202020204" pitchFamily="34" charset="0"/>
-                <a:ea typeface="MS PGothic" panose="020B0600070205080204" pitchFamily="34" charset="-128"/>
-                <a:cs typeface="+mn-cs"/>
-              </a:defRPr>
-            </a:lvl2pPr>
-            <a:lvl3pPr marL="914400" algn="l" rtl="0" fontAlgn="base">
-              <a:spcBef>
-                <a:spcPct val="0"/>
-              </a:spcBef>
-              <a:spcAft>
-                <a:spcPct val="0"/>
-              </a:spcAft>
-              <a:defRPr sz="2000" kern="1200">
-                <a:solidFill>
-                  <a:schemeClr val="tx1"/>
-                </a:solidFill>
-                <a:latin typeface="Helvetica" panose="020B0604020202020204" pitchFamily="34" charset="0"/>
-                <a:ea typeface="MS PGothic" panose="020B0600070205080204" pitchFamily="34" charset="-128"/>
-                <a:cs typeface="+mn-cs"/>
-              </a:defRPr>
-            </a:lvl3pPr>
-            <a:lvl4pPr marL="1371600" algn="l" rtl="0" fontAlgn="base">
-              <a:spcBef>
-                <a:spcPct val="0"/>
-              </a:spcBef>
-              <a:spcAft>
-                <a:spcPct val="0"/>
-              </a:spcAft>
-              <a:defRPr sz="2000" kern="1200">
-                <a:solidFill>
-                  <a:schemeClr val="tx1"/>
-                </a:solidFill>
-                <a:latin typeface="Helvetica" panose="020B0604020202020204" pitchFamily="34" charset="0"/>
-                <a:ea typeface="MS PGothic" panose="020B0600070205080204" pitchFamily="34" charset="-128"/>
-                <a:cs typeface="+mn-cs"/>
-              </a:defRPr>
-            </a:lvl4pPr>
-            <a:lvl5pPr marL="1828800" algn="l" rtl="0" fontAlgn="base">
-              <a:spcBef>
-                <a:spcPct val="0"/>
-              </a:spcBef>
-              <a:spcAft>
-                <a:spcPct val="0"/>
-              </a:spcAft>
-              <a:defRPr sz="2000" kern="1200">
-                <a:solidFill>
-                  <a:schemeClr val="tx1"/>
-                </a:solidFill>
-                <a:latin typeface="Helvetica" panose="020B0604020202020204" pitchFamily="34" charset="0"/>
-                <a:ea typeface="MS PGothic" panose="020B0600070205080204" pitchFamily="34" charset="-128"/>
-                <a:cs typeface="+mn-cs"/>
-              </a:defRPr>
-            </a:lvl5pPr>
-            <a:lvl6pPr marL="2286000" algn="l" defTabSz="914400" rtl="0" eaLnBrk="1" latinLnBrk="0" hangingPunct="1">
-              <a:defRPr sz="2000" kern="1200">
-                <a:solidFill>
-                  <a:schemeClr val="tx1"/>
-                </a:solidFill>
-                <a:latin typeface="Helvetica" panose="020B0604020202020204" pitchFamily="34" charset="0"/>
-                <a:ea typeface="MS PGothic" panose="020B0600070205080204" pitchFamily="34" charset="-128"/>
-                <a:cs typeface="+mn-cs"/>
-              </a:defRPr>
-            </a:lvl6pPr>
-            <a:lvl7pPr marL="2743200" algn="l" defTabSz="914400" rtl="0" eaLnBrk="1" latinLnBrk="0" hangingPunct="1">
-              <a:defRPr sz="2000" kern="1200">
-                <a:solidFill>
-                  <a:schemeClr val="tx1"/>
-                </a:solidFill>
-                <a:latin typeface="Helvetica" panose="020B0604020202020204" pitchFamily="34" charset="0"/>
-                <a:ea typeface="MS PGothic" panose="020B0600070205080204" pitchFamily="34" charset="-128"/>
-                <a:cs typeface="+mn-cs"/>
-              </a:defRPr>
-            </a:lvl7pPr>
-            <a:lvl8pPr marL="3200400" algn="l" defTabSz="914400" rtl="0" eaLnBrk="1" latinLnBrk="0" hangingPunct="1">
-              <a:defRPr sz="2000" kern="1200">
-                <a:solidFill>
-                  <a:schemeClr val="tx1"/>
-                </a:solidFill>
-                <a:latin typeface="Helvetica" panose="020B0604020202020204" pitchFamily="34" charset="0"/>
-                <a:ea typeface="MS PGothic" panose="020B0600070205080204" pitchFamily="34" charset="-128"/>
-                <a:cs typeface="+mn-cs"/>
-              </a:defRPr>
-            </a:lvl8pPr>
-            <a:lvl9pPr marL="3657600" algn="l" defTabSz="914400" rtl="0" eaLnBrk="1" latinLnBrk="0" hangingPunct="1">
-              <a:defRPr sz="2000" kern="1200">
-                <a:solidFill>
-                  <a:schemeClr val="tx1"/>
-                </a:solidFill>
-                <a:latin typeface="Helvetica" panose="020B0604020202020204" pitchFamily="34" charset="0"/>
-                <a:ea typeface="MS PGothic" panose="020B0600070205080204" pitchFamily="34" charset="-128"/>
-                <a:cs typeface="+mn-cs"/>
-              </a:defRPr>
-            </a:lvl9pPr>
-          </a:lstStyle>
-          <a:p>
-            <a:pPr eaLnBrk="0" hangingPunct="0">
-              <a:lnSpc>
-                <a:spcPct val="120000"/>
-              </a:lnSpc>
-              <a:defRPr/>
-            </a:pPr>
-            <a:r>
-              <a:rPr lang="en-US" sz="1400" dirty="0" smtClean="0">
-                <a:solidFill>
-                  <a:srgbClr val="0000FF"/>
-                </a:solidFill>
-                <a:latin typeface="Times New Roman" panose="02020603050405020304" pitchFamily="18" charset="0"/>
-                <a:ea typeface="ＭＳ Ｐゴシック" charset="0"/>
-                <a:cs typeface="Times New Roman" panose="02020603050405020304" pitchFamily="18" charset="0"/>
-              </a:rPr>
-              <a:t>&gt;title(main=“main title”, sub=“sub-title”, </a:t>
-            </a:r>
-            <a:r>
-              <a:rPr lang="en-US" sz="1400" dirty="0" err="1" smtClean="0">
-                <a:solidFill>
-                  <a:srgbClr val="0000FF"/>
-                </a:solidFill>
-                <a:latin typeface="Times New Roman" panose="02020603050405020304" pitchFamily="18" charset="0"/>
-                <a:ea typeface="ＭＳ Ｐゴシック" charset="0"/>
-                <a:cs typeface="Times New Roman" panose="02020603050405020304" pitchFamily="18" charset="0"/>
-              </a:rPr>
-              <a:t>xlab</a:t>
-            </a:r>
-            <a:r>
-              <a:rPr lang="en-US" sz="1400" dirty="0" smtClean="0">
-                <a:solidFill>
-                  <a:srgbClr val="0000FF"/>
-                </a:solidFill>
-                <a:latin typeface="Times New Roman" panose="02020603050405020304" pitchFamily="18" charset="0"/>
-                <a:ea typeface="ＭＳ Ｐゴシック" charset="0"/>
-                <a:cs typeface="Times New Roman" panose="02020603050405020304" pitchFamily="18" charset="0"/>
-              </a:rPr>
-              <a:t>=“This is label of x”, </a:t>
-            </a:r>
-            <a:r>
-              <a:rPr lang="en-US" sz="1400" dirty="0" err="1" smtClean="0">
-                <a:solidFill>
-                  <a:srgbClr val="0000FF"/>
-                </a:solidFill>
-                <a:latin typeface="Times New Roman" panose="02020603050405020304" pitchFamily="18" charset="0"/>
-                <a:ea typeface="ＭＳ Ｐゴシック" charset="0"/>
-                <a:cs typeface="Times New Roman" panose="02020603050405020304" pitchFamily="18" charset="0"/>
-              </a:rPr>
-              <a:t>ylab</a:t>
-            </a:r>
-            <a:r>
-              <a:rPr lang="en-US" sz="1400" dirty="0" smtClean="0">
-                <a:solidFill>
-                  <a:srgbClr val="0000FF"/>
-                </a:solidFill>
-                <a:latin typeface="Times New Roman" panose="02020603050405020304" pitchFamily="18" charset="0"/>
-                <a:ea typeface="ＭＳ Ｐゴシック" charset="0"/>
-                <a:cs typeface="Times New Roman" panose="02020603050405020304" pitchFamily="18" charset="0"/>
-              </a:rPr>
-              <a:t>=“this is y label”, </a:t>
-            </a:r>
-            <a:r>
-              <a:rPr lang="en-US" sz="1400" dirty="0" err="1" smtClean="0">
-                <a:solidFill>
-                  <a:srgbClr val="0000FF"/>
-                </a:solidFill>
-                <a:latin typeface="Times New Roman" panose="02020603050405020304" pitchFamily="18" charset="0"/>
-                <a:ea typeface="ＭＳ Ｐゴシック" charset="0"/>
-                <a:cs typeface="Times New Roman" panose="02020603050405020304" pitchFamily="18" charset="0"/>
-              </a:rPr>
-              <a:t>col.main</a:t>
-            </a:r>
-            <a:r>
-              <a:rPr lang="en-US" sz="1400" dirty="0" smtClean="0">
-                <a:solidFill>
-                  <a:srgbClr val="0000FF"/>
-                </a:solidFill>
-                <a:latin typeface="Times New Roman" panose="02020603050405020304" pitchFamily="18" charset="0"/>
-                <a:ea typeface="ＭＳ Ｐゴシック" charset="0"/>
-                <a:cs typeface="Times New Roman" panose="02020603050405020304" pitchFamily="18" charset="0"/>
-              </a:rPr>
-              <a:t>=“green”,</a:t>
-            </a:r>
-            <a:r>
-              <a:rPr lang="en-US" sz="1400" dirty="0" err="1" smtClean="0">
-                <a:solidFill>
-                  <a:srgbClr val="0000FF"/>
-                </a:solidFill>
-                <a:latin typeface="Times New Roman" panose="02020603050405020304" pitchFamily="18" charset="0"/>
-                <a:ea typeface="ＭＳ Ｐゴシック" charset="0"/>
-                <a:cs typeface="Times New Roman" panose="02020603050405020304" pitchFamily="18" charset="0"/>
-              </a:rPr>
-              <a:t>col.sub</a:t>
-            </a:r>
-            <a:r>
-              <a:rPr lang="en-US" sz="1400" dirty="0" smtClean="0">
-                <a:solidFill>
-                  <a:srgbClr val="0000FF"/>
-                </a:solidFill>
-                <a:latin typeface="Times New Roman" panose="02020603050405020304" pitchFamily="18" charset="0"/>
-                <a:ea typeface="ＭＳ Ｐゴシック" charset="0"/>
-                <a:cs typeface="Times New Roman" panose="02020603050405020304" pitchFamily="18" charset="0"/>
-              </a:rPr>
-              <a:t>=“red”,</a:t>
-            </a:r>
-            <a:r>
-              <a:rPr lang="en-US" sz="1400" dirty="0" err="1" smtClean="0">
-                <a:solidFill>
-                  <a:srgbClr val="0000FF"/>
-                </a:solidFill>
-                <a:latin typeface="Times New Roman" panose="02020603050405020304" pitchFamily="18" charset="0"/>
-                <a:ea typeface="ＭＳ Ｐゴシック" charset="0"/>
-                <a:cs typeface="Times New Roman" panose="02020603050405020304" pitchFamily="18" charset="0"/>
-              </a:rPr>
-              <a:t>col.lab</a:t>
-            </a:r>
-            <a:r>
-              <a:rPr lang="en-US" sz="1400" dirty="0" smtClean="0">
-                <a:solidFill>
-                  <a:srgbClr val="0000FF"/>
-                </a:solidFill>
-                <a:latin typeface="Times New Roman" panose="02020603050405020304" pitchFamily="18" charset="0"/>
-                <a:ea typeface="ＭＳ Ｐゴシック" charset="0"/>
-                <a:cs typeface="Times New Roman" panose="02020603050405020304" pitchFamily="18" charset="0"/>
-              </a:rPr>
-              <a:t>=“blue”)</a:t>
-            </a:r>
-            <a:endParaRPr lang="en-US" sz="1400" dirty="0">
-              <a:solidFill>
-                <a:srgbClr val="0000FF"/>
-              </a:solidFill>
-              <a:latin typeface="Times New Roman" panose="02020603050405020304" pitchFamily="18" charset="0"/>
-              <a:ea typeface="ＭＳ Ｐゴシック" charset="0"/>
-              <a:cs typeface="Times New Roman" panose="02020603050405020304" pitchFamily="18" charset="0"/>
-            </a:endParaRPr>
-          </a:p>
-          <a:p>
-            <a:pPr eaLnBrk="0" hangingPunct="0">
-              <a:lnSpc>
-                <a:spcPct val="120000"/>
-              </a:lnSpc>
-              <a:defRPr/>
-            </a:pPr>
-            <a:r>
-              <a:rPr lang="en-US" sz="1400" dirty="0" smtClean="0">
-                <a:solidFill>
-                  <a:srgbClr val="0000FF"/>
-                </a:solidFill>
-                <a:latin typeface="Times New Roman" panose="02020603050405020304" pitchFamily="18" charset="0"/>
-                <a:ea typeface="ＭＳ Ｐゴシック" charset="0"/>
-                <a:cs typeface="Times New Roman" panose="02020603050405020304" pitchFamily="18" charset="0"/>
-              </a:rPr>
-              <a:t>&gt;</a:t>
-            </a:r>
-            <a:endParaRPr lang="en-US" sz="1400" dirty="0">
-              <a:solidFill>
-                <a:srgbClr val="0000FF"/>
-              </a:solidFill>
-              <a:latin typeface="Times New Roman" panose="02020603050405020304" pitchFamily="18" charset="0"/>
-              <a:ea typeface="ＭＳ Ｐゴシック" charset="0"/>
-              <a:cs typeface="Times New Roman" panose="02020603050405020304" pitchFamily="18" charset="0"/>
-            </a:endParaRPr>
           </a:p>
         </p:txBody>
       </p:sp>
     </p:spTree>
     <p:extLst>
       <p:ext uri="{BB962C8B-B14F-4D97-AF65-F5344CB8AC3E}">
-        <p14:creationId xmlns:p14="http://schemas.microsoft.com/office/powerpoint/2010/main" val="1615769175"/>
+        <p14:creationId xmlns:p14="http://schemas.microsoft.com/office/powerpoint/2010/main" val="1016322"/>
       </p:ext>
     </p:extLst>
   </p:cSld>
@@ -6741,227 +6868,6 @@
             <p:ph type="title"/>
           </p:nvPr>
         </p:nvSpPr>
-        <p:spPr>
-          <a:xfrm>
-            <a:off x="1097280" y="1078173"/>
-            <a:ext cx="10058400" cy="604596"/>
-          </a:xfrm>
-        </p:spPr>
-        <p:txBody>
-          <a:bodyPr>
-            <a:normAutofit/>
-          </a:bodyPr>
-          <a:lstStyle/>
-          <a:p>
-            <a:r>
-              <a:rPr lang="zh-CN" altLang="en-US" sz="2400" dirty="0" smtClean="0"/>
-              <a:t>补充说明：图形</a:t>
-            </a:r>
-            <a:r>
-              <a:rPr lang="zh-CN" altLang="en-US" sz="2400" dirty="0" smtClean="0"/>
-              <a:t>参数</a:t>
-            </a:r>
-            <a:endParaRPr lang="zh-CN" altLang="en-US" sz="2400" dirty="0"/>
-          </a:p>
-        </p:txBody>
-      </p:sp>
-      <p:sp>
-        <p:nvSpPr>
-          <p:cNvPr id="3" name="内容占位符 2"/>
-          <p:cNvSpPr>
-            <a:spLocks noGrp="1"/>
-          </p:cNvSpPr>
-          <p:nvPr>
-            <p:ph idx="1"/>
-          </p:nvPr>
-        </p:nvSpPr>
-        <p:spPr/>
-        <p:txBody>
-          <a:bodyPr/>
-          <a:lstStyle/>
-          <a:p>
-            <a:r>
-              <a:rPr lang="en-US" altLang="zh-CN" dirty="0" smtClean="0"/>
-              <a:t>par : </a:t>
-            </a:r>
-            <a:r>
-              <a:rPr lang="zh-CN" altLang="en-US" dirty="0" smtClean="0"/>
-              <a:t>设置或查看图形参数</a:t>
-            </a:r>
-            <a:endParaRPr lang="en-US" altLang="zh-CN" dirty="0" smtClean="0"/>
-          </a:p>
-          <a:p>
-            <a:r>
-              <a:rPr lang="en-US" altLang="zh-CN" dirty="0" smtClean="0"/>
-              <a:t>help(“par”) </a:t>
-            </a:r>
-            <a:r>
-              <a:rPr lang="zh-CN" altLang="en-US" dirty="0" smtClean="0"/>
-              <a:t>参看</a:t>
-            </a:r>
-            <a:r>
-              <a:rPr lang="en-US" altLang="zh-CN" dirty="0" smtClean="0"/>
-              <a:t>par</a:t>
-            </a:r>
-            <a:r>
-              <a:rPr lang="zh-CN" altLang="en-US" dirty="0" smtClean="0"/>
-              <a:t>的说明文档</a:t>
-            </a:r>
-            <a:endParaRPr lang="en-US" altLang="zh-CN" dirty="0" smtClean="0"/>
-          </a:p>
-          <a:p>
-            <a:pPr marL="0" indent="0">
-              <a:buNone/>
-            </a:pPr>
-            <a:r>
-              <a:rPr lang="en-US" altLang="zh-CN" dirty="0" smtClean="0"/>
-              <a:t>par</a:t>
-            </a:r>
-            <a:r>
-              <a:rPr lang="en-US" altLang="zh-CN" dirty="0" smtClean="0"/>
-              <a:t>() #</a:t>
-            </a:r>
-            <a:r>
-              <a:rPr lang="zh-CN" altLang="en-US" dirty="0" smtClean="0"/>
-              <a:t>默认状态下返回当前图形参数设置</a:t>
-            </a:r>
-            <a:endParaRPr lang="en-US" altLang="zh-CN" dirty="0" smtClean="0"/>
-          </a:p>
-          <a:p>
-            <a:pPr marL="0" indent="0">
-              <a:buNone/>
-            </a:pPr>
-            <a:r>
-              <a:rPr lang="en-US" altLang="zh-CN" dirty="0" smtClean="0"/>
-              <a:t>par(</a:t>
-            </a:r>
-            <a:r>
-              <a:rPr lang="en-US" altLang="zh-CN" dirty="0" err="1" smtClean="0"/>
-              <a:t>optionname</a:t>
-            </a:r>
-            <a:r>
-              <a:rPr lang="en-US" altLang="zh-CN" dirty="0" smtClean="0"/>
-              <a:t>=name,……) #</a:t>
-            </a:r>
-            <a:r>
-              <a:rPr lang="zh-CN" altLang="en-US" dirty="0" smtClean="0"/>
-              <a:t>修改图形参数</a:t>
-            </a:r>
-            <a:endParaRPr lang="en-US" altLang="zh-CN" dirty="0" smtClean="0"/>
-          </a:p>
-          <a:p>
-            <a:pPr marL="0" indent="0">
-              <a:buNone/>
-            </a:pPr>
-            <a:r>
-              <a:rPr lang="en-US" altLang="zh-CN" dirty="0" err="1" smtClean="0"/>
-              <a:t>opar</a:t>
-            </a:r>
-            <a:r>
-              <a:rPr lang="en-US" altLang="zh-CN" dirty="0" smtClean="0"/>
-              <a:t>&lt;- par(</a:t>
-            </a:r>
-            <a:r>
-              <a:rPr lang="en-US" altLang="zh-CN" dirty="0" err="1" smtClean="0"/>
-              <a:t>no.readonly</a:t>
-            </a:r>
-            <a:r>
-              <a:rPr lang="en-US" altLang="zh-CN" dirty="0" smtClean="0"/>
-              <a:t>=TRUE) #</a:t>
-            </a:r>
-            <a:r>
-              <a:rPr lang="zh-CN" altLang="en-US" dirty="0" smtClean="0"/>
-              <a:t>生成可修改的图形参数，并保存在变量</a:t>
-            </a:r>
-            <a:r>
-              <a:rPr lang="en-US" altLang="zh-CN" dirty="0" err="1" smtClean="0"/>
-              <a:t>opar</a:t>
-            </a:r>
-            <a:r>
-              <a:rPr lang="zh-CN" altLang="en-US" dirty="0" smtClean="0"/>
-              <a:t>当中，</a:t>
-            </a:r>
-            <a:endParaRPr lang="en-US" altLang="zh-CN" dirty="0" smtClean="0"/>
-          </a:p>
-          <a:p>
-            <a:pPr marL="0" indent="0">
-              <a:buNone/>
-            </a:pPr>
-            <a:r>
-              <a:rPr lang="en-US" altLang="zh-CN" dirty="0" smtClean="0"/>
-              <a:t>par(</a:t>
-            </a:r>
-            <a:r>
-              <a:rPr lang="en-US" altLang="zh-CN" dirty="0" err="1" smtClean="0"/>
-              <a:t>opar</a:t>
-            </a:r>
-            <a:r>
-              <a:rPr lang="en-US" altLang="zh-CN" dirty="0" smtClean="0"/>
-              <a:t>) #</a:t>
-            </a:r>
-            <a:r>
-              <a:rPr lang="zh-CN" altLang="en-US" dirty="0" smtClean="0"/>
-              <a:t>恢复存储在变量</a:t>
-            </a:r>
-            <a:r>
-              <a:rPr lang="en-US" altLang="zh-CN" dirty="0" err="1" smtClean="0"/>
-              <a:t>opar</a:t>
-            </a:r>
-            <a:r>
-              <a:rPr lang="zh-CN" altLang="en-US" dirty="0" smtClean="0"/>
-              <a:t>中的参数设置</a:t>
-            </a:r>
-            <a:endParaRPr lang="zh-CN" altLang="en-US" dirty="0"/>
-          </a:p>
-        </p:txBody>
-      </p:sp>
-    </p:spTree>
-    <p:extLst>
-      <p:ext uri="{BB962C8B-B14F-4D97-AF65-F5344CB8AC3E}">
-        <p14:creationId xmlns:p14="http://schemas.microsoft.com/office/powerpoint/2010/main" val="1016322"/>
-      </p:ext>
-    </p:extLst>
-  </p:cSld>
-  <p:clrMapOvr>
-    <a:masterClrMapping/>
-  </p:clrMapOvr>
-  <p:timing>
-    <p:tnLst>
-      <p:par>
-        <p:cTn id="1" dur="indefinite" restart="never" nodeType="tmRoot"/>
-      </p:par>
-    </p:tnLst>
-  </p:timing>
-</p:sld>
-</file>
-
-<file path=ppt/slides/slide16.xml><?xml version="1.0" encoding="utf-8"?>
-<p:sld xmlns:a="http://schemas.openxmlformats.org/drawingml/2006/main" xmlns:r="http://schemas.openxmlformats.org/officeDocument/2006/relationships" xmlns:p="http://schemas.openxmlformats.org/presentationml/2006/main">
-  <p:cSld>
-    <p:spTree>
-      <p:nvGrpSpPr>
-        <p:cNvPr id="1" name=""/>
-        <p:cNvGrpSpPr/>
-        <p:nvPr/>
-      </p:nvGrpSpPr>
-      <p:grpSpPr>
-        <a:xfrm>
-          <a:off x="0" y="0"/>
-          <a:ext cx="0" cy="0"/>
-          <a:chOff x="0" y="0"/>
-          <a:chExt cx="0" cy="0"/>
-        </a:xfrm>
-      </p:grpSpPr>
-      <p:sp>
-        <p:nvSpPr>
-          <p:cNvPr id="2" name="标题 1"/>
-          <p:cNvSpPr>
-            <a:spLocks noGrp="1"/>
-          </p:cNvSpPr>
-          <p:nvPr>
-            <p:ph type="title"/>
-          </p:nvPr>
-        </p:nvSpPr>
         <p:spPr/>
         <p:txBody>
           <a:bodyPr/>
@@ -7442,7 +7348,7 @@
 </p:sld>
 </file>
 
-<file path=ppt/slides/slide17.xml><?xml version="1.0" encoding="utf-8"?>
+<file path=ppt/slides/slide16.xml><?xml version="1.0" encoding="utf-8"?>
 <p:sld xmlns:a="http://schemas.openxmlformats.org/drawingml/2006/main" xmlns:r="http://schemas.openxmlformats.org/officeDocument/2006/relationships" xmlns:p="http://schemas.openxmlformats.org/presentationml/2006/main">
   <p:cSld>
     <p:spTree>
@@ -7571,7 +7477,7 @@
 </p:sld>
 </file>
 
-<file path=ppt/slides/slide18.xml><?xml version="1.0" encoding="utf-8"?>
+<file path=ppt/slides/slide17.xml><?xml version="1.0" encoding="utf-8"?>
 <p:sld xmlns:a="http://schemas.openxmlformats.org/drawingml/2006/main" xmlns:r="http://schemas.openxmlformats.org/officeDocument/2006/relationships" xmlns:p="http://schemas.openxmlformats.org/presentationml/2006/main">
   <p:cSld>
     <p:spTree>
@@ -8256,42 +8162,6 @@
             <a:endParaRPr lang="en-US" altLang="zh-CN" dirty="0" smtClean="0"/>
           </a:p>
           <a:p>
-            <a:pPr marL="0" indent="0">
-              <a:buNone/>
-            </a:pPr>
-            <a:r>
-              <a:rPr lang="zh-CN" altLang="en-US" dirty="0" smtClean="0"/>
-              <a:t>主要参数</a:t>
-            </a:r>
-            <a:r>
-              <a:rPr lang="zh-CN" altLang="en-US" dirty="0" smtClean="0"/>
-              <a:t>有：</a:t>
-            </a:r>
-            <a:endParaRPr lang="en-US" altLang="zh-CN" dirty="0" smtClean="0"/>
-          </a:p>
-          <a:p>
-            <a:pPr marL="457200" indent="-457200">
-              <a:buFont typeface="+mj-lt"/>
-              <a:buAutoNum type="arabicPeriod"/>
-            </a:pPr>
-            <a:r>
-              <a:rPr lang="zh-CN" altLang="en-US" dirty="0" smtClean="0"/>
-              <a:t>几何形状参数</a:t>
-            </a:r>
-            <a:endParaRPr lang="en-US" altLang="zh-CN" dirty="0" smtClean="0"/>
-          </a:p>
-          <a:p>
-            <a:pPr marL="457200" indent="-457200">
-              <a:buFont typeface="+mj-lt"/>
-              <a:buAutoNum type="arabicPeriod"/>
-            </a:pPr>
-            <a:r>
-              <a:rPr lang="zh-CN" altLang="en-US" dirty="0" smtClean="0"/>
-              <a:t>文本型参数</a:t>
-            </a:r>
-            <a:endParaRPr lang="en-US" altLang="zh-CN" dirty="0" smtClean="0"/>
-          </a:p>
-          <a:p>
             <a:pPr marL="457200" indent="-457200">
               <a:buFont typeface="+mj-lt"/>
               <a:buAutoNum type="arabicPeriod"/>
@@ -8903,30 +8773,6 @@
           </a:p>
         </p:txBody>
       </p:sp>
-      <p:pic>
-        <p:nvPicPr>
-          <p:cNvPr id="5" name="图片 4"/>
-          <p:cNvPicPr>
-            <a:picLocks noChangeAspect="1"/>
-          </p:cNvPicPr>
-          <p:nvPr/>
-        </p:nvPicPr>
-        <p:blipFill>
-          <a:blip r:embed="rId2"/>
-          <a:stretch>
-            <a:fillRect/>
-          </a:stretch>
-        </p:blipFill>
-        <p:spPr>
-          <a:xfrm>
-            <a:off x="6768790" y="81404"/>
-            <a:ext cx="5310210" cy="5310210"/>
-          </a:xfrm>
-          <a:prstGeom prst="rect">
-            <a:avLst/>
-          </a:prstGeom>
-        </p:spPr>
-      </p:pic>
       <p:sp>
         <p:nvSpPr>
           <p:cNvPr id="6" name="Rectangle 1"/>
@@ -8937,8 +8783,8 @@
         </p:nvSpPr>
         <p:spPr bwMode="auto">
           <a:xfrm>
-            <a:off x="713678" y="5412147"/>
-            <a:ext cx="8925520" cy="369332"/>
+            <a:off x="278780" y="3177296"/>
+            <a:ext cx="5854391" cy="553998"/>
           </a:xfrm>
           <a:prstGeom prst="rect">
             <a:avLst/>
@@ -8973,7 +8819,7 @@
           </a:extLst>
         </p:spPr>
         <p:txBody>
-          <a:bodyPr vert="horz" wrap="none" lIns="0" tIns="0" rIns="0" bIns="0" numCol="1" anchor="ctr" anchorCtr="0" compatLnSpc="1">
+          <a:bodyPr vert="horz" wrap="square" lIns="0" tIns="0" rIns="0" bIns="0" numCol="1" anchor="ctr" anchorCtr="0" compatLnSpc="1">
             <a:prstTxWarp prst="textNoShape">
               <a:avLst/>
             </a:prstTxWarp>
@@ -9049,9 +8895,399 @@
                 <a:effectLst/>
                 <a:latin typeface="Lucida Console" panose="020B0609040504020204" pitchFamily="49" charset="0"/>
               </a:rPr>
+              <a:t>&gt;legend</a:t>
+            </a:r>
+            <a:r>
+              <a:rPr kumimoji="0" lang="zh-CN" altLang="zh-CN" sz="1200" b="0" i="0" u="none" strike="noStrike" cap="none" normalizeH="0" baseline="0" dirty="0" smtClean="0">
+                <a:ln>
+                  <a:noFill/>
+                </a:ln>
+                <a:solidFill>
+                  <a:srgbClr val="0000FF"/>
+                </a:solidFill>
+                <a:effectLst/>
+                <a:latin typeface="Lucida Console" panose="020B0609040504020204" pitchFamily="49" charset="0"/>
+              </a:rPr>
+              <a:t>("topleft",legend=levels(iris$Species),pch=c(0,1,2),col=c("black","red","blue"),bty="n")</a:t>
+            </a:r>
+            <a:endParaRPr kumimoji="0" lang="zh-CN" altLang="zh-CN" sz="2800" b="0" i="0" u="none" strike="noStrike" cap="none" normalizeH="0" baseline="0" dirty="0" smtClean="0">
+              <a:ln>
+                <a:noFill/>
+              </a:ln>
+              <a:solidFill>
+                <a:schemeClr val="tx1"/>
+              </a:solidFill>
+              <a:effectLst/>
+              <a:latin typeface="Arial" panose="020B0604020202020204" pitchFamily="34" charset="0"/>
+            </a:endParaRPr>
+          </a:p>
+        </p:txBody>
+      </p:sp>
+      <p:pic>
+        <p:nvPicPr>
+          <p:cNvPr id="7" name="图片 6"/>
+          <p:cNvPicPr>
+            <a:picLocks noChangeAspect="1"/>
+          </p:cNvPicPr>
+          <p:nvPr/>
+        </p:nvPicPr>
+        <p:blipFill>
+          <a:blip r:embed="rId2"/>
+          <a:stretch>
+            <a:fillRect/>
+          </a:stretch>
+        </p:blipFill>
+        <p:spPr>
+          <a:xfrm>
+            <a:off x="6853538" y="0"/>
+            <a:ext cx="5213195" cy="5213195"/>
+          </a:xfrm>
+          <a:prstGeom prst="rect">
+            <a:avLst/>
+          </a:prstGeom>
+        </p:spPr>
+      </p:pic>
+      <p:sp>
+        <p:nvSpPr>
+          <p:cNvPr id="8" name="Rectangle 1"/>
+          <p:cNvSpPr>
+            <a:spLocks noChangeArrowheads="1"/>
+          </p:cNvSpPr>
+          <p:nvPr/>
+        </p:nvSpPr>
+        <p:spPr bwMode="auto">
+          <a:xfrm>
+            <a:off x="278780" y="5611164"/>
+            <a:ext cx="6322244" cy="184666"/>
+          </a:xfrm>
+          <a:prstGeom prst="rect">
+            <a:avLst/>
+          </a:prstGeom>
+          <a:solidFill>
+            <a:srgbClr val="FFFFFF"/>
+          </a:solidFill>
+          <a:ln>
+            <a:noFill/>
+          </a:ln>
+          <a:effectLst/>
+          <a:extLst>
+            <a:ext uri="{91240B29-F687-4F45-9708-019B960494DF}">
+              <a14:hiddenLine xmlns:a14="http://schemas.microsoft.com/office/drawing/2010/main" w="9525">
+                <a:solidFill>
+                  <a:schemeClr val="tx1"/>
+                </a:solidFill>
+                <a:miter lim="800000"/>
+                <a:headEnd/>
+                <a:tailEnd/>
+              </a14:hiddenLine>
+            </a:ext>
+            <a:ext uri="{AF507438-7753-43E0-B8FC-AC1667EBCBE1}">
+              <a14:hiddenEffects xmlns:a14="http://schemas.microsoft.com/office/drawing/2010/main">
+                <a:effectLst>
+                  <a:outerShdw dist="35921" dir="2700000" algn="ctr" rotWithShape="0">
+                    <a:schemeClr val="bg2"/>
+                  </a:outerShdw>
+                </a:effectLst>
+              </a14:hiddenEffects>
+            </a:ext>
+          </a:extLst>
+        </p:spPr>
+        <p:txBody>
+          <a:bodyPr vert="horz" wrap="none" lIns="0" tIns="0" rIns="0" bIns="0" numCol="1" anchor="ctr" anchorCtr="0" compatLnSpc="1">
+            <a:prstTxWarp prst="textNoShape">
+              <a:avLst/>
+            </a:prstTxWarp>
+            <a:spAutoFit/>
+          </a:bodyPr>
+          <a:lstStyle/>
+          <a:p>
+            <a:pPr marL="0" marR="0" lvl="0" indent="0" algn="l" defTabSz="914400" rtl="0" eaLnBrk="0" fontAlgn="base" latinLnBrk="0" hangingPunct="0">
+              <a:lnSpc>
+                <a:spcPct val="100000"/>
+              </a:lnSpc>
+              <a:spcBef>
+                <a:spcPct val="0"/>
+              </a:spcBef>
+              <a:spcAft>
+                <a:spcPct val="0"/>
+              </a:spcAft>
+              <a:buClrTx/>
+              <a:buSzTx/>
+              <a:buFontTx/>
+              <a:buNone/>
+              <a:tabLst/>
+            </a:pPr>
+            <a:r>
+              <a:rPr kumimoji="0" lang="zh-CN" altLang="zh-CN" sz="1200" b="0" i="0" u="none" strike="noStrike" cap="none" normalizeH="0" baseline="0" dirty="0" smtClean="0">
+                <a:ln>
+                  <a:noFill/>
+                </a:ln>
+                <a:solidFill>
+                  <a:srgbClr val="0000FF"/>
+                </a:solidFill>
+                <a:effectLst/>
+                <a:latin typeface="Lucida Console" panose="020B0609040504020204" pitchFamily="49" charset="0"/>
+              </a:rPr>
+              <a:t>&gt; plot(iris[,3:4],pch=c(0,1,2)[dx],col=c("black","red","blue")[dx]) </a:t>
+            </a:r>
+            <a:endParaRPr kumimoji="0" lang="zh-CN" altLang="zh-CN" sz="2800" b="0" i="0" u="none" strike="noStrike" cap="none" normalizeH="0" baseline="0" dirty="0" smtClean="0">
+              <a:ln>
+                <a:noFill/>
+              </a:ln>
+              <a:solidFill>
+                <a:schemeClr val="tx1"/>
+              </a:solidFill>
+              <a:effectLst/>
+              <a:latin typeface="Arial" panose="020B0604020202020204" pitchFamily="34" charset="0"/>
+            </a:endParaRPr>
+          </a:p>
+        </p:txBody>
+      </p:sp>
+      <p:sp>
+        <p:nvSpPr>
+          <p:cNvPr id="9" name="Rectangle 2"/>
+          <p:cNvSpPr>
+            <a:spLocks noChangeArrowheads="1"/>
+          </p:cNvSpPr>
+          <p:nvPr/>
+        </p:nvSpPr>
+        <p:spPr bwMode="auto">
+          <a:xfrm>
+            <a:off x="278780" y="5884930"/>
+            <a:ext cx="8925520" cy="184666"/>
+          </a:xfrm>
+          <a:prstGeom prst="rect">
+            <a:avLst/>
+          </a:prstGeom>
+          <a:solidFill>
+            <a:srgbClr val="FFFFFF"/>
+          </a:solidFill>
+          <a:ln>
+            <a:noFill/>
+          </a:ln>
+          <a:effectLst/>
+          <a:extLst>
+            <a:ext uri="{91240B29-F687-4F45-9708-019B960494DF}">
+              <a14:hiddenLine xmlns:a14="http://schemas.microsoft.com/office/drawing/2010/main" w="9525">
+                <a:solidFill>
+                  <a:schemeClr val="tx1"/>
+                </a:solidFill>
+                <a:miter lim="800000"/>
+                <a:headEnd/>
+                <a:tailEnd/>
+              </a14:hiddenLine>
+            </a:ext>
+            <a:ext uri="{AF507438-7753-43E0-B8FC-AC1667EBCBE1}">
+              <a14:hiddenEffects xmlns:a14="http://schemas.microsoft.com/office/drawing/2010/main">
+                <a:effectLst>
+                  <a:outerShdw dist="35921" dir="2700000" algn="ctr" rotWithShape="0">
+                    <a:schemeClr val="bg2"/>
+                  </a:outerShdw>
+                </a:effectLst>
+              </a14:hiddenEffects>
+            </a:ext>
+          </a:extLst>
+        </p:spPr>
+        <p:txBody>
+          <a:bodyPr vert="horz" wrap="none" lIns="0" tIns="0" rIns="0" bIns="0" numCol="1" anchor="ctr" anchorCtr="0" compatLnSpc="1">
+            <a:prstTxWarp prst="textNoShape">
+              <a:avLst/>
+            </a:prstTxWarp>
+            <a:spAutoFit/>
+          </a:bodyPr>
+          <a:lstStyle/>
+          <a:p>
+            <a:pPr marL="0" marR="0" lvl="0" indent="0" algn="l" defTabSz="914400" rtl="0" eaLnBrk="0" fontAlgn="base" latinLnBrk="0" hangingPunct="0">
+              <a:lnSpc>
+                <a:spcPct val="100000"/>
+              </a:lnSpc>
+              <a:spcBef>
+                <a:spcPct val="0"/>
+              </a:spcBef>
+              <a:spcAft>
+                <a:spcPct val="0"/>
+              </a:spcAft>
+              <a:buClrTx/>
+              <a:buSzTx/>
+              <a:buFontTx/>
+              <a:buNone/>
+              <a:tabLst/>
+            </a:pPr>
+            <a:r>
+              <a:rPr kumimoji="0" lang="zh-CN" altLang="zh-CN" sz="1200" b="0" i="0" u="none" strike="noStrike" cap="none" normalizeH="0" baseline="0" dirty="0" smtClean="0">
+                <a:ln>
+                  <a:noFill/>
+                </a:ln>
+                <a:solidFill>
+                  <a:srgbClr val="0000FF"/>
+                </a:solidFill>
+                <a:effectLst/>
+                <a:latin typeface="Lucida Console" panose="020B0609040504020204" pitchFamily="49" charset="0"/>
+              </a:rPr>
               <a:t>&gt; legend("topleft",legend=levels(iris$Species),pch=c(0,1,2),col=c("black","red","blue"),bty="n")</a:t>
             </a:r>
             <a:endParaRPr kumimoji="0" lang="zh-CN" altLang="zh-CN" sz="2800" b="0" i="0" u="none" strike="noStrike" cap="none" normalizeH="0" baseline="0" dirty="0" smtClean="0">
+              <a:ln>
+                <a:noFill/>
+              </a:ln>
+              <a:solidFill>
+                <a:schemeClr val="tx1"/>
+              </a:solidFill>
+              <a:effectLst/>
+              <a:latin typeface="Arial" panose="020B0604020202020204" pitchFamily="34" charset="0"/>
+            </a:endParaRPr>
+          </a:p>
+        </p:txBody>
+      </p:sp>
+      <p:cxnSp>
+        <p:nvCxnSpPr>
+          <p:cNvPr id="11" name="直接箭头连接符 10"/>
+          <p:cNvCxnSpPr>
+            <a:stCxn id="6" idx="2"/>
+          </p:cNvCxnSpPr>
+          <p:nvPr/>
+        </p:nvCxnSpPr>
+        <p:spPr>
+          <a:xfrm flipH="1">
+            <a:off x="2955073" y="3731294"/>
+            <a:ext cx="250903" cy="1598989"/>
+          </a:xfrm>
+          <a:prstGeom prst="straightConnector1">
+            <a:avLst/>
+          </a:prstGeom>
+          <a:ln>
+            <a:tailEnd type="triangle"/>
+          </a:ln>
+        </p:spPr>
+        <p:style>
+          <a:lnRef idx="1">
+            <a:schemeClr val="accent1"/>
+          </a:lnRef>
+          <a:fillRef idx="0">
+            <a:schemeClr val="accent1"/>
+          </a:fillRef>
+          <a:effectRef idx="0">
+            <a:schemeClr val="accent1"/>
+          </a:effectRef>
+          <a:fontRef idx="minor">
+            <a:schemeClr val="tx1"/>
+          </a:fontRef>
+        </p:style>
+      </p:cxnSp>
+      <p:sp>
+        <p:nvSpPr>
+          <p:cNvPr id="12" name="文本框 11"/>
+          <p:cNvSpPr txBox="1"/>
+          <p:nvPr/>
+        </p:nvSpPr>
+        <p:spPr>
+          <a:xfrm>
+            <a:off x="3439902" y="4425331"/>
+            <a:ext cx="1800493" cy="307777"/>
+          </a:xfrm>
+          <a:prstGeom prst="rect">
+            <a:avLst/>
+          </a:prstGeom>
+          <a:noFill/>
+        </p:spPr>
+        <p:txBody>
+          <a:bodyPr wrap="none" rtlCol="0">
+            <a:spAutoFit/>
+          </a:bodyPr>
+          <a:lstStyle/>
+          <a:p>
+            <a:r>
+              <a:rPr lang="zh-CN" altLang="en-US" sz="1400" dirty="0" smtClean="0"/>
+              <a:t>对比一下哪里有差别</a:t>
+            </a:r>
+            <a:endParaRPr lang="zh-CN" altLang="en-US" sz="1400" dirty="0"/>
+          </a:p>
+        </p:txBody>
+      </p:sp>
+      <p:sp>
+        <p:nvSpPr>
+          <p:cNvPr id="13" name="Rectangle 3"/>
+          <p:cNvSpPr>
+            <a:spLocks noChangeArrowheads="1"/>
+          </p:cNvSpPr>
+          <p:nvPr/>
+        </p:nvSpPr>
+        <p:spPr bwMode="auto">
+          <a:xfrm>
+            <a:off x="278780" y="5378390"/>
+            <a:ext cx="2789225" cy="184666"/>
+          </a:xfrm>
+          <a:prstGeom prst="rect">
+            <a:avLst/>
+          </a:prstGeom>
+          <a:solidFill>
+            <a:srgbClr val="FFFFFF"/>
+          </a:solidFill>
+          <a:ln>
+            <a:noFill/>
+          </a:ln>
+          <a:effectLst/>
+          <a:extLst>
+            <a:ext uri="{91240B29-F687-4F45-9708-019B960494DF}">
+              <a14:hiddenLine xmlns:a14="http://schemas.microsoft.com/office/drawing/2010/main" w="9525">
+                <a:solidFill>
+                  <a:schemeClr val="tx1"/>
+                </a:solidFill>
+                <a:miter lim="800000"/>
+                <a:headEnd/>
+                <a:tailEnd/>
+              </a14:hiddenLine>
+            </a:ext>
+            <a:ext uri="{AF507438-7753-43E0-B8FC-AC1667EBCBE1}">
+              <a14:hiddenEffects xmlns:a14="http://schemas.microsoft.com/office/drawing/2010/main">
+                <a:effectLst>
+                  <a:outerShdw dist="35921" dir="2700000" algn="ctr" rotWithShape="0">
+                    <a:schemeClr val="bg2"/>
+                  </a:outerShdw>
+                </a:effectLst>
+              </a14:hiddenEffects>
+            </a:ext>
+          </a:extLst>
+        </p:spPr>
+        <p:txBody>
+          <a:bodyPr vert="horz" wrap="none" lIns="0" tIns="0" rIns="0" bIns="0" numCol="1" anchor="ctr" anchorCtr="0" compatLnSpc="1">
+            <a:prstTxWarp prst="textNoShape">
+              <a:avLst/>
+            </a:prstTxWarp>
+            <a:spAutoFit/>
+          </a:bodyPr>
+          <a:lstStyle/>
+          <a:p>
+            <a:pPr marL="0" marR="0" lvl="0" indent="0" algn="l" defTabSz="914400" rtl="0" eaLnBrk="0" fontAlgn="base" latinLnBrk="0" hangingPunct="0">
+              <a:lnSpc>
+                <a:spcPct val="100000"/>
+              </a:lnSpc>
+              <a:spcBef>
+                <a:spcPct val="0"/>
+              </a:spcBef>
+              <a:spcAft>
+                <a:spcPct val="0"/>
+              </a:spcAft>
+              <a:buClrTx/>
+              <a:buSzTx/>
+              <a:buFontTx/>
+              <a:buNone/>
+              <a:tabLst/>
+            </a:pPr>
+            <a:r>
+              <a:rPr kumimoji="0" lang="zh-CN" altLang="zh-CN" sz="1200" b="0" i="0" u="none" strike="noStrike" cap="none" normalizeH="0" baseline="0" smtClean="0">
+                <a:ln>
+                  <a:noFill/>
+                </a:ln>
+                <a:solidFill>
+                  <a:srgbClr val="0000FF"/>
+                </a:solidFill>
+                <a:effectLst/>
+                <a:latin typeface="Lucida Console" panose="020B0609040504020204" pitchFamily="49" charset="0"/>
+              </a:rPr>
+              <a:t>&gt; dx&lt;-as.integer(iris$Species)</a:t>
+            </a:r>
+            <a:endParaRPr kumimoji="0" lang="zh-CN" altLang="zh-CN" sz="2800" b="0" i="0" u="none" strike="noStrike" cap="none" normalizeH="0" baseline="0" smtClean="0">
               <a:ln>
                 <a:noFill/>
               </a:ln>
@@ -9286,12 +9522,16 @@
               <a:t>. </a:t>
             </a:r>
             <a:r>
-              <a:rPr lang="zh-CN" altLang="en-US" dirty="0"/>
+              <a:rPr lang="zh-CN" altLang="en-US" dirty="0" smtClean="0"/>
               <a:t>为</a:t>
             </a:r>
             <a:r>
+              <a:rPr lang="en-US" altLang="zh-CN" dirty="0" smtClean="0"/>
+              <a:t>axis  main </a:t>
+            </a:r>
+            <a:r>
               <a:rPr lang="en-US" altLang="zh-CN" dirty="0"/>
-              <a:t>main sub </a:t>
+              <a:t>sub </a:t>
             </a:r>
             <a:r>
               <a:rPr lang="en-US" altLang="zh-CN" dirty="0" err="1"/>
@@ -9306,11 +9546,11 @@
               <a:t>ylab</a:t>
             </a:r>
             <a:r>
-              <a:rPr lang="zh-CN" altLang="en-US" dirty="0"/>
-              <a:t>等配置颜色</a:t>
-            </a:r>
-            <a:r>
-              <a:rPr lang="en-US" altLang="zh-CN" dirty="0"/>
+              <a:rPr lang="zh-CN" altLang="en-US" dirty="0" smtClean="0"/>
+              <a:t>等设置放缩比例</a:t>
+            </a:r>
+            <a:r>
+              <a:rPr lang="en-US" altLang="zh-CN" dirty="0" smtClean="0"/>
               <a:t>,</a:t>
             </a:r>
             <a:r>
@@ -9870,7 +10110,24 @@
           <a:p>
             <a:r>
               <a:rPr lang="zh-CN" altLang="en-US" dirty="0" smtClean="0"/>
-              <a:t>添加坐标轴刻度</a:t>
+              <a:t>添加坐标轴</a:t>
+            </a:r>
+            <a:r>
+              <a:rPr lang="zh-CN" altLang="en-US" dirty="0" smtClean="0"/>
+              <a:t>刻度</a:t>
+            </a:r>
+            <a:endParaRPr lang="en-US" altLang="zh-CN" dirty="0" smtClean="0"/>
+          </a:p>
+          <a:p>
+            <a:endParaRPr lang="en-US" altLang="zh-CN" dirty="0"/>
+          </a:p>
+          <a:p>
+            <a:endParaRPr lang="en-US" altLang="zh-CN" dirty="0" smtClean="0"/>
+          </a:p>
+          <a:p>
+            <a:r>
+              <a:rPr lang="zh-CN" altLang="en-US" dirty="0" smtClean="0"/>
+              <a:t>外部设置图形参数</a:t>
             </a:r>
             <a:endParaRPr lang="en-US" altLang="zh-CN" dirty="0"/>
           </a:p>
@@ -9905,14 +10162,14 @@
           <a:effectLst/>
           <a:extLst>
             <a:ext uri="{909E8E84-426E-40dd-AFC4-6F175D3DCCD1}">
-              <a14:hiddenFill xmlns="" xmlns:a14="http://schemas.microsoft.com/office/drawing/2010/main" xmlns:lc="http://schemas.openxmlformats.org/drawingml/2006/lockedCanvas">
+              <a14:hiddenFill xmlns:lc="http://schemas.openxmlformats.org/drawingml/2006/lockedCanvas" xmlns:a14="http://schemas.microsoft.com/office/drawing/2010/main" xmlns="">
                 <a:solidFill>
                   <a:schemeClr val="accent1"/>
                 </a:solidFill>
               </a14:hiddenFill>
             </a:ext>
             <a:ext uri="{AF507438-7753-43e0-B8FC-AC1667EBCBE1}">
-              <a14:hiddenEffects xmlns="" xmlns:a14="http://schemas.microsoft.com/office/drawing/2010/main" xmlns:lc="http://schemas.openxmlformats.org/drawingml/2006/lockedCanvas">
+              <a14:hiddenEffects xmlns:lc="http://schemas.openxmlformats.org/drawingml/2006/lockedCanvas" xmlns:a14="http://schemas.microsoft.com/office/drawing/2010/main" xmlns="">
                 <a:effectLst>
                   <a:outerShdw blurRad="63500" dist="12700" dir="2700000" algn="ctr" rotWithShape="0">
                     <a:schemeClr val="hlink">
@@ -10182,18 +10439,7 @@
                 <a:ea typeface="ＭＳ Ｐゴシック" charset="0"/>
                 <a:cs typeface="Times New Roman" panose="02020603050405020304" pitchFamily="18" charset="0"/>
               </a:rPr>
-              <a:t>=“blue</a:t>
-            </a:r>
-            <a:r>
-              <a:rPr lang="en-US" sz="1400" dirty="0" smtClean="0">
-                <a:solidFill>
-                  <a:srgbClr val="0000FF"/>
-                </a:solidFill>
-                <a:latin typeface="Times New Roman" panose="02020603050405020304" pitchFamily="18" charset="0"/>
-                <a:ea typeface="ＭＳ Ｐゴシック" charset="0"/>
-                <a:cs typeface="Times New Roman" panose="02020603050405020304" pitchFamily="18" charset="0"/>
-              </a:rPr>
-              <a:t>”)</a:t>
+              <a:t>=“blue”)</a:t>
             </a:r>
             <a:endParaRPr lang="en-US" sz="1400" dirty="0">
               <a:solidFill>
@@ -10618,7 +10864,7 @@
         <p:spPr bwMode="auto">
           <a:xfrm>
             <a:off x="1271239" y="3564883"/>
-            <a:ext cx="5857373" cy="184666"/>
+            <a:ext cx="6880089" cy="184666"/>
           </a:xfrm>
           <a:prstGeom prst="rect">
             <a:avLst/>
@@ -10688,7 +10934,59 @@
                 <a:effectLst/>
                 <a:latin typeface="Lucida Console" panose="020B0609040504020204" pitchFamily="49" charset="0"/>
               </a:rPr>
-              <a:t>&gt; legend("topleft",legend="car",lty=1,pch=1,col="blue",bty="n")</a:t>
+              <a:t>&gt; legend("topleft</a:t>
+            </a:r>
+            <a:r>
+              <a:rPr kumimoji="0" lang="zh-CN" altLang="zh-CN" sz="1200" b="0" i="0" u="none" strike="noStrike" cap="none" normalizeH="0" baseline="0" dirty="0" smtClean="0">
+                <a:ln>
+                  <a:noFill/>
+                </a:ln>
+                <a:solidFill>
+                  <a:srgbClr val="0000FF"/>
+                </a:solidFill>
+                <a:effectLst/>
+                <a:latin typeface="Lucida Console" panose="020B0609040504020204" pitchFamily="49" charset="0"/>
+              </a:rPr>
+              <a:t>",</a:t>
+            </a:r>
+            <a:r>
+              <a:rPr kumimoji="0" lang="en-US" altLang="zh-CN" sz="1200" b="0" i="0" u="none" strike="noStrike" cap="none" normalizeH="0" baseline="0" dirty="0" smtClean="0">
+                <a:ln>
+                  <a:noFill/>
+                </a:ln>
+                <a:solidFill>
+                  <a:srgbClr val="0000FF"/>
+                </a:solidFill>
+                <a:effectLst/>
+                <a:latin typeface="Lucida Console" panose="020B0609040504020204" pitchFamily="49" charset="0"/>
+              </a:rPr>
+              <a:t>inset=0.03,</a:t>
+            </a:r>
+            <a:r>
+              <a:rPr kumimoji="0" lang="zh-CN" altLang="zh-CN" sz="1200" b="0" i="0" u="none" strike="noStrike" cap="none" normalizeH="0" baseline="0" dirty="0" smtClean="0">
+                <a:ln>
+                  <a:noFill/>
+                </a:ln>
+                <a:solidFill>
+                  <a:srgbClr val="0000FF"/>
+                </a:solidFill>
+                <a:effectLst/>
+                <a:latin typeface="Lucida Console" panose="020B0609040504020204" pitchFamily="49" charset="0"/>
+              </a:rPr>
+              <a:t>legend</a:t>
+            </a:r>
+            <a:r>
+              <a:rPr kumimoji="0" lang="zh-CN" altLang="zh-CN" sz="1200" b="0" i="0" u="none" strike="noStrike" cap="none" normalizeH="0" baseline="0" dirty="0" smtClean="0">
+                <a:ln>
+                  <a:noFill/>
+                </a:ln>
+                <a:solidFill>
+                  <a:srgbClr val="0000FF"/>
+                </a:solidFill>
+                <a:effectLst/>
+                <a:latin typeface="Lucida Console" panose="020B0609040504020204" pitchFamily="49" charset="0"/>
+              </a:rPr>
+              <a:t>="car",lty=1,pch=1,col="blue",bty="n")</a:t>
             </a:r>
             <a:endParaRPr kumimoji="0" lang="zh-CN" altLang="zh-CN" sz="2800" b="0" i="0" u="none" strike="noStrike" cap="none" normalizeH="0" baseline="0" dirty="0" smtClean="0">
               <a:ln>
@@ -10714,7 +11012,7 @@
         <p:spPr bwMode="auto">
           <a:xfrm>
             <a:off x="1271239" y="3872595"/>
-            <a:ext cx="7001917" cy="184666"/>
+            <a:ext cx="8024633" cy="184666"/>
           </a:xfrm>
           <a:prstGeom prst="rect">
             <a:avLst/>
@@ -10774,7 +11072,7 @@
               <a:tabLst/>
             </a:pPr>
             <a:r>
-              <a:rPr kumimoji="0" lang="zh-CN" altLang="zh-CN" sz="1200" b="0" i="0" u="none" strike="noStrike" cap="none" normalizeH="0" baseline="0" smtClean="0">
+              <a:rPr kumimoji="0" lang="zh-CN" altLang="zh-CN" sz="1200" b="0" i="0" u="none" strike="noStrike" cap="none" normalizeH="0" baseline="0" dirty="0" smtClean="0">
                 <a:ln>
                   <a:noFill/>
                 </a:ln>
@@ -10784,9 +11082,61 @@
                 <a:effectLst/>
                 <a:latin typeface="Lucida Console" panose="020B0609040504020204" pitchFamily="49" charset="0"/>
               </a:rPr>
-              <a:t>&gt; legend("topleft",legend="car",title="图例",lty=1,pch=1,col="blue",bty="n")</a:t>
-            </a:r>
-            <a:endParaRPr kumimoji="0" lang="zh-CN" altLang="zh-CN" sz="2800" b="0" i="0" u="none" strike="noStrike" cap="none" normalizeH="0" baseline="0" smtClean="0">
+              <a:t>&gt; legend("topleft</a:t>
+            </a:r>
+            <a:r>
+              <a:rPr kumimoji="0" lang="zh-CN" altLang="zh-CN" sz="1200" b="0" i="0" u="none" strike="noStrike" cap="none" normalizeH="0" baseline="0" dirty="0" smtClean="0">
+                <a:ln>
+                  <a:noFill/>
+                </a:ln>
+                <a:solidFill>
+                  <a:srgbClr val="0000FF"/>
+                </a:solidFill>
+                <a:effectLst/>
+                <a:latin typeface="Lucida Console" panose="020B0609040504020204" pitchFamily="49" charset="0"/>
+              </a:rPr>
+              <a:t>",</a:t>
+            </a:r>
+            <a:r>
+              <a:rPr kumimoji="0" lang="en-US" altLang="zh-CN" sz="1200" b="0" i="0" u="none" strike="noStrike" cap="none" normalizeH="0" baseline="0" dirty="0" smtClean="0">
+                <a:ln>
+                  <a:noFill/>
+                </a:ln>
+                <a:solidFill>
+                  <a:srgbClr val="0000FF"/>
+                </a:solidFill>
+                <a:effectLst/>
+                <a:latin typeface="Lucida Console" panose="020B0609040504020204" pitchFamily="49" charset="0"/>
+              </a:rPr>
+              <a:t>inset=0.03,</a:t>
+            </a:r>
+            <a:r>
+              <a:rPr kumimoji="0" lang="zh-CN" altLang="zh-CN" sz="1200" b="0" i="0" u="none" strike="noStrike" cap="none" normalizeH="0" baseline="0" dirty="0" smtClean="0">
+                <a:ln>
+                  <a:noFill/>
+                </a:ln>
+                <a:solidFill>
+                  <a:srgbClr val="0000FF"/>
+                </a:solidFill>
+                <a:effectLst/>
+                <a:latin typeface="Lucida Console" panose="020B0609040504020204" pitchFamily="49" charset="0"/>
+              </a:rPr>
+              <a:t>legend</a:t>
+            </a:r>
+            <a:r>
+              <a:rPr kumimoji="0" lang="zh-CN" altLang="zh-CN" sz="1200" b="0" i="0" u="none" strike="noStrike" cap="none" normalizeH="0" baseline="0" dirty="0" smtClean="0">
+                <a:ln>
+                  <a:noFill/>
+                </a:ln>
+                <a:solidFill>
+                  <a:srgbClr val="0000FF"/>
+                </a:solidFill>
+                <a:effectLst/>
+                <a:latin typeface="Lucida Console" panose="020B0609040504020204" pitchFamily="49" charset="0"/>
+              </a:rPr>
+              <a:t>="car",title="图例",lty=1,pch=1,col="blue",bty="n")</a:t>
+            </a:r>
+            <a:endParaRPr kumimoji="0" lang="zh-CN" altLang="zh-CN" sz="2800" b="0" i="0" u="none" strike="noStrike" cap="none" normalizeH="0" baseline="0" dirty="0" smtClean="0">
               <a:ln>
                 <a:noFill/>
               </a:ln>
@@ -11010,6 +11360,263 @@
               </a:solidFill>
               <a:effectLst/>
               <a:latin typeface="Arial" panose="020B0604020202020204" pitchFamily="34" charset="0"/>
+            </a:endParaRPr>
+          </a:p>
+        </p:txBody>
+      </p:sp>
+      <p:sp>
+        <p:nvSpPr>
+          <p:cNvPr id="6" name="Rectangle 1"/>
+          <p:cNvSpPr>
+            <a:spLocks noChangeArrowheads="1"/>
+          </p:cNvSpPr>
+          <p:nvPr/>
+        </p:nvSpPr>
+        <p:spPr bwMode="auto">
+          <a:xfrm>
+            <a:off x="1271239" y="5992140"/>
+            <a:ext cx="3068148" cy="184666"/>
+          </a:xfrm>
+          <a:prstGeom prst="rect">
+            <a:avLst/>
+          </a:prstGeom>
+          <a:solidFill>
+            <a:srgbClr val="FFFFFF"/>
+          </a:solidFill>
+          <a:ln>
+            <a:noFill/>
+          </a:ln>
+          <a:effectLst/>
+          <a:extLst>
+            <a:ext uri="{91240B29-F687-4F45-9708-019B960494DF}">
+              <a14:hiddenLine xmlns:a14="http://schemas.microsoft.com/office/drawing/2010/main" w="9525">
+                <a:solidFill>
+                  <a:schemeClr val="tx1"/>
+                </a:solidFill>
+                <a:miter lim="800000"/>
+                <a:headEnd/>
+                <a:tailEnd/>
+              </a14:hiddenLine>
+            </a:ext>
+            <a:ext uri="{AF507438-7753-43E0-B8FC-AC1667EBCBE1}">
+              <a14:hiddenEffects xmlns:a14="http://schemas.microsoft.com/office/drawing/2010/main">
+                <a:effectLst>
+                  <a:outerShdw dist="35921" dir="2700000" algn="ctr" rotWithShape="0">
+                    <a:schemeClr val="bg2"/>
+                  </a:outerShdw>
+                </a:effectLst>
+              </a14:hiddenEffects>
+            </a:ext>
+          </a:extLst>
+        </p:spPr>
+        <p:txBody>
+          <a:bodyPr vert="horz" wrap="none" lIns="0" tIns="0" rIns="0" bIns="0" numCol="1" anchor="ctr" anchorCtr="0" compatLnSpc="1">
+            <a:prstTxWarp prst="textNoShape">
+              <a:avLst/>
+            </a:prstTxWarp>
+            <a:spAutoFit/>
+          </a:bodyPr>
+          <a:lstStyle/>
+          <a:p>
+            <a:pPr marL="0" marR="0" lvl="0" indent="0" algn="l" defTabSz="914400" rtl="0" eaLnBrk="0" fontAlgn="base" latinLnBrk="0" hangingPunct="0">
+              <a:lnSpc>
+                <a:spcPct val="100000"/>
+              </a:lnSpc>
+              <a:spcBef>
+                <a:spcPct val="0"/>
+              </a:spcBef>
+              <a:spcAft>
+                <a:spcPct val="0"/>
+              </a:spcAft>
+              <a:buClrTx/>
+              <a:buSzTx/>
+              <a:buFontTx/>
+              <a:buNone/>
+              <a:tabLst/>
+            </a:pPr>
+            <a:r>
+              <a:rPr kumimoji="0" lang="zh-CN" altLang="zh-CN" sz="1200" b="0" i="0" u="none" strike="noStrike" cap="none" normalizeH="0" baseline="0" dirty="0" smtClean="0">
+                <a:ln>
+                  <a:noFill/>
+                </a:ln>
+                <a:solidFill>
+                  <a:srgbClr val="0000FF"/>
+                </a:solidFill>
+                <a:effectLst/>
+                <a:latin typeface="Lucida Console" panose="020B0609040504020204" pitchFamily="49" charset="0"/>
+              </a:rPr>
+              <a:t>&gt; par(font=</a:t>
+            </a:r>
+            <a:r>
+              <a:rPr kumimoji="0" lang="en-US" altLang="zh-CN" sz="1200" b="0" i="0" u="none" strike="noStrike" cap="none" normalizeH="0" baseline="0" dirty="0" smtClean="0">
+                <a:ln>
+                  <a:noFill/>
+                </a:ln>
+                <a:solidFill>
+                  <a:srgbClr val="0000FF"/>
+                </a:solidFill>
+                <a:effectLst/>
+                <a:latin typeface="Lucida Console" panose="020B0609040504020204" pitchFamily="49" charset="0"/>
+              </a:rPr>
+              <a:t>3</a:t>
+            </a:r>
+            <a:r>
+              <a:rPr kumimoji="0" lang="zh-CN" altLang="zh-CN" sz="1200" b="0" i="0" u="none" strike="noStrike" cap="none" normalizeH="0" baseline="0" dirty="0" smtClean="0">
+                <a:ln>
+                  <a:noFill/>
+                </a:ln>
+                <a:solidFill>
+                  <a:srgbClr val="0000FF"/>
+                </a:solidFill>
+                <a:effectLst/>
+                <a:latin typeface="Lucida Console" panose="020B0609040504020204" pitchFamily="49" charset="0"/>
+              </a:rPr>
+              <a:t>,cex.lab=1.5,lwd=1.5)</a:t>
+            </a:r>
+            <a:endParaRPr kumimoji="0" lang="zh-CN" altLang="zh-CN" sz="2800" b="0" i="0" u="none" strike="noStrike" cap="none" normalizeH="0" baseline="0" dirty="0" smtClean="0">
+              <a:ln>
+                <a:noFill/>
+              </a:ln>
+              <a:solidFill>
+                <a:schemeClr val="tx1"/>
+              </a:solidFill>
+              <a:effectLst/>
+              <a:latin typeface="Arial" panose="020B0604020202020204" pitchFamily="34" charset="0"/>
+            </a:endParaRPr>
+          </a:p>
+        </p:txBody>
+      </p:sp>
+      <p:sp>
+        <p:nvSpPr>
+          <p:cNvPr id="8" name="文本框 7"/>
+          <p:cNvSpPr txBox="1"/>
+          <p:nvPr/>
+        </p:nvSpPr>
+        <p:spPr>
+          <a:xfrm>
+            <a:off x="3335919" y="6471318"/>
+            <a:ext cx="4293163" cy="338554"/>
+          </a:xfrm>
+          <a:prstGeom prst="rect">
+            <a:avLst/>
+          </a:prstGeom>
+          <a:noFill/>
+        </p:spPr>
+        <p:txBody>
+          <a:bodyPr wrap="none" rtlCol="0">
+            <a:spAutoFit/>
+          </a:bodyPr>
+          <a:lstStyle/>
+          <a:p>
+            <a:r>
+              <a:rPr lang="en-US" altLang="zh-CN" sz="1600" dirty="0" smtClean="0">
+                <a:latin typeface="华文楷体" panose="02010600040101010101" pitchFamily="2" charset="-122"/>
+                <a:ea typeface="华文楷体" panose="02010600040101010101" pitchFamily="2" charset="-122"/>
+              </a:rPr>
+              <a:t>font</a:t>
+            </a:r>
+            <a:r>
+              <a:rPr lang="zh-CN" altLang="en-US" sz="1600" dirty="0" smtClean="0">
+                <a:latin typeface="华文楷体" panose="02010600040101010101" pitchFamily="2" charset="-122"/>
+                <a:ea typeface="华文楷体" panose="02010600040101010101" pitchFamily="2" charset="-122"/>
+              </a:rPr>
+              <a:t>设置字体，</a:t>
+            </a:r>
+            <a:r>
+              <a:rPr lang="en-US" altLang="zh-CN" sz="1600" dirty="0" smtClean="0">
+                <a:latin typeface="华文楷体" panose="02010600040101010101" pitchFamily="2" charset="-122"/>
+                <a:ea typeface="华文楷体" panose="02010600040101010101" pitchFamily="2" charset="-122"/>
+              </a:rPr>
+              <a:t>1=</a:t>
+            </a:r>
+            <a:r>
+              <a:rPr lang="zh-CN" altLang="en-US" sz="1600" dirty="0" smtClean="0">
+                <a:latin typeface="华文楷体" panose="02010600040101010101" pitchFamily="2" charset="-122"/>
+                <a:ea typeface="华文楷体" panose="02010600040101010101" pitchFamily="2" charset="-122"/>
+              </a:rPr>
+              <a:t>常规，</a:t>
+            </a:r>
+            <a:r>
+              <a:rPr lang="en-US" altLang="zh-CN" sz="1600" dirty="0" smtClean="0">
+                <a:latin typeface="华文楷体" panose="02010600040101010101" pitchFamily="2" charset="-122"/>
+                <a:ea typeface="华文楷体" panose="02010600040101010101" pitchFamily="2" charset="-122"/>
+              </a:rPr>
+              <a:t>2=</a:t>
+            </a:r>
+            <a:r>
+              <a:rPr lang="zh-CN" altLang="en-US" sz="1600" dirty="0" smtClean="0">
+                <a:latin typeface="华文楷体" panose="02010600040101010101" pitchFamily="2" charset="-122"/>
+                <a:ea typeface="华文楷体" panose="02010600040101010101" pitchFamily="2" charset="-122"/>
+              </a:rPr>
+              <a:t>粗体，</a:t>
+            </a:r>
+            <a:r>
+              <a:rPr lang="en-US" altLang="zh-CN" sz="1600" dirty="0" smtClean="0">
+                <a:latin typeface="华文楷体" panose="02010600040101010101" pitchFamily="2" charset="-122"/>
+                <a:ea typeface="华文楷体" panose="02010600040101010101" pitchFamily="2" charset="-122"/>
+              </a:rPr>
+              <a:t>3=</a:t>
+            </a:r>
+            <a:r>
+              <a:rPr lang="zh-CN" altLang="en-US" sz="1600" dirty="0" smtClean="0">
+                <a:latin typeface="华文楷体" panose="02010600040101010101" pitchFamily="2" charset="-122"/>
+                <a:ea typeface="华文楷体" panose="02010600040101010101" pitchFamily="2" charset="-122"/>
+              </a:rPr>
+              <a:t>斜体</a:t>
+            </a:r>
+            <a:r>
+              <a:rPr lang="en-US" altLang="zh-CN" sz="1600" dirty="0" smtClean="0">
+                <a:latin typeface="华文楷体" panose="02010600040101010101" pitchFamily="2" charset="-122"/>
+                <a:ea typeface="华文楷体" panose="02010600040101010101" pitchFamily="2" charset="-122"/>
+              </a:rPr>
+              <a:t>……</a:t>
+            </a:r>
+            <a:endParaRPr lang="zh-CN" altLang="en-US" sz="1600" dirty="0">
+              <a:latin typeface="华文楷体" panose="02010600040101010101" pitchFamily="2" charset="-122"/>
+              <a:ea typeface="华文楷体" panose="02010600040101010101" pitchFamily="2" charset="-122"/>
+            </a:endParaRPr>
+          </a:p>
+        </p:txBody>
+      </p:sp>
+      <p:sp>
+        <p:nvSpPr>
+          <p:cNvPr id="12" name="文本框 11"/>
+          <p:cNvSpPr txBox="1"/>
+          <p:nvPr/>
+        </p:nvSpPr>
+        <p:spPr>
+          <a:xfrm>
+            <a:off x="8342760" y="4165554"/>
+            <a:ext cx="3538148" cy="338554"/>
+          </a:xfrm>
+          <a:prstGeom prst="rect">
+            <a:avLst/>
+          </a:prstGeom>
+          <a:noFill/>
+        </p:spPr>
+        <p:txBody>
+          <a:bodyPr wrap="none" rtlCol="0">
+            <a:spAutoFit/>
+          </a:bodyPr>
+          <a:lstStyle/>
+          <a:p>
+            <a:r>
+              <a:rPr lang="en-US" altLang="zh-CN" sz="1600" dirty="0" smtClean="0">
+                <a:latin typeface="华文楷体" panose="02010600040101010101" pitchFamily="2" charset="-122"/>
+                <a:ea typeface="华文楷体" panose="02010600040101010101" pitchFamily="2" charset="-122"/>
+              </a:rPr>
+              <a:t>inset=0.03 </a:t>
+            </a:r>
+            <a:r>
+              <a:rPr lang="zh-CN" altLang="en-US" sz="1600" dirty="0" smtClean="0">
+                <a:latin typeface="华文楷体" panose="02010600040101010101" pitchFamily="2" charset="-122"/>
+                <a:ea typeface="华文楷体" panose="02010600040101010101" pitchFamily="2" charset="-122"/>
+              </a:rPr>
+              <a:t>使图例与边框隔开一定距离</a:t>
+            </a:r>
+            <a:endParaRPr lang="zh-CN" altLang="en-US" sz="1600" dirty="0">
+              <a:latin typeface="华文楷体" panose="02010600040101010101" pitchFamily="2" charset="-122"/>
+              <a:ea typeface="华文楷体" panose="02010600040101010101" pitchFamily="2" charset="-122"/>
             </a:endParaRPr>
           </a:p>
         </p:txBody>

--- a/实验-5-数据可视化.pptx
+++ b/实验-5-数据可视化.pptx
@@ -13,15 +13,14 @@
     <p:sldId id="289" r:id="rId7"/>
     <p:sldId id="281" r:id="rId8"/>
     <p:sldId id="285" r:id="rId9"/>
-    <p:sldId id="264" r:id="rId10"/>
-    <p:sldId id="283" r:id="rId11"/>
-    <p:sldId id="287" r:id="rId12"/>
-    <p:sldId id="286" r:id="rId13"/>
-    <p:sldId id="279" r:id="rId14"/>
-    <p:sldId id="268" r:id="rId15"/>
-    <p:sldId id="288" r:id="rId16"/>
-    <p:sldId id="272" r:id="rId17"/>
-    <p:sldId id="277" r:id="rId18"/>
+    <p:sldId id="283" r:id="rId10"/>
+    <p:sldId id="287" r:id="rId11"/>
+    <p:sldId id="286" r:id="rId12"/>
+    <p:sldId id="279" r:id="rId13"/>
+    <p:sldId id="268" r:id="rId14"/>
+    <p:sldId id="288" r:id="rId15"/>
+    <p:sldId id="272" r:id="rId16"/>
+    <p:sldId id="277" r:id="rId17"/>
   </p:sldIdLst>
   <p:sldSz cx="12192000" cy="6858000"/>
   <p:notesSz cx="6858000" cy="9144000"/>
@@ -354,7 +353,7 @@
           <a:p>
             <a:fld id="{22B5609F-EBEC-463B-AA32-A5BE38243DB0}" type="datetimeFigureOut">
               <a:rPr lang="zh-CN" altLang="en-US" smtClean="0"/>
-              <a:t>2017/11/3</a:t>
+              <a:t>2017/11/5</a:t>
             </a:fld>
             <a:endParaRPr lang="zh-CN" altLang="en-US"/>
           </a:p>
@@ -562,7 +561,7 @@
           <a:p>
             <a:fld id="{22B5609F-EBEC-463B-AA32-A5BE38243DB0}" type="datetimeFigureOut">
               <a:rPr lang="zh-CN" altLang="en-US" smtClean="0"/>
-              <a:t>2017/11/3</a:t>
+              <a:t>2017/11/5</a:t>
             </a:fld>
             <a:endParaRPr lang="zh-CN" altLang="en-US"/>
           </a:p>
@@ -818,7 +817,7 @@
           <a:p>
             <a:fld id="{22B5609F-EBEC-463B-AA32-A5BE38243DB0}" type="datetimeFigureOut">
               <a:rPr lang="zh-CN" altLang="en-US" smtClean="0"/>
-              <a:t>2017/11/3</a:t>
+              <a:t>2017/11/5</a:t>
             </a:fld>
             <a:endParaRPr lang="zh-CN" altLang="en-US"/>
           </a:p>
@@ -1017,7 +1016,7 @@
           <a:p>
             <a:fld id="{22B5609F-EBEC-463B-AA32-A5BE38243DB0}" type="datetimeFigureOut">
               <a:rPr lang="zh-CN" altLang="en-US" smtClean="0"/>
-              <a:t>2017/11/3</a:t>
+              <a:t>2017/11/5</a:t>
             </a:fld>
             <a:endParaRPr lang="zh-CN" altLang="en-US"/>
           </a:p>
@@ -1359,7 +1358,7 @@
           <a:p>
             <a:fld id="{22B5609F-EBEC-463B-AA32-A5BE38243DB0}" type="datetimeFigureOut">
               <a:rPr lang="zh-CN" altLang="en-US" smtClean="0"/>
-              <a:t>2017/11/3</a:t>
+              <a:t>2017/11/5</a:t>
             </a:fld>
             <a:endParaRPr lang="zh-CN" altLang="en-US"/>
           </a:p>
@@ -1634,7 +1633,7 @@
           <a:p>
             <a:fld id="{22B5609F-EBEC-463B-AA32-A5BE38243DB0}" type="datetimeFigureOut">
               <a:rPr lang="zh-CN" altLang="en-US" smtClean="0"/>
-              <a:t>2017/11/3</a:t>
+              <a:t>2017/11/5</a:t>
             </a:fld>
             <a:endParaRPr lang="zh-CN" altLang="en-US"/>
           </a:p>
@@ -2013,7 +2012,7 @@
           <a:p>
             <a:fld id="{22B5609F-EBEC-463B-AA32-A5BE38243DB0}" type="datetimeFigureOut">
               <a:rPr lang="zh-CN" altLang="en-US" smtClean="0"/>
-              <a:t>2017/11/3</a:t>
+              <a:t>2017/11/5</a:t>
             </a:fld>
             <a:endParaRPr lang="zh-CN" altLang="en-US"/>
           </a:p>
@@ -2131,7 +2130,7 @@
           <a:p>
             <a:fld id="{22B5609F-EBEC-463B-AA32-A5BE38243DB0}" type="datetimeFigureOut">
               <a:rPr lang="zh-CN" altLang="en-US" smtClean="0"/>
-              <a:t>2017/11/3</a:t>
+              <a:t>2017/11/5</a:t>
             </a:fld>
             <a:endParaRPr lang="zh-CN" altLang="en-US"/>
           </a:p>
@@ -2302,7 +2301,7 @@
           <a:p>
             <a:fld id="{22B5609F-EBEC-463B-AA32-A5BE38243DB0}" type="datetimeFigureOut">
               <a:rPr lang="zh-CN" altLang="en-US" smtClean="0"/>
-              <a:t>2017/11/3</a:t>
+              <a:t>2017/11/5</a:t>
             </a:fld>
             <a:endParaRPr lang="zh-CN" altLang="en-US"/>
           </a:p>
@@ -2656,7 +2655,7 @@
           <a:p>
             <a:fld id="{22B5609F-EBEC-463B-AA32-A5BE38243DB0}" type="datetimeFigureOut">
               <a:rPr lang="zh-CN" altLang="en-US" smtClean="0"/>
-              <a:t>2017/11/3</a:t>
+              <a:t>2017/11/5</a:t>
             </a:fld>
             <a:endParaRPr lang="zh-CN" altLang="en-US"/>
           </a:p>
@@ -3038,7 +3037,7 @@
           <a:p>
             <a:fld id="{22B5609F-EBEC-463B-AA32-A5BE38243DB0}" type="datetimeFigureOut">
               <a:rPr lang="zh-CN" altLang="en-US" smtClean="0"/>
-              <a:t>2017/11/3</a:t>
+              <a:t>2017/11/5</a:t>
             </a:fld>
             <a:endParaRPr lang="zh-CN" altLang="en-US"/>
           </a:p>
@@ -3325,7 +3324,7 @@
           <a:p>
             <a:fld id="{22B5609F-EBEC-463B-AA32-A5BE38243DB0}" type="datetimeFigureOut">
               <a:rPr lang="zh-CN" altLang="en-US" smtClean="0"/>
-              <a:t>2017/11/3</a:t>
+              <a:t>2017/11/5</a:t>
             </a:fld>
             <a:endParaRPr lang="zh-CN" altLang="en-US"/>
           </a:p>
@@ -4020,628 +4019,6 @@
           <a:p>
             <a:r>
               <a:rPr lang="zh-CN" altLang="en-US" dirty="0" smtClean="0"/>
-              <a:t>辅助线 </a:t>
-            </a:r>
-            <a:r>
-              <a:rPr lang="en-US" altLang="zh-CN" dirty="0" err="1" smtClean="0"/>
-              <a:t>abline</a:t>
-            </a:r>
-            <a:endParaRPr lang="en-US" altLang="zh-CN" dirty="0" smtClean="0"/>
-          </a:p>
-          <a:p>
-            <a:endParaRPr lang="zh-CN" altLang="en-US" dirty="0"/>
-          </a:p>
-        </p:txBody>
-      </p:sp>
-      <p:pic>
-        <p:nvPicPr>
-          <p:cNvPr id="4" name="图片 3"/>
-          <p:cNvPicPr>
-            <a:picLocks noChangeAspect="1"/>
-          </p:cNvPicPr>
-          <p:nvPr/>
-        </p:nvPicPr>
-        <p:blipFill>
-          <a:blip r:embed="rId3"/>
-          <a:stretch>
-            <a:fillRect/>
-          </a:stretch>
-        </p:blipFill>
-        <p:spPr>
-          <a:xfrm>
-            <a:off x="182582" y="2313570"/>
-            <a:ext cx="3847585" cy="3847585"/>
-          </a:xfrm>
-          <a:prstGeom prst="rect">
-            <a:avLst/>
-          </a:prstGeom>
-        </p:spPr>
-      </p:pic>
-      <p:sp>
-        <p:nvSpPr>
-          <p:cNvPr id="5" name="Rectangle 1"/>
-          <p:cNvSpPr>
-            <a:spLocks noChangeArrowheads="1"/>
-          </p:cNvSpPr>
-          <p:nvPr/>
-        </p:nvSpPr>
-        <p:spPr bwMode="auto">
-          <a:xfrm>
-            <a:off x="1209619" y="2523754"/>
-            <a:ext cx="1859483" cy="184666"/>
-          </a:xfrm>
-          <a:prstGeom prst="rect">
-            <a:avLst/>
-          </a:prstGeom>
-          <a:solidFill>
-            <a:srgbClr val="FFFFFF"/>
-          </a:solidFill>
-          <a:ln>
-            <a:noFill/>
-          </a:ln>
-          <a:effectLst/>
-          <a:extLst>
-            <a:ext uri="{91240B29-F687-4F45-9708-019B960494DF}">
-              <a14:hiddenLine xmlns:a14="http://schemas.microsoft.com/office/drawing/2010/main" w="9525">
-                <a:solidFill>
-                  <a:schemeClr val="tx1"/>
-                </a:solidFill>
-                <a:miter lim="800000"/>
-                <a:headEnd/>
-                <a:tailEnd/>
-              </a14:hiddenLine>
-            </a:ext>
-            <a:ext uri="{AF507438-7753-43E0-B8FC-AC1667EBCBE1}">
-              <a14:hiddenEffects xmlns:a14="http://schemas.microsoft.com/office/drawing/2010/main">
-                <a:effectLst>
-                  <a:outerShdw dist="35921" dir="2700000" algn="ctr" rotWithShape="0">
-                    <a:schemeClr val="bg2"/>
-                  </a:outerShdw>
-                </a:effectLst>
-              </a14:hiddenEffects>
-            </a:ext>
-          </a:extLst>
-        </p:spPr>
-        <p:txBody>
-          <a:bodyPr vert="horz" wrap="none" lIns="0" tIns="0" rIns="0" bIns="0" numCol="1" anchor="ctr" anchorCtr="0" compatLnSpc="1">
-            <a:prstTxWarp prst="textNoShape">
-              <a:avLst/>
-            </a:prstTxWarp>
-            <a:spAutoFit/>
-          </a:bodyPr>
-          <a:lstStyle/>
-          <a:p>
-            <a:pPr marL="0" marR="0" lvl="0" indent="0" algn="l" defTabSz="914400" rtl="0" eaLnBrk="0" fontAlgn="base" latinLnBrk="0" hangingPunct="0">
-              <a:lnSpc>
-                <a:spcPct val="100000"/>
-              </a:lnSpc>
-              <a:spcBef>
-                <a:spcPct val="0"/>
-              </a:spcBef>
-              <a:spcAft>
-                <a:spcPct val="0"/>
-              </a:spcAft>
-              <a:buClrTx/>
-              <a:buSzTx/>
-              <a:buFontTx/>
-              <a:buNone/>
-              <a:tabLst/>
-            </a:pPr>
-            <a:r>
-              <a:rPr kumimoji="0" lang="zh-CN" altLang="zh-CN" sz="1200" b="0" i="0" u="none" strike="noStrike" cap="none" normalizeH="0" baseline="0" dirty="0" smtClean="0">
-                <a:ln>
-                  <a:noFill/>
-                </a:ln>
-                <a:solidFill>
-                  <a:srgbClr val="0000FF"/>
-                </a:solidFill>
-                <a:effectLst/>
-                <a:latin typeface="Lucida Console" panose="020B0609040504020204" pitchFamily="49" charset="0"/>
-              </a:rPr>
-              <a:t>&gt; abline(h=20,lty=5)</a:t>
-            </a:r>
-            <a:endParaRPr kumimoji="0" lang="zh-CN" altLang="zh-CN" sz="2800" b="0" i="0" u="none" strike="noStrike" cap="none" normalizeH="0" baseline="0" dirty="0" smtClean="0">
-              <a:ln>
-                <a:noFill/>
-              </a:ln>
-              <a:solidFill>
-                <a:schemeClr val="tx1"/>
-              </a:solidFill>
-              <a:effectLst/>
-              <a:latin typeface="Arial" panose="020B0604020202020204" pitchFamily="34" charset="0"/>
-            </a:endParaRPr>
-          </a:p>
-        </p:txBody>
-      </p:sp>
-      <p:sp>
-        <p:nvSpPr>
-          <p:cNvPr id="6" name="Rectangle 2"/>
-          <p:cNvSpPr>
-            <a:spLocks noChangeArrowheads="1"/>
-          </p:cNvSpPr>
-          <p:nvPr/>
-        </p:nvSpPr>
-        <p:spPr bwMode="auto">
-          <a:xfrm>
-            <a:off x="137108" y="2228932"/>
-            <a:ext cx="1554913" cy="169277"/>
-          </a:xfrm>
-          <a:prstGeom prst="rect">
-            <a:avLst/>
-          </a:prstGeom>
-          <a:solidFill>
-            <a:srgbClr val="FFFFFF"/>
-          </a:solidFill>
-          <a:ln>
-            <a:noFill/>
-          </a:ln>
-          <a:effectLst/>
-          <a:extLst>
-            <a:ext uri="{91240B29-F687-4F45-9708-019B960494DF}">
-              <a14:hiddenLine xmlns:a14="http://schemas.microsoft.com/office/drawing/2010/main" w="9525">
-                <a:solidFill>
-                  <a:schemeClr val="tx1"/>
-                </a:solidFill>
-                <a:miter lim="800000"/>
-                <a:headEnd/>
-                <a:tailEnd/>
-              </a14:hiddenLine>
-            </a:ext>
-            <a:ext uri="{AF507438-7753-43E0-B8FC-AC1667EBCBE1}">
-              <a14:hiddenEffects xmlns:a14="http://schemas.microsoft.com/office/drawing/2010/main">
-                <a:effectLst>
-                  <a:outerShdw dist="35921" dir="2700000" algn="ctr" rotWithShape="0">
-                    <a:schemeClr val="bg2"/>
-                  </a:outerShdw>
-                </a:effectLst>
-              </a14:hiddenEffects>
-            </a:ext>
-          </a:extLst>
-        </p:spPr>
-        <p:txBody>
-          <a:bodyPr vert="horz" wrap="none" lIns="0" tIns="0" rIns="0" bIns="0" numCol="1" anchor="ctr" anchorCtr="0" compatLnSpc="1">
-            <a:prstTxWarp prst="textNoShape">
-              <a:avLst/>
-            </a:prstTxWarp>
-            <a:spAutoFit/>
-          </a:bodyPr>
-          <a:lstStyle/>
-          <a:p>
-            <a:pPr marL="0" marR="0" lvl="0" indent="0" algn="l" defTabSz="914400" rtl="0" eaLnBrk="0" fontAlgn="base" latinLnBrk="0" hangingPunct="0">
-              <a:lnSpc>
-                <a:spcPct val="100000"/>
-              </a:lnSpc>
-              <a:spcBef>
-                <a:spcPct val="0"/>
-              </a:spcBef>
-              <a:spcAft>
-                <a:spcPct val="0"/>
-              </a:spcAft>
-              <a:buClrTx/>
-              <a:buSzTx/>
-              <a:buFontTx/>
-              <a:buNone/>
-              <a:tabLst/>
-            </a:pPr>
-            <a:r>
-              <a:rPr kumimoji="0" lang="zh-CN" altLang="en-US" sz="1100" b="0" i="0" u="none" strike="noStrike" cap="none" normalizeH="0" baseline="0" dirty="0" smtClean="0">
-                <a:ln>
-                  <a:noFill/>
-                </a:ln>
-                <a:solidFill>
-                  <a:srgbClr val="0000FF"/>
-                </a:solidFill>
-                <a:effectLst/>
-                <a:latin typeface="Lucida Console" panose="020B0609040504020204" pitchFamily="49" charset="0"/>
-              </a:rPr>
-              <a:t>仍然以</a:t>
-            </a:r>
-            <a:r>
-              <a:rPr kumimoji="0" lang="zh-CN" altLang="zh-CN" sz="1100" b="0" i="0" u="none" strike="noStrike" cap="none" normalizeH="0" baseline="0" dirty="0" smtClean="0">
-                <a:ln>
-                  <a:noFill/>
-                </a:ln>
-                <a:solidFill>
-                  <a:srgbClr val="0000FF"/>
-                </a:solidFill>
-                <a:effectLst/>
-                <a:latin typeface="Lucida Console" panose="020B0609040504020204" pitchFamily="49" charset="0"/>
-              </a:rPr>
-              <a:t>plot(cars)</a:t>
-            </a:r>
-            <a:r>
-              <a:rPr kumimoji="0" lang="zh-CN" altLang="en-US" sz="1100" b="0" i="0" u="none" strike="noStrike" cap="none" normalizeH="0" baseline="0" dirty="0" smtClean="0">
-                <a:ln>
-                  <a:noFill/>
-                </a:ln>
-                <a:solidFill>
-                  <a:srgbClr val="0000FF"/>
-                </a:solidFill>
-                <a:effectLst/>
-                <a:latin typeface="Lucida Console" panose="020B0609040504020204" pitchFamily="49" charset="0"/>
-              </a:rPr>
-              <a:t>为例</a:t>
-            </a:r>
-            <a:endParaRPr kumimoji="0" lang="zh-CN" altLang="zh-CN" sz="2400" b="0" i="0" u="none" strike="noStrike" cap="none" normalizeH="0" baseline="0" dirty="0" smtClean="0">
-              <a:ln>
-                <a:noFill/>
-              </a:ln>
-              <a:solidFill>
-                <a:schemeClr val="tx1"/>
-              </a:solidFill>
-              <a:effectLst/>
-              <a:latin typeface="Arial" panose="020B0604020202020204" pitchFamily="34" charset="0"/>
-            </a:endParaRPr>
-          </a:p>
-        </p:txBody>
-      </p:sp>
-      <p:pic>
-        <p:nvPicPr>
-          <p:cNvPr id="7" name="图片 6"/>
-          <p:cNvPicPr>
-            <a:picLocks noChangeAspect="1"/>
-          </p:cNvPicPr>
-          <p:nvPr/>
-        </p:nvPicPr>
-        <p:blipFill>
-          <a:blip r:embed="rId4"/>
-          <a:stretch>
-            <a:fillRect/>
-          </a:stretch>
-        </p:blipFill>
-        <p:spPr>
-          <a:xfrm>
-            <a:off x="4142506" y="2275185"/>
-            <a:ext cx="3925089" cy="3925089"/>
-          </a:xfrm>
-          <a:prstGeom prst="rect">
-            <a:avLst/>
-          </a:prstGeom>
-        </p:spPr>
-      </p:pic>
-      <p:sp>
-        <p:nvSpPr>
-          <p:cNvPr id="8" name="Rectangle 3"/>
-          <p:cNvSpPr>
-            <a:spLocks noChangeArrowheads="1"/>
-          </p:cNvSpPr>
-          <p:nvPr/>
-        </p:nvSpPr>
-        <p:spPr bwMode="auto">
-          <a:xfrm>
-            <a:off x="5196738" y="2431421"/>
-            <a:ext cx="1859483" cy="184666"/>
-          </a:xfrm>
-          <a:prstGeom prst="rect">
-            <a:avLst/>
-          </a:prstGeom>
-          <a:solidFill>
-            <a:srgbClr val="FFFFFF"/>
-          </a:solidFill>
-          <a:ln>
-            <a:noFill/>
-          </a:ln>
-          <a:effectLst/>
-          <a:extLst>
-            <a:ext uri="{91240B29-F687-4F45-9708-019B960494DF}">
-              <a14:hiddenLine xmlns:a14="http://schemas.microsoft.com/office/drawing/2010/main" w="9525">
-                <a:solidFill>
-                  <a:schemeClr val="tx1"/>
-                </a:solidFill>
-                <a:miter lim="800000"/>
-                <a:headEnd/>
-                <a:tailEnd/>
-              </a14:hiddenLine>
-            </a:ext>
-            <a:ext uri="{AF507438-7753-43E0-B8FC-AC1667EBCBE1}">
-              <a14:hiddenEffects xmlns:a14="http://schemas.microsoft.com/office/drawing/2010/main">
-                <a:effectLst>
-                  <a:outerShdw dist="35921" dir="2700000" algn="ctr" rotWithShape="0">
-                    <a:schemeClr val="bg2"/>
-                  </a:outerShdw>
-                </a:effectLst>
-              </a14:hiddenEffects>
-            </a:ext>
-          </a:extLst>
-        </p:spPr>
-        <p:txBody>
-          <a:bodyPr vert="horz" wrap="none" lIns="0" tIns="0" rIns="0" bIns="0" numCol="1" anchor="ctr" anchorCtr="0" compatLnSpc="1">
-            <a:prstTxWarp prst="textNoShape">
-              <a:avLst/>
-            </a:prstTxWarp>
-            <a:spAutoFit/>
-          </a:bodyPr>
-          <a:lstStyle/>
-          <a:p>
-            <a:pPr marL="0" marR="0" lvl="0" indent="0" algn="l" defTabSz="914400" rtl="0" eaLnBrk="0" fontAlgn="base" latinLnBrk="0" hangingPunct="0">
-              <a:lnSpc>
-                <a:spcPct val="100000"/>
-              </a:lnSpc>
-              <a:spcBef>
-                <a:spcPct val="0"/>
-              </a:spcBef>
-              <a:spcAft>
-                <a:spcPct val="0"/>
-              </a:spcAft>
-              <a:buClrTx/>
-              <a:buSzTx/>
-              <a:buFontTx/>
-              <a:buNone/>
-              <a:tabLst/>
-            </a:pPr>
-            <a:r>
-              <a:rPr kumimoji="0" lang="zh-CN" altLang="zh-CN" sz="1200" b="0" i="0" u="none" strike="noStrike" cap="none" normalizeH="0" baseline="0" smtClean="0">
-                <a:ln>
-                  <a:noFill/>
-                </a:ln>
-                <a:solidFill>
-                  <a:srgbClr val="0000FF"/>
-                </a:solidFill>
-                <a:effectLst/>
-                <a:latin typeface="Lucida Console" panose="020B0609040504020204" pitchFamily="49" charset="0"/>
-              </a:rPr>
-              <a:t>&gt; abline(v=20,lty=5)</a:t>
-            </a:r>
-            <a:endParaRPr kumimoji="0" lang="zh-CN" altLang="zh-CN" sz="2800" b="0" i="0" u="none" strike="noStrike" cap="none" normalizeH="0" baseline="0" smtClean="0">
-              <a:ln>
-                <a:noFill/>
-              </a:ln>
-              <a:solidFill>
-                <a:schemeClr val="tx1"/>
-              </a:solidFill>
-              <a:effectLst/>
-              <a:latin typeface="Arial" panose="020B0604020202020204" pitchFamily="34" charset="0"/>
-            </a:endParaRPr>
-          </a:p>
-        </p:txBody>
-      </p:sp>
-      <p:pic>
-        <p:nvPicPr>
-          <p:cNvPr id="9" name="图片 8"/>
-          <p:cNvPicPr>
-            <a:picLocks noChangeAspect="1"/>
-          </p:cNvPicPr>
-          <p:nvPr/>
-        </p:nvPicPr>
-        <p:blipFill>
-          <a:blip r:embed="rId5"/>
-          <a:stretch>
-            <a:fillRect/>
-          </a:stretch>
-        </p:blipFill>
-        <p:spPr>
-          <a:xfrm>
-            <a:off x="8003001" y="2228932"/>
-            <a:ext cx="3914986" cy="3914986"/>
-          </a:xfrm>
-          <a:prstGeom prst="rect">
-            <a:avLst/>
-          </a:prstGeom>
-        </p:spPr>
-      </p:pic>
-      <p:sp>
-        <p:nvSpPr>
-          <p:cNvPr id="11" name="Rectangle 5"/>
-          <p:cNvSpPr>
-            <a:spLocks noChangeArrowheads="1"/>
-          </p:cNvSpPr>
-          <p:nvPr/>
-        </p:nvSpPr>
-        <p:spPr bwMode="auto">
-          <a:xfrm>
-            <a:off x="8419170" y="2305876"/>
-            <a:ext cx="3347070" cy="184666"/>
-          </a:xfrm>
-          <a:prstGeom prst="rect">
-            <a:avLst/>
-          </a:prstGeom>
-          <a:solidFill>
-            <a:srgbClr val="FFFFFF"/>
-          </a:solidFill>
-          <a:ln>
-            <a:noFill/>
-          </a:ln>
-          <a:effectLst/>
-          <a:extLst>
-            <a:ext uri="{91240B29-F687-4F45-9708-019B960494DF}">
-              <a14:hiddenLine xmlns:a14="http://schemas.microsoft.com/office/drawing/2010/main" w="9525">
-                <a:solidFill>
-                  <a:schemeClr val="tx1"/>
-                </a:solidFill>
-                <a:miter lim="800000"/>
-                <a:headEnd/>
-                <a:tailEnd/>
-              </a14:hiddenLine>
-            </a:ext>
-            <a:ext uri="{AF507438-7753-43E0-B8FC-AC1667EBCBE1}">
-              <a14:hiddenEffects xmlns:a14="http://schemas.microsoft.com/office/drawing/2010/main">
-                <a:effectLst>
-                  <a:outerShdw dist="35921" dir="2700000" algn="ctr" rotWithShape="0">
-                    <a:schemeClr val="bg2"/>
-                  </a:outerShdw>
-                </a:effectLst>
-              </a14:hiddenEffects>
-            </a:ext>
-          </a:extLst>
-        </p:spPr>
-        <p:txBody>
-          <a:bodyPr vert="horz" wrap="none" lIns="0" tIns="0" rIns="0" bIns="0" numCol="1" anchor="ctr" anchorCtr="0" compatLnSpc="1">
-            <a:prstTxWarp prst="textNoShape">
-              <a:avLst/>
-            </a:prstTxWarp>
-            <a:spAutoFit/>
-          </a:bodyPr>
-          <a:lstStyle/>
-          <a:p>
-            <a:pPr marL="0" marR="0" lvl="0" indent="0" algn="l" defTabSz="914400" rtl="0" eaLnBrk="0" fontAlgn="base" latinLnBrk="0" hangingPunct="0">
-              <a:lnSpc>
-                <a:spcPct val="100000"/>
-              </a:lnSpc>
-              <a:spcBef>
-                <a:spcPct val="0"/>
-              </a:spcBef>
-              <a:spcAft>
-                <a:spcPct val="0"/>
-              </a:spcAft>
-              <a:buClrTx/>
-              <a:buSzTx/>
-              <a:buFontTx/>
-              <a:buNone/>
-              <a:tabLst/>
-            </a:pPr>
-            <a:r>
-              <a:rPr kumimoji="0" lang="zh-CN" altLang="zh-CN" sz="1200" b="0" i="0" u="none" strike="noStrike" cap="none" normalizeH="0" baseline="0" smtClean="0">
-                <a:ln>
-                  <a:noFill/>
-                </a:ln>
-                <a:solidFill>
-                  <a:srgbClr val="0000FF"/>
-                </a:solidFill>
-                <a:effectLst/>
-                <a:latin typeface="Lucida Console" panose="020B0609040504020204" pitchFamily="49" charset="0"/>
-              </a:rPr>
-              <a:t>&gt; abline(a=20,b=1.2,lty=5,col="red")</a:t>
-            </a:r>
-            <a:endParaRPr kumimoji="0" lang="zh-CN" altLang="zh-CN" sz="2800" b="0" i="0" u="none" strike="noStrike" cap="none" normalizeH="0" baseline="0" smtClean="0">
-              <a:ln>
-                <a:noFill/>
-              </a:ln>
-              <a:solidFill>
-                <a:schemeClr val="tx1"/>
-              </a:solidFill>
-              <a:effectLst/>
-              <a:latin typeface="Arial" panose="020B0604020202020204" pitchFamily="34" charset="0"/>
-            </a:endParaRPr>
-          </a:p>
-        </p:txBody>
-      </p:sp>
-      <p:graphicFrame>
-        <p:nvGraphicFramePr>
-          <p:cNvPr id="12" name="对象 11"/>
-          <p:cNvGraphicFramePr>
-            <a:graphicFrameLocks noChangeAspect="1"/>
-          </p:cNvGraphicFramePr>
-          <p:nvPr>
-            <p:extLst>
-              <p:ext uri="{D42A27DB-BD31-4B8C-83A1-F6EECF244321}">
-                <p14:modId xmlns:p14="http://schemas.microsoft.com/office/powerpoint/2010/main" val="1030608199"/>
-              </p:ext>
-            </p:extLst>
-          </p:nvPr>
-        </p:nvGraphicFramePr>
-        <p:xfrm>
-          <a:off x="9213714" y="1776817"/>
-          <a:ext cx="878991" cy="275762"/>
-        </p:xfrm>
-        <a:graphic>
-          <a:graphicData uri="http://schemas.openxmlformats.org/presentationml/2006/ole">
-            <mc:AlternateContent xmlns:mc="http://schemas.openxmlformats.org/markup-compatibility/2006">
-              <mc:Choice xmlns:v="urn:schemas-microsoft-com:vml" Requires="v">
-                <p:oleObj spid="_x0000_s4126" name="Equation" r:id="rId6" imgW="647640" imgH="203040" progId="Equation.DSMT4">
-                  <p:embed/>
-                </p:oleObj>
-              </mc:Choice>
-              <mc:Fallback>
-                <p:oleObj name="Equation" r:id="rId6" imgW="647640" imgH="203040" progId="Equation.DSMT4">
-                  <p:embed/>
-                  <p:pic>
-                    <p:nvPicPr>
-                      <p:cNvPr id="0" name=""/>
-                      <p:cNvPicPr/>
-                      <p:nvPr/>
-                    </p:nvPicPr>
-                    <p:blipFill>
-                      <a:blip r:embed="rId7"/>
-                      <a:stretch>
-                        <a:fillRect/>
-                      </a:stretch>
-                    </p:blipFill>
-                    <p:spPr>
-                      <a:xfrm>
-                        <a:off x="9213714" y="1776817"/>
-                        <a:ext cx="878991" cy="275762"/>
-                      </a:xfrm>
-                      <a:prstGeom prst="rect">
-                        <a:avLst/>
-                      </a:prstGeom>
-                    </p:spPr>
-                  </p:pic>
-                </p:oleObj>
-              </mc:Fallback>
-            </mc:AlternateContent>
-          </a:graphicData>
-        </a:graphic>
-      </p:graphicFrame>
-    </p:spTree>
-    <p:extLst>
-      <p:ext uri="{BB962C8B-B14F-4D97-AF65-F5344CB8AC3E}">
-        <p14:creationId xmlns:p14="http://schemas.microsoft.com/office/powerpoint/2010/main" val="2260426643"/>
-      </p:ext>
-    </p:extLst>
-  </p:cSld>
-  <p:clrMapOvr>
-    <a:masterClrMapping/>
-  </p:clrMapOvr>
-</p:sld>
-</file>
-
-<file path=ppt/slides/slide11.xml><?xml version="1.0" encoding="utf-8"?>
-<p:sld xmlns:a="http://schemas.openxmlformats.org/drawingml/2006/main" xmlns:r="http://schemas.openxmlformats.org/officeDocument/2006/relationships" xmlns:p="http://schemas.openxmlformats.org/presentationml/2006/main">
-  <p:cSld>
-    <p:spTree>
-      <p:nvGrpSpPr>
-        <p:cNvPr id="1" name=""/>
-        <p:cNvGrpSpPr/>
-        <p:nvPr/>
-      </p:nvGrpSpPr>
-      <p:grpSpPr>
-        <a:xfrm>
-          <a:off x="0" y="0"/>
-          <a:ext cx="0" cy="0"/>
-          <a:chOff x="0" y="0"/>
-          <a:chExt cx="0" cy="0"/>
-        </a:xfrm>
-      </p:grpSpPr>
-      <p:sp>
-        <p:nvSpPr>
-          <p:cNvPr id="2" name="标题 1"/>
-          <p:cNvSpPr>
-            <a:spLocks noGrp="1"/>
-          </p:cNvSpPr>
-          <p:nvPr>
-            <p:ph type="title"/>
-          </p:nvPr>
-        </p:nvSpPr>
-        <p:spPr/>
-        <p:txBody>
-          <a:bodyPr/>
-          <a:lstStyle/>
-          <a:p>
-            <a:r>
-              <a:rPr lang="zh-CN" altLang="en-US" dirty="0" smtClean="0"/>
-              <a:t>添加形状</a:t>
-            </a:r>
-            <a:endParaRPr lang="zh-CN" altLang="en-US" dirty="0"/>
-          </a:p>
-        </p:txBody>
-      </p:sp>
-      <p:sp>
-        <p:nvSpPr>
-          <p:cNvPr id="3" name="内容占位符 2"/>
-          <p:cNvSpPr>
-            <a:spLocks noGrp="1"/>
-          </p:cNvSpPr>
-          <p:nvPr>
-            <p:ph idx="1"/>
-          </p:nvPr>
-        </p:nvSpPr>
-        <p:spPr/>
-        <p:txBody>
-          <a:bodyPr/>
-          <a:lstStyle/>
-          <a:p>
-            <a:r>
-              <a:rPr lang="zh-CN" altLang="en-US" dirty="0" smtClean="0"/>
               <a:t>由点连成的线</a:t>
             </a:r>
             <a:endParaRPr lang="zh-CN" altLang="en-US" dirty="0"/>
@@ -5241,7 +4618,7 @@
 </p:sld>
 </file>
 
-<file path=ppt/slides/slide12.xml><?xml version="1.0" encoding="utf-8"?>
+<file path=ppt/slides/slide11.xml><?xml version="1.0" encoding="utf-8"?>
 <p:sld xmlns:a="http://schemas.openxmlformats.org/drawingml/2006/main" xmlns:r="http://schemas.openxmlformats.org/officeDocument/2006/relationships" xmlns:p="http://schemas.openxmlformats.org/presentationml/2006/main">
   <p:cSld>
     <p:spTree>
@@ -5602,11 +4979,7 @@
             </a:pPr>
             <a:r>
               <a:rPr lang="zh-CN" altLang="en-US" dirty="0" smtClean="0"/>
-              <a:t>添加注释和</a:t>
-            </a:r>
-            <a:r>
-              <a:rPr lang="zh-CN" altLang="en-US" dirty="0" smtClean="0"/>
-              <a:t>箭头</a:t>
+              <a:t>添加注释和箭头</a:t>
             </a:r>
             <a:endParaRPr lang="en-US" altLang="zh-CN" dirty="0"/>
           </a:p>
@@ -6023,6 +5396,602 @@
     <p:extLst>
       <p:ext uri="{BB962C8B-B14F-4D97-AF65-F5344CB8AC3E}">
         <p14:creationId xmlns:p14="http://schemas.microsoft.com/office/powerpoint/2010/main" val="193283048"/>
+      </p:ext>
+    </p:extLst>
+  </p:cSld>
+  <p:clrMapOvr>
+    <a:masterClrMapping/>
+  </p:clrMapOvr>
+</p:sld>
+</file>
+
+<file path=ppt/slides/slide12.xml><?xml version="1.0" encoding="utf-8"?>
+<p:sld xmlns:a="http://schemas.openxmlformats.org/drawingml/2006/main" xmlns:r="http://schemas.openxmlformats.org/officeDocument/2006/relationships" xmlns:p="http://schemas.openxmlformats.org/presentationml/2006/main">
+  <p:cSld>
+    <p:spTree>
+      <p:nvGrpSpPr>
+        <p:cNvPr id="1" name=""/>
+        <p:cNvGrpSpPr/>
+        <p:nvPr/>
+      </p:nvGrpSpPr>
+      <p:grpSpPr>
+        <a:xfrm>
+          <a:off x="0" y="0"/>
+          <a:ext cx="0" cy="0"/>
+          <a:chOff x="0" y="0"/>
+          <a:chExt cx="0" cy="0"/>
+        </a:xfrm>
+      </p:grpSpPr>
+      <p:sp>
+        <p:nvSpPr>
+          <p:cNvPr id="2" name="标题 1"/>
+          <p:cNvSpPr>
+            <a:spLocks noGrp="1"/>
+          </p:cNvSpPr>
+          <p:nvPr>
+            <p:ph type="title"/>
+          </p:nvPr>
+        </p:nvSpPr>
+        <p:spPr/>
+        <p:txBody>
+          <a:bodyPr/>
+          <a:lstStyle/>
+          <a:p>
+            <a:r>
+              <a:rPr lang="zh-CN" altLang="en-US" dirty="0" smtClean="0"/>
+              <a:t>操作当前活动图形</a:t>
+            </a:r>
+            <a:endParaRPr lang="zh-CN" altLang="en-US" dirty="0"/>
+          </a:p>
+        </p:txBody>
+      </p:sp>
+      <p:sp>
+        <p:nvSpPr>
+          <p:cNvPr id="3" name="内容占位符 2"/>
+          <p:cNvSpPr>
+            <a:spLocks noGrp="1"/>
+          </p:cNvSpPr>
+          <p:nvPr>
+            <p:ph idx="1"/>
+          </p:nvPr>
+        </p:nvSpPr>
+        <p:spPr/>
+        <p:txBody>
+          <a:bodyPr/>
+          <a:lstStyle/>
+          <a:p>
+            <a:r>
+              <a:rPr lang="zh-CN" altLang="en-US" dirty="0" smtClean="0"/>
+              <a:t>多图同时操作时候需要不停切换当前激活图片窗口</a:t>
+            </a:r>
+            <a:endParaRPr lang="en-US" altLang="zh-CN" dirty="0" smtClean="0"/>
+          </a:p>
+          <a:p>
+            <a:r>
+              <a:rPr lang="zh-CN" altLang="en-US" dirty="0" smtClean="0"/>
+              <a:t>查看当前活动窗口编号</a:t>
+            </a:r>
+            <a:endParaRPr lang="en-US" altLang="zh-CN" dirty="0" smtClean="0"/>
+          </a:p>
+          <a:p>
+            <a:endParaRPr lang="en-US" altLang="zh-CN" dirty="0" smtClean="0"/>
+          </a:p>
+          <a:p>
+            <a:r>
+              <a:rPr lang="zh-CN" altLang="en-US" dirty="0" smtClean="0"/>
+              <a:t>查看上一个活动窗口编号</a:t>
+            </a:r>
+            <a:endParaRPr lang="en-US" altLang="zh-CN" dirty="0" smtClean="0"/>
+          </a:p>
+          <a:p>
+            <a:endParaRPr lang="en-US" altLang="zh-CN" dirty="0"/>
+          </a:p>
+          <a:p>
+            <a:r>
+              <a:rPr lang="zh-CN" altLang="en-US" dirty="0" smtClean="0"/>
+              <a:t>设置活动窗口</a:t>
+            </a:r>
+            <a:endParaRPr lang="en-US" altLang="zh-CN" dirty="0" smtClean="0"/>
+          </a:p>
+          <a:p>
+            <a:endParaRPr lang="en-US" altLang="zh-CN" dirty="0"/>
+          </a:p>
+          <a:p>
+            <a:endParaRPr lang="en-US" altLang="zh-CN" dirty="0" smtClean="0"/>
+          </a:p>
+          <a:p>
+            <a:r>
+              <a:rPr lang="zh-CN" altLang="en-US" dirty="0" smtClean="0"/>
+              <a:t>生成一个新的作图窗口</a:t>
+            </a:r>
+            <a:endParaRPr lang="zh-CN" altLang="en-US" dirty="0"/>
+          </a:p>
+        </p:txBody>
+      </p:sp>
+      <p:sp>
+        <p:nvSpPr>
+          <p:cNvPr id="6" name="Rectangle 1"/>
+          <p:cNvSpPr>
+            <a:spLocks noChangeArrowheads="1"/>
+          </p:cNvSpPr>
+          <p:nvPr/>
+        </p:nvSpPr>
+        <p:spPr bwMode="auto">
+          <a:xfrm>
+            <a:off x="1275003" y="2817434"/>
+            <a:ext cx="1022716" cy="184666"/>
+          </a:xfrm>
+          <a:prstGeom prst="rect">
+            <a:avLst/>
+          </a:prstGeom>
+          <a:solidFill>
+            <a:srgbClr val="FFFFFF"/>
+          </a:solidFill>
+          <a:ln>
+            <a:noFill/>
+          </a:ln>
+          <a:effectLst/>
+          <a:extLst>
+            <a:ext uri="{91240B29-F687-4F45-9708-019B960494DF}">
+              <a14:hiddenLine xmlns:a14="http://schemas.microsoft.com/office/drawing/2010/main" w="9525">
+                <a:solidFill>
+                  <a:schemeClr val="tx1"/>
+                </a:solidFill>
+                <a:miter lim="800000"/>
+                <a:headEnd/>
+                <a:tailEnd/>
+              </a14:hiddenLine>
+            </a:ext>
+            <a:ext uri="{AF507438-7753-43E0-B8FC-AC1667EBCBE1}">
+              <a14:hiddenEffects xmlns:a14="http://schemas.microsoft.com/office/drawing/2010/main">
+                <a:effectLst>
+                  <a:outerShdw dist="35921" dir="2700000" algn="ctr" rotWithShape="0">
+                    <a:schemeClr val="bg2"/>
+                  </a:outerShdw>
+                </a:effectLst>
+              </a14:hiddenEffects>
+            </a:ext>
+          </a:extLst>
+        </p:spPr>
+        <p:txBody>
+          <a:bodyPr vert="horz" wrap="none" lIns="0" tIns="0" rIns="0" bIns="0" numCol="1" anchor="ctr" anchorCtr="0" compatLnSpc="1">
+            <a:prstTxWarp prst="textNoShape">
+              <a:avLst/>
+            </a:prstTxWarp>
+            <a:spAutoFit/>
+          </a:bodyPr>
+          <a:lstStyle/>
+          <a:p>
+            <a:pPr marL="0" marR="0" lvl="0" indent="0" algn="l" defTabSz="914400" rtl="0" eaLnBrk="0" fontAlgn="base" latinLnBrk="0" hangingPunct="0">
+              <a:lnSpc>
+                <a:spcPct val="100000"/>
+              </a:lnSpc>
+              <a:spcBef>
+                <a:spcPct val="0"/>
+              </a:spcBef>
+              <a:spcAft>
+                <a:spcPct val="0"/>
+              </a:spcAft>
+              <a:buClrTx/>
+              <a:buSzTx/>
+              <a:buFontTx/>
+              <a:buNone/>
+              <a:tabLst/>
+            </a:pPr>
+            <a:r>
+              <a:rPr kumimoji="0" lang="zh-CN" altLang="zh-CN" sz="1200" b="0" i="0" u="none" strike="noStrike" cap="none" normalizeH="0" baseline="0" dirty="0" smtClean="0">
+                <a:ln>
+                  <a:noFill/>
+                </a:ln>
+                <a:solidFill>
+                  <a:srgbClr val="0000FF"/>
+                </a:solidFill>
+                <a:effectLst/>
+                <a:latin typeface="Lucida Console" panose="020B0609040504020204" pitchFamily="49" charset="0"/>
+              </a:rPr>
+              <a:t>&gt; dev.cur()</a:t>
+            </a:r>
+            <a:endParaRPr kumimoji="0" lang="zh-CN" altLang="zh-CN" sz="2800" b="0" i="0" u="none" strike="noStrike" cap="none" normalizeH="0" baseline="0" dirty="0" smtClean="0">
+              <a:ln>
+                <a:noFill/>
+              </a:ln>
+              <a:solidFill>
+                <a:schemeClr val="tx1"/>
+              </a:solidFill>
+              <a:effectLst/>
+              <a:latin typeface="Arial" panose="020B0604020202020204" pitchFamily="34" charset="0"/>
+            </a:endParaRPr>
+          </a:p>
+        </p:txBody>
+      </p:sp>
+      <p:sp>
+        <p:nvSpPr>
+          <p:cNvPr id="7" name="Rectangle 2"/>
+          <p:cNvSpPr>
+            <a:spLocks noChangeArrowheads="1"/>
+          </p:cNvSpPr>
+          <p:nvPr/>
+        </p:nvSpPr>
+        <p:spPr bwMode="auto">
+          <a:xfrm>
+            <a:off x="1228516" y="4620395"/>
+            <a:ext cx="1952458" cy="184666"/>
+          </a:xfrm>
+          <a:prstGeom prst="rect">
+            <a:avLst/>
+          </a:prstGeom>
+          <a:solidFill>
+            <a:srgbClr val="FFFFFF"/>
+          </a:solidFill>
+          <a:ln>
+            <a:noFill/>
+          </a:ln>
+          <a:effectLst/>
+          <a:extLst>
+            <a:ext uri="{91240B29-F687-4F45-9708-019B960494DF}">
+              <a14:hiddenLine xmlns:a14="http://schemas.microsoft.com/office/drawing/2010/main" w="9525">
+                <a:solidFill>
+                  <a:schemeClr val="tx1"/>
+                </a:solidFill>
+                <a:miter lim="800000"/>
+                <a:headEnd/>
+                <a:tailEnd/>
+              </a14:hiddenLine>
+            </a:ext>
+            <a:ext uri="{AF507438-7753-43E0-B8FC-AC1667EBCBE1}">
+              <a14:hiddenEffects xmlns:a14="http://schemas.microsoft.com/office/drawing/2010/main">
+                <a:effectLst>
+                  <a:outerShdw dist="35921" dir="2700000" algn="ctr" rotWithShape="0">
+                    <a:schemeClr val="bg2"/>
+                  </a:outerShdw>
+                </a:effectLst>
+              </a14:hiddenEffects>
+            </a:ext>
+          </a:extLst>
+        </p:spPr>
+        <p:txBody>
+          <a:bodyPr vert="horz" wrap="none" lIns="0" tIns="0" rIns="0" bIns="0" numCol="1" anchor="ctr" anchorCtr="0" compatLnSpc="1">
+            <a:prstTxWarp prst="textNoShape">
+              <a:avLst/>
+            </a:prstTxWarp>
+            <a:spAutoFit/>
+          </a:bodyPr>
+          <a:lstStyle/>
+          <a:p>
+            <a:pPr marL="0" marR="0" lvl="0" indent="0" algn="l" defTabSz="914400" rtl="0" eaLnBrk="0" fontAlgn="base" latinLnBrk="0" hangingPunct="0">
+              <a:lnSpc>
+                <a:spcPct val="100000"/>
+              </a:lnSpc>
+              <a:spcBef>
+                <a:spcPct val="0"/>
+              </a:spcBef>
+              <a:spcAft>
+                <a:spcPct val="0"/>
+              </a:spcAft>
+              <a:buClrTx/>
+              <a:buSzTx/>
+              <a:buFontTx/>
+              <a:buNone/>
+              <a:tabLst/>
+            </a:pPr>
+            <a:r>
+              <a:rPr kumimoji="0" lang="zh-CN" altLang="zh-CN" sz="1200" b="0" i="0" u="none" strike="noStrike" cap="none" normalizeH="0" baseline="0" dirty="0" smtClean="0">
+                <a:ln>
+                  <a:noFill/>
+                </a:ln>
+                <a:solidFill>
+                  <a:srgbClr val="0000FF"/>
+                </a:solidFill>
+                <a:effectLst/>
+                <a:latin typeface="Lucida Console" panose="020B0609040504020204" pitchFamily="49" charset="0"/>
+              </a:rPr>
+              <a:t>&gt; dev.set(dev.prev())</a:t>
+            </a:r>
+            <a:endParaRPr kumimoji="0" lang="zh-CN" altLang="zh-CN" sz="2800" b="0" i="0" u="none" strike="noStrike" cap="none" normalizeH="0" baseline="0" dirty="0" smtClean="0">
+              <a:ln>
+                <a:noFill/>
+              </a:ln>
+              <a:solidFill>
+                <a:schemeClr val="tx1"/>
+              </a:solidFill>
+              <a:effectLst/>
+              <a:latin typeface="Arial" panose="020B0604020202020204" pitchFamily="34" charset="0"/>
+            </a:endParaRPr>
+          </a:p>
+        </p:txBody>
+      </p:sp>
+      <p:sp>
+        <p:nvSpPr>
+          <p:cNvPr id="8" name="Rectangle 3"/>
+          <p:cNvSpPr>
+            <a:spLocks noChangeArrowheads="1"/>
+          </p:cNvSpPr>
+          <p:nvPr/>
+        </p:nvSpPr>
+        <p:spPr bwMode="auto">
+          <a:xfrm>
+            <a:off x="1228516" y="3718914"/>
+            <a:ext cx="1115690" cy="184666"/>
+          </a:xfrm>
+          <a:prstGeom prst="rect">
+            <a:avLst/>
+          </a:prstGeom>
+          <a:solidFill>
+            <a:srgbClr val="FFFFFF"/>
+          </a:solidFill>
+          <a:ln>
+            <a:noFill/>
+          </a:ln>
+          <a:effectLst/>
+          <a:extLst>
+            <a:ext uri="{91240B29-F687-4F45-9708-019B960494DF}">
+              <a14:hiddenLine xmlns:a14="http://schemas.microsoft.com/office/drawing/2010/main" w="9525">
+                <a:solidFill>
+                  <a:schemeClr val="tx1"/>
+                </a:solidFill>
+                <a:miter lim="800000"/>
+                <a:headEnd/>
+                <a:tailEnd/>
+              </a14:hiddenLine>
+            </a:ext>
+            <a:ext uri="{AF507438-7753-43E0-B8FC-AC1667EBCBE1}">
+              <a14:hiddenEffects xmlns:a14="http://schemas.microsoft.com/office/drawing/2010/main">
+                <a:effectLst>
+                  <a:outerShdw dist="35921" dir="2700000" algn="ctr" rotWithShape="0">
+                    <a:schemeClr val="bg2"/>
+                  </a:outerShdw>
+                </a:effectLst>
+              </a14:hiddenEffects>
+            </a:ext>
+          </a:extLst>
+        </p:spPr>
+        <p:txBody>
+          <a:bodyPr vert="horz" wrap="none" lIns="0" tIns="0" rIns="0" bIns="0" numCol="1" anchor="ctr" anchorCtr="0" compatLnSpc="1">
+            <a:prstTxWarp prst="textNoShape">
+              <a:avLst/>
+            </a:prstTxWarp>
+            <a:spAutoFit/>
+          </a:bodyPr>
+          <a:lstStyle/>
+          <a:p>
+            <a:pPr marL="0" marR="0" lvl="0" indent="0" algn="l" defTabSz="914400" rtl="0" eaLnBrk="0" fontAlgn="base" latinLnBrk="0" hangingPunct="0">
+              <a:lnSpc>
+                <a:spcPct val="100000"/>
+              </a:lnSpc>
+              <a:spcBef>
+                <a:spcPct val="0"/>
+              </a:spcBef>
+              <a:spcAft>
+                <a:spcPct val="0"/>
+              </a:spcAft>
+              <a:buClrTx/>
+              <a:buSzTx/>
+              <a:buFontTx/>
+              <a:buNone/>
+              <a:tabLst/>
+            </a:pPr>
+            <a:r>
+              <a:rPr kumimoji="0" lang="zh-CN" altLang="zh-CN" sz="1200" b="0" i="0" u="none" strike="noStrike" cap="none" normalizeH="0" baseline="0" dirty="0" smtClean="0">
+                <a:ln>
+                  <a:noFill/>
+                </a:ln>
+                <a:solidFill>
+                  <a:srgbClr val="0000FF"/>
+                </a:solidFill>
+                <a:effectLst/>
+                <a:latin typeface="Lucida Console" panose="020B0609040504020204" pitchFamily="49" charset="0"/>
+              </a:rPr>
+              <a:t>&gt; dev.prev()</a:t>
+            </a:r>
+            <a:endParaRPr kumimoji="0" lang="zh-CN" altLang="zh-CN" sz="2800" b="0" i="0" u="none" strike="noStrike" cap="none" normalizeH="0" baseline="0" dirty="0" smtClean="0">
+              <a:ln>
+                <a:noFill/>
+              </a:ln>
+              <a:solidFill>
+                <a:schemeClr val="tx1"/>
+              </a:solidFill>
+              <a:effectLst/>
+              <a:latin typeface="Arial" panose="020B0604020202020204" pitchFamily="34" charset="0"/>
+            </a:endParaRPr>
+          </a:p>
+        </p:txBody>
+      </p:sp>
+      <p:sp>
+        <p:nvSpPr>
+          <p:cNvPr id="9" name="Rectangle 4"/>
+          <p:cNvSpPr>
+            <a:spLocks noChangeArrowheads="1"/>
+          </p:cNvSpPr>
+          <p:nvPr/>
+        </p:nvSpPr>
+        <p:spPr bwMode="auto">
+          <a:xfrm>
+            <a:off x="1228516" y="5060078"/>
+            <a:ext cx="1115690" cy="184666"/>
+          </a:xfrm>
+          <a:prstGeom prst="rect">
+            <a:avLst/>
+          </a:prstGeom>
+          <a:solidFill>
+            <a:srgbClr val="FFFFFF"/>
+          </a:solidFill>
+          <a:ln>
+            <a:noFill/>
+          </a:ln>
+          <a:effectLst/>
+          <a:extLst>
+            <a:ext uri="{91240B29-F687-4F45-9708-019B960494DF}">
+              <a14:hiddenLine xmlns:a14="http://schemas.microsoft.com/office/drawing/2010/main" w="9525">
+                <a:solidFill>
+                  <a:schemeClr val="tx1"/>
+                </a:solidFill>
+                <a:miter lim="800000"/>
+                <a:headEnd/>
+                <a:tailEnd/>
+              </a14:hiddenLine>
+            </a:ext>
+            <a:ext uri="{AF507438-7753-43E0-B8FC-AC1667EBCBE1}">
+              <a14:hiddenEffects xmlns:a14="http://schemas.microsoft.com/office/drawing/2010/main">
+                <a:effectLst>
+                  <a:outerShdw dist="35921" dir="2700000" algn="ctr" rotWithShape="0">
+                    <a:schemeClr val="bg2"/>
+                  </a:outerShdw>
+                </a:effectLst>
+              </a14:hiddenEffects>
+            </a:ext>
+          </a:extLst>
+        </p:spPr>
+        <p:txBody>
+          <a:bodyPr vert="horz" wrap="none" lIns="0" tIns="0" rIns="0" bIns="0" numCol="1" anchor="ctr" anchorCtr="0" compatLnSpc="1">
+            <a:prstTxWarp prst="textNoShape">
+              <a:avLst/>
+            </a:prstTxWarp>
+            <a:spAutoFit/>
+          </a:bodyPr>
+          <a:lstStyle/>
+          <a:p>
+            <a:pPr marL="0" marR="0" lvl="0" indent="0" algn="l" defTabSz="914400" rtl="0" eaLnBrk="0" fontAlgn="base" latinLnBrk="0" hangingPunct="0">
+              <a:lnSpc>
+                <a:spcPct val="100000"/>
+              </a:lnSpc>
+              <a:spcBef>
+                <a:spcPct val="0"/>
+              </a:spcBef>
+              <a:spcAft>
+                <a:spcPct val="0"/>
+              </a:spcAft>
+              <a:buClrTx/>
+              <a:buSzTx/>
+              <a:buFontTx/>
+              <a:buNone/>
+              <a:tabLst/>
+            </a:pPr>
+            <a:r>
+              <a:rPr kumimoji="0" lang="zh-CN" altLang="zh-CN" sz="1200" b="0" i="0" u="none" strike="noStrike" cap="none" normalizeH="0" baseline="0" dirty="0" smtClean="0">
+                <a:ln>
+                  <a:noFill/>
+                </a:ln>
+                <a:solidFill>
+                  <a:srgbClr val="0000FF"/>
+                </a:solidFill>
+                <a:effectLst/>
+                <a:latin typeface="Lucida Console" panose="020B0609040504020204" pitchFamily="49" charset="0"/>
+              </a:rPr>
+              <a:t>&gt; dev.set(4)</a:t>
+            </a:r>
+            <a:endParaRPr kumimoji="0" lang="zh-CN" altLang="zh-CN" sz="2800" b="0" i="0" u="none" strike="noStrike" cap="none" normalizeH="0" baseline="0" dirty="0" smtClean="0">
+              <a:ln>
+                <a:noFill/>
+              </a:ln>
+              <a:solidFill>
+                <a:schemeClr val="tx1"/>
+              </a:solidFill>
+              <a:effectLst/>
+              <a:latin typeface="Arial" panose="020B0604020202020204" pitchFamily="34" charset="0"/>
+            </a:endParaRPr>
+          </a:p>
+        </p:txBody>
+      </p:sp>
+      <p:sp>
+        <p:nvSpPr>
+          <p:cNvPr id="10" name="Rectangle 5"/>
+          <p:cNvSpPr>
+            <a:spLocks noChangeArrowheads="1"/>
+          </p:cNvSpPr>
+          <p:nvPr/>
+        </p:nvSpPr>
+        <p:spPr bwMode="auto">
+          <a:xfrm>
+            <a:off x="1275003" y="5913720"/>
+            <a:ext cx="1022716" cy="184666"/>
+          </a:xfrm>
+          <a:prstGeom prst="rect">
+            <a:avLst/>
+          </a:prstGeom>
+          <a:solidFill>
+            <a:srgbClr val="FFFFFF"/>
+          </a:solidFill>
+          <a:ln>
+            <a:noFill/>
+          </a:ln>
+          <a:effectLst/>
+          <a:extLst>
+            <a:ext uri="{91240B29-F687-4F45-9708-019B960494DF}">
+              <a14:hiddenLine xmlns:a14="http://schemas.microsoft.com/office/drawing/2010/main" w="9525">
+                <a:solidFill>
+                  <a:schemeClr val="tx1"/>
+                </a:solidFill>
+                <a:miter lim="800000"/>
+                <a:headEnd/>
+                <a:tailEnd/>
+              </a14:hiddenLine>
+            </a:ext>
+            <a:ext uri="{AF507438-7753-43E0-B8FC-AC1667EBCBE1}">
+              <a14:hiddenEffects xmlns:a14="http://schemas.microsoft.com/office/drawing/2010/main">
+                <a:effectLst>
+                  <a:outerShdw dist="35921" dir="2700000" algn="ctr" rotWithShape="0">
+                    <a:schemeClr val="bg2"/>
+                  </a:outerShdw>
+                </a:effectLst>
+              </a14:hiddenEffects>
+            </a:ext>
+          </a:extLst>
+        </p:spPr>
+        <p:txBody>
+          <a:bodyPr vert="horz" wrap="none" lIns="0" tIns="0" rIns="0" bIns="0" numCol="1" anchor="ctr" anchorCtr="0" compatLnSpc="1">
+            <a:prstTxWarp prst="textNoShape">
+              <a:avLst/>
+            </a:prstTxWarp>
+            <a:spAutoFit/>
+          </a:bodyPr>
+          <a:lstStyle/>
+          <a:p>
+            <a:pPr marL="0" marR="0" lvl="0" indent="0" algn="l" defTabSz="914400" rtl="0" eaLnBrk="0" fontAlgn="base" latinLnBrk="0" hangingPunct="0">
+              <a:lnSpc>
+                <a:spcPct val="100000"/>
+              </a:lnSpc>
+              <a:spcBef>
+                <a:spcPct val="0"/>
+              </a:spcBef>
+              <a:spcAft>
+                <a:spcPct val="0"/>
+              </a:spcAft>
+              <a:buClrTx/>
+              <a:buSzTx/>
+              <a:buFontTx/>
+              <a:buNone/>
+              <a:tabLst/>
+            </a:pPr>
+            <a:r>
+              <a:rPr kumimoji="0" lang="zh-CN" altLang="zh-CN" sz="1200" b="0" i="0" u="none" strike="noStrike" cap="none" normalizeH="0" baseline="0" smtClean="0">
+                <a:ln>
+                  <a:noFill/>
+                </a:ln>
+                <a:solidFill>
+                  <a:srgbClr val="0000FF"/>
+                </a:solidFill>
+                <a:effectLst/>
+                <a:latin typeface="Lucida Console" panose="020B0609040504020204" pitchFamily="49" charset="0"/>
+              </a:rPr>
+              <a:t>&gt; dev.new()</a:t>
+            </a:r>
+            <a:endParaRPr kumimoji="0" lang="zh-CN" altLang="zh-CN" sz="2800" b="0" i="0" u="none" strike="noStrike" cap="none" normalizeH="0" baseline="0" smtClean="0">
+              <a:ln>
+                <a:noFill/>
+              </a:ln>
+              <a:solidFill>
+                <a:schemeClr val="tx1"/>
+              </a:solidFill>
+              <a:effectLst/>
+              <a:latin typeface="Arial" panose="020B0604020202020204" pitchFamily="34" charset="0"/>
+            </a:endParaRPr>
+          </a:p>
+        </p:txBody>
+      </p:sp>
+    </p:spTree>
+    <p:extLst>
+      <p:ext uri="{BB962C8B-B14F-4D97-AF65-F5344CB8AC3E}">
+        <p14:creationId xmlns:p14="http://schemas.microsoft.com/office/powerpoint/2010/main" val="3185870211"/>
       </p:ext>
     </p:extLst>
   </p:cSld>
@@ -6059,602 +6028,6 @@
             <p:ph type="title"/>
           </p:nvPr>
         </p:nvSpPr>
-        <p:spPr/>
-        <p:txBody>
-          <a:bodyPr/>
-          <a:lstStyle/>
-          <a:p>
-            <a:r>
-              <a:rPr lang="zh-CN" altLang="en-US" dirty="0" smtClean="0"/>
-              <a:t>操作当前活动图形</a:t>
-            </a:r>
-            <a:endParaRPr lang="zh-CN" altLang="en-US" dirty="0"/>
-          </a:p>
-        </p:txBody>
-      </p:sp>
-      <p:sp>
-        <p:nvSpPr>
-          <p:cNvPr id="3" name="内容占位符 2"/>
-          <p:cNvSpPr>
-            <a:spLocks noGrp="1"/>
-          </p:cNvSpPr>
-          <p:nvPr>
-            <p:ph idx="1"/>
-          </p:nvPr>
-        </p:nvSpPr>
-        <p:spPr/>
-        <p:txBody>
-          <a:bodyPr/>
-          <a:lstStyle/>
-          <a:p>
-            <a:r>
-              <a:rPr lang="zh-CN" altLang="en-US" dirty="0" smtClean="0"/>
-              <a:t>多图同时操作时候需要不停切换当前激活图片窗口</a:t>
-            </a:r>
-            <a:endParaRPr lang="en-US" altLang="zh-CN" dirty="0" smtClean="0"/>
-          </a:p>
-          <a:p>
-            <a:r>
-              <a:rPr lang="zh-CN" altLang="en-US" dirty="0" smtClean="0"/>
-              <a:t>查看当前活动窗口编号</a:t>
-            </a:r>
-            <a:endParaRPr lang="en-US" altLang="zh-CN" dirty="0" smtClean="0"/>
-          </a:p>
-          <a:p>
-            <a:endParaRPr lang="en-US" altLang="zh-CN" dirty="0" smtClean="0"/>
-          </a:p>
-          <a:p>
-            <a:r>
-              <a:rPr lang="zh-CN" altLang="en-US" dirty="0" smtClean="0"/>
-              <a:t>查看上一个活动窗口编号</a:t>
-            </a:r>
-            <a:endParaRPr lang="en-US" altLang="zh-CN" dirty="0" smtClean="0"/>
-          </a:p>
-          <a:p>
-            <a:endParaRPr lang="en-US" altLang="zh-CN" dirty="0"/>
-          </a:p>
-          <a:p>
-            <a:r>
-              <a:rPr lang="zh-CN" altLang="en-US" dirty="0" smtClean="0"/>
-              <a:t>设置活动窗口</a:t>
-            </a:r>
-            <a:endParaRPr lang="en-US" altLang="zh-CN" dirty="0" smtClean="0"/>
-          </a:p>
-          <a:p>
-            <a:endParaRPr lang="en-US" altLang="zh-CN" dirty="0"/>
-          </a:p>
-          <a:p>
-            <a:endParaRPr lang="en-US" altLang="zh-CN" dirty="0" smtClean="0"/>
-          </a:p>
-          <a:p>
-            <a:r>
-              <a:rPr lang="zh-CN" altLang="en-US" dirty="0" smtClean="0"/>
-              <a:t>生成一个新的作图窗口</a:t>
-            </a:r>
-            <a:endParaRPr lang="zh-CN" altLang="en-US" dirty="0"/>
-          </a:p>
-        </p:txBody>
-      </p:sp>
-      <p:sp>
-        <p:nvSpPr>
-          <p:cNvPr id="6" name="Rectangle 1"/>
-          <p:cNvSpPr>
-            <a:spLocks noChangeArrowheads="1"/>
-          </p:cNvSpPr>
-          <p:nvPr/>
-        </p:nvSpPr>
-        <p:spPr bwMode="auto">
-          <a:xfrm>
-            <a:off x="1275003" y="2817434"/>
-            <a:ext cx="1022716" cy="184666"/>
-          </a:xfrm>
-          <a:prstGeom prst="rect">
-            <a:avLst/>
-          </a:prstGeom>
-          <a:solidFill>
-            <a:srgbClr val="FFFFFF"/>
-          </a:solidFill>
-          <a:ln>
-            <a:noFill/>
-          </a:ln>
-          <a:effectLst/>
-          <a:extLst>
-            <a:ext uri="{91240B29-F687-4F45-9708-019B960494DF}">
-              <a14:hiddenLine xmlns:a14="http://schemas.microsoft.com/office/drawing/2010/main" w="9525">
-                <a:solidFill>
-                  <a:schemeClr val="tx1"/>
-                </a:solidFill>
-                <a:miter lim="800000"/>
-                <a:headEnd/>
-                <a:tailEnd/>
-              </a14:hiddenLine>
-            </a:ext>
-            <a:ext uri="{AF507438-7753-43E0-B8FC-AC1667EBCBE1}">
-              <a14:hiddenEffects xmlns:a14="http://schemas.microsoft.com/office/drawing/2010/main">
-                <a:effectLst>
-                  <a:outerShdw dist="35921" dir="2700000" algn="ctr" rotWithShape="0">
-                    <a:schemeClr val="bg2"/>
-                  </a:outerShdw>
-                </a:effectLst>
-              </a14:hiddenEffects>
-            </a:ext>
-          </a:extLst>
-        </p:spPr>
-        <p:txBody>
-          <a:bodyPr vert="horz" wrap="none" lIns="0" tIns="0" rIns="0" bIns="0" numCol="1" anchor="ctr" anchorCtr="0" compatLnSpc="1">
-            <a:prstTxWarp prst="textNoShape">
-              <a:avLst/>
-            </a:prstTxWarp>
-            <a:spAutoFit/>
-          </a:bodyPr>
-          <a:lstStyle/>
-          <a:p>
-            <a:pPr marL="0" marR="0" lvl="0" indent="0" algn="l" defTabSz="914400" rtl="0" eaLnBrk="0" fontAlgn="base" latinLnBrk="0" hangingPunct="0">
-              <a:lnSpc>
-                <a:spcPct val="100000"/>
-              </a:lnSpc>
-              <a:spcBef>
-                <a:spcPct val="0"/>
-              </a:spcBef>
-              <a:spcAft>
-                <a:spcPct val="0"/>
-              </a:spcAft>
-              <a:buClrTx/>
-              <a:buSzTx/>
-              <a:buFontTx/>
-              <a:buNone/>
-              <a:tabLst/>
-            </a:pPr>
-            <a:r>
-              <a:rPr kumimoji="0" lang="zh-CN" altLang="zh-CN" sz="1200" b="0" i="0" u="none" strike="noStrike" cap="none" normalizeH="0" baseline="0" dirty="0" smtClean="0">
-                <a:ln>
-                  <a:noFill/>
-                </a:ln>
-                <a:solidFill>
-                  <a:srgbClr val="0000FF"/>
-                </a:solidFill>
-                <a:effectLst/>
-                <a:latin typeface="Lucida Console" panose="020B0609040504020204" pitchFamily="49" charset="0"/>
-              </a:rPr>
-              <a:t>&gt; dev.cur()</a:t>
-            </a:r>
-            <a:endParaRPr kumimoji="0" lang="zh-CN" altLang="zh-CN" sz="2800" b="0" i="0" u="none" strike="noStrike" cap="none" normalizeH="0" baseline="0" dirty="0" smtClean="0">
-              <a:ln>
-                <a:noFill/>
-              </a:ln>
-              <a:solidFill>
-                <a:schemeClr val="tx1"/>
-              </a:solidFill>
-              <a:effectLst/>
-              <a:latin typeface="Arial" panose="020B0604020202020204" pitchFamily="34" charset="0"/>
-            </a:endParaRPr>
-          </a:p>
-        </p:txBody>
-      </p:sp>
-      <p:sp>
-        <p:nvSpPr>
-          <p:cNvPr id="7" name="Rectangle 2"/>
-          <p:cNvSpPr>
-            <a:spLocks noChangeArrowheads="1"/>
-          </p:cNvSpPr>
-          <p:nvPr/>
-        </p:nvSpPr>
-        <p:spPr bwMode="auto">
-          <a:xfrm>
-            <a:off x="1228516" y="4620395"/>
-            <a:ext cx="1952458" cy="184666"/>
-          </a:xfrm>
-          <a:prstGeom prst="rect">
-            <a:avLst/>
-          </a:prstGeom>
-          <a:solidFill>
-            <a:srgbClr val="FFFFFF"/>
-          </a:solidFill>
-          <a:ln>
-            <a:noFill/>
-          </a:ln>
-          <a:effectLst/>
-          <a:extLst>
-            <a:ext uri="{91240B29-F687-4F45-9708-019B960494DF}">
-              <a14:hiddenLine xmlns:a14="http://schemas.microsoft.com/office/drawing/2010/main" w="9525">
-                <a:solidFill>
-                  <a:schemeClr val="tx1"/>
-                </a:solidFill>
-                <a:miter lim="800000"/>
-                <a:headEnd/>
-                <a:tailEnd/>
-              </a14:hiddenLine>
-            </a:ext>
-            <a:ext uri="{AF507438-7753-43E0-B8FC-AC1667EBCBE1}">
-              <a14:hiddenEffects xmlns:a14="http://schemas.microsoft.com/office/drawing/2010/main">
-                <a:effectLst>
-                  <a:outerShdw dist="35921" dir="2700000" algn="ctr" rotWithShape="0">
-                    <a:schemeClr val="bg2"/>
-                  </a:outerShdw>
-                </a:effectLst>
-              </a14:hiddenEffects>
-            </a:ext>
-          </a:extLst>
-        </p:spPr>
-        <p:txBody>
-          <a:bodyPr vert="horz" wrap="none" lIns="0" tIns="0" rIns="0" bIns="0" numCol="1" anchor="ctr" anchorCtr="0" compatLnSpc="1">
-            <a:prstTxWarp prst="textNoShape">
-              <a:avLst/>
-            </a:prstTxWarp>
-            <a:spAutoFit/>
-          </a:bodyPr>
-          <a:lstStyle/>
-          <a:p>
-            <a:pPr marL="0" marR="0" lvl="0" indent="0" algn="l" defTabSz="914400" rtl="0" eaLnBrk="0" fontAlgn="base" latinLnBrk="0" hangingPunct="0">
-              <a:lnSpc>
-                <a:spcPct val="100000"/>
-              </a:lnSpc>
-              <a:spcBef>
-                <a:spcPct val="0"/>
-              </a:spcBef>
-              <a:spcAft>
-                <a:spcPct val="0"/>
-              </a:spcAft>
-              <a:buClrTx/>
-              <a:buSzTx/>
-              <a:buFontTx/>
-              <a:buNone/>
-              <a:tabLst/>
-            </a:pPr>
-            <a:r>
-              <a:rPr kumimoji="0" lang="zh-CN" altLang="zh-CN" sz="1200" b="0" i="0" u="none" strike="noStrike" cap="none" normalizeH="0" baseline="0" dirty="0" smtClean="0">
-                <a:ln>
-                  <a:noFill/>
-                </a:ln>
-                <a:solidFill>
-                  <a:srgbClr val="0000FF"/>
-                </a:solidFill>
-                <a:effectLst/>
-                <a:latin typeface="Lucida Console" panose="020B0609040504020204" pitchFamily="49" charset="0"/>
-              </a:rPr>
-              <a:t>&gt; dev.set(dev.prev())</a:t>
-            </a:r>
-            <a:endParaRPr kumimoji="0" lang="zh-CN" altLang="zh-CN" sz="2800" b="0" i="0" u="none" strike="noStrike" cap="none" normalizeH="0" baseline="0" dirty="0" smtClean="0">
-              <a:ln>
-                <a:noFill/>
-              </a:ln>
-              <a:solidFill>
-                <a:schemeClr val="tx1"/>
-              </a:solidFill>
-              <a:effectLst/>
-              <a:latin typeface="Arial" panose="020B0604020202020204" pitchFamily="34" charset="0"/>
-            </a:endParaRPr>
-          </a:p>
-        </p:txBody>
-      </p:sp>
-      <p:sp>
-        <p:nvSpPr>
-          <p:cNvPr id="8" name="Rectangle 3"/>
-          <p:cNvSpPr>
-            <a:spLocks noChangeArrowheads="1"/>
-          </p:cNvSpPr>
-          <p:nvPr/>
-        </p:nvSpPr>
-        <p:spPr bwMode="auto">
-          <a:xfrm>
-            <a:off x="1228516" y="3718914"/>
-            <a:ext cx="1115690" cy="184666"/>
-          </a:xfrm>
-          <a:prstGeom prst="rect">
-            <a:avLst/>
-          </a:prstGeom>
-          <a:solidFill>
-            <a:srgbClr val="FFFFFF"/>
-          </a:solidFill>
-          <a:ln>
-            <a:noFill/>
-          </a:ln>
-          <a:effectLst/>
-          <a:extLst>
-            <a:ext uri="{91240B29-F687-4F45-9708-019B960494DF}">
-              <a14:hiddenLine xmlns:a14="http://schemas.microsoft.com/office/drawing/2010/main" w="9525">
-                <a:solidFill>
-                  <a:schemeClr val="tx1"/>
-                </a:solidFill>
-                <a:miter lim="800000"/>
-                <a:headEnd/>
-                <a:tailEnd/>
-              </a14:hiddenLine>
-            </a:ext>
-            <a:ext uri="{AF507438-7753-43E0-B8FC-AC1667EBCBE1}">
-              <a14:hiddenEffects xmlns:a14="http://schemas.microsoft.com/office/drawing/2010/main">
-                <a:effectLst>
-                  <a:outerShdw dist="35921" dir="2700000" algn="ctr" rotWithShape="0">
-                    <a:schemeClr val="bg2"/>
-                  </a:outerShdw>
-                </a:effectLst>
-              </a14:hiddenEffects>
-            </a:ext>
-          </a:extLst>
-        </p:spPr>
-        <p:txBody>
-          <a:bodyPr vert="horz" wrap="none" lIns="0" tIns="0" rIns="0" bIns="0" numCol="1" anchor="ctr" anchorCtr="0" compatLnSpc="1">
-            <a:prstTxWarp prst="textNoShape">
-              <a:avLst/>
-            </a:prstTxWarp>
-            <a:spAutoFit/>
-          </a:bodyPr>
-          <a:lstStyle/>
-          <a:p>
-            <a:pPr marL="0" marR="0" lvl="0" indent="0" algn="l" defTabSz="914400" rtl="0" eaLnBrk="0" fontAlgn="base" latinLnBrk="0" hangingPunct="0">
-              <a:lnSpc>
-                <a:spcPct val="100000"/>
-              </a:lnSpc>
-              <a:spcBef>
-                <a:spcPct val="0"/>
-              </a:spcBef>
-              <a:spcAft>
-                <a:spcPct val="0"/>
-              </a:spcAft>
-              <a:buClrTx/>
-              <a:buSzTx/>
-              <a:buFontTx/>
-              <a:buNone/>
-              <a:tabLst/>
-            </a:pPr>
-            <a:r>
-              <a:rPr kumimoji="0" lang="zh-CN" altLang="zh-CN" sz="1200" b="0" i="0" u="none" strike="noStrike" cap="none" normalizeH="0" baseline="0" dirty="0" smtClean="0">
-                <a:ln>
-                  <a:noFill/>
-                </a:ln>
-                <a:solidFill>
-                  <a:srgbClr val="0000FF"/>
-                </a:solidFill>
-                <a:effectLst/>
-                <a:latin typeface="Lucida Console" panose="020B0609040504020204" pitchFamily="49" charset="0"/>
-              </a:rPr>
-              <a:t>&gt; dev.prev()</a:t>
-            </a:r>
-            <a:endParaRPr kumimoji="0" lang="zh-CN" altLang="zh-CN" sz="2800" b="0" i="0" u="none" strike="noStrike" cap="none" normalizeH="0" baseline="0" dirty="0" smtClean="0">
-              <a:ln>
-                <a:noFill/>
-              </a:ln>
-              <a:solidFill>
-                <a:schemeClr val="tx1"/>
-              </a:solidFill>
-              <a:effectLst/>
-              <a:latin typeface="Arial" panose="020B0604020202020204" pitchFamily="34" charset="0"/>
-            </a:endParaRPr>
-          </a:p>
-        </p:txBody>
-      </p:sp>
-      <p:sp>
-        <p:nvSpPr>
-          <p:cNvPr id="9" name="Rectangle 4"/>
-          <p:cNvSpPr>
-            <a:spLocks noChangeArrowheads="1"/>
-          </p:cNvSpPr>
-          <p:nvPr/>
-        </p:nvSpPr>
-        <p:spPr bwMode="auto">
-          <a:xfrm>
-            <a:off x="1228516" y="5060078"/>
-            <a:ext cx="1115690" cy="184666"/>
-          </a:xfrm>
-          <a:prstGeom prst="rect">
-            <a:avLst/>
-          </a:prstGeom>
-          <a:solidFill>
-            <a:srgbClr val="FFFFFF"/>
-          </a:solidFill>
-          <a:ln>
-            <a:noFill/>
-          </a:ln>
-          <a:effectLst/>
-          <a:extLst>
-            <a:ext uri="{91240B29-F687-4F45-9708-019B960494DF}">
-              <a14:hiddenLine xmlns:a14="http://schemas.microsoft.com/office/drawing/2010/main" w="9525">
-                <a:solidFill>
-                  <a:schemeClr val="tx1"/>
-                </a:solidFill>
-                <a:miter lim="800000"/>
-                <a:headEnd/>
-                <a:tailEnd/>
-              </a14:hiddenLine>
-            </a:ext>
-            <a:ext uri="{AF507438-7753-43E0-B8FC-AC1667EBCBE1}">
-              <a14:hiddenEffects xmlns:a14="http://schemas.microsoft.com/office/drawing/2010/main">
-                <a:effectLst>
-                  <a:outerShdw dist="35921" dir="2700000" algn="ctr" rotWithShape="0">
-                    <a:schemeClr val="bg2"/>
-                  </a:outerShdw>
-                </a:effectLst>
-              </a14:hiddenEffects>
-            </a:ext>
-          </a:extLst>
-        </p:spPr>
-        <p:txBody>
-          <a:bodyPr vert="horz" wrap="none" lIns="0" tIns="0" rIns="0" bIns="0" numCol="1" anchor="ctr" anchorCtr="0" compatLnSpc="1">
-            <a:prstTxWarp prst="textNoShape">
-              <a:avLst/>
-            </a:prstTxWarp>
-            <a:spAutoFit/>
-          </a:bodyPr>
-          <a:lstStyle/>
-          <a:p>
-            <a:pPr marL="0" marR="0" lvl="0" indent="0" algn="l" defTabSz="914400" rtl="0" eaLnBrk="0" fontAlgn="base" latinLnBrk="0" hangingPunct="0">
-              <a:lnSpc>
-                <a:spcPct val="100000"/>
-              </a:lnSpc>
-              <a:spcBef>
-                <a:spcPct val="0"/>
-              </a:spcBef>
-              <a:spcAft>
-                <a:spcPct val="0"/>
-              </a:spcAft>
-              <a:buClrTx/>
-              <a:buSzTx/>
-              <a:buFontTx/>
-              <a:buNone/>
-              <a:tabLst/>
-            </a:pPr>
-            <a:r>
-              <a:rPr kumimoji="0" lang="zh-CN" altLang="zh-CN" sz="1200" b="0" i="0" u="none" strike="noStrike" cap="none" normalizeH="0" baseline="0" dirty="0" smtClean="0">
-                <a:ln>
-                  <a:noFill/>
-                </a:ln>
-                <a:solidFill>
-                  <a:srgbClr val="0000FF"/>
-                </a:solidFill>
-                <a:effectLst/>
-                <a:latin typeface="Lucida Console" panose="020B0609040504020204" pitchFamily="49" charset="0"/>
-              </a:rPr>
-              <a:t>&gt; dev.set(4)</a:t>
-            </a:r>
-            <a:endParaRPr kumimoji="0" lang="zh-CN" altLang="zh-CN" sz="2800" b="0" i="0" u="none" strike="noStrike" cap="none" normalizeH="0" baseline="0" dirty="0" smtClean="0">
-              <a:ln>
-                <a:noFill/>
-              </a:ln>
-              <a:solidFill>
-                <a:schemeClr val="tx1"/>
-              </a:solidFill>
-              <a:effectLst/>
-              <a:latin typeface="Arial" panose="020B0604020202020204" pitchFamily="34" charset="0"/>
-            </a:endParaRPr>
-          </a:p>
-        </p:txBody>
-      </p:sp>
-      <p:sp>
-        <p:nvSpPr>
-          <p:cNvPr id="10" name="Rectangle 5"/>
-          <p:cNvSpPr>
-            <a:spLocks noChangeArrowheads="1"/>
-          </p:cNvSpPr>
-          <p:nvPr/>
-        </p:nvSpPr>
-        <p:spPr bwMode="auto">
-          <a:xfrm>
-            <a:off x="1275003" y="5913720"/>
-            <a:ext cx="1022716" cy="184666"/>
-          </a:xfrm>
-          <a:prstGeom prst="rect">
-            <a:avLst/>
-          </a:prstGeom>
-          <a:solidFill>
-            <a:srgbClr val="FFFFFF"/>
-          </a:solidFill>
-          <a:ln>
-            <a:noFill/>
-          </a:ln>
-          <a:effectLst/>
-          <a:extLst>
-            <a:ext uri="{91240B29-F687-4F45-9708-019B960494DF}">
-              <a14:hiddenLine xmlns:a14="http://schemas.microsoft.com/office/drawing/2010/main" w="9525">
-                <a:solidFill>
-                  <a:schemeClr val="tx1"/>
-                </a:solidFill>
-                <a:miter lim="800000"/>
-                <a:headEnd/>
-                <a:tailEnd/>
-              </a14:hiddenLine>
-            </a:ext>
-            <a:ext uri="{AF507438-7753-43E0-B8FC-AC1667EBCBE1}">
-              <a14:hiddenEffects xmlns:a14="http://schemas.microsoft.com/office/drawing/2010/main">
-                <a:effectLst>
-                  <a:outerShdw dist="35921" dir="2700000" algn="ctr" rotWithShape="0">
-                    <a:schemeClr val="bg2"/>
-                  </a:outerShdw>
-                </a:effectLst>
-              </a14:hiddenEffects>
-            </a:ext>
-          </a:extLst>
-        </p:spPr>
-        <p:txBody>
-          <a:bodyPr vert="horz" wrap="none" lIns="0" tIns="0" rIns="0" bIns="0" numCol="1" anchor="ctr" anchorCtr="0" compatLnSpc="1">
-            <a:prstTxWarp prst="textNoShape">
-              <a:avLst/>
-            </a:prstTxWarp>
-            <a:spAutoFit/>
-          </a:bodyPr>
-          <a:lstStyle/>
-          <a:p>
-            <a:pPr marL="0" marR="0" lvl="0" indent="0" algn="l" defTabSz="914400" rtl="0" eaLnBrk="0" fontAlgn="base" latinLnBrk="0" hangingPunct="0">
-              <a:lnSpc>
-                <a:spcPct val="100000"/>
-              </a:lnSpc>
-              <a:spcBef>
-                <a:spcPct val="0"/>
-              </a:spcBef>
-              <a:spcAft>
-                <a:spcPct val="0"/>
-              </a:spcAft>
-              <a:buClrTx/>
-              <a:buSzTx/>
-              <a:buFontTx/>
-              <a:buNone/>
-              <a:tabLst/>
-            </a:pPr>
-            <a:r>
-              <a:rPr kumimoji="0" lang="zh-CN" altLang="zh-CN" sz="1200" b="0" i="0" u="none" strike="noStrike" cap="none" normalizeH="0" baseline="0" smtClean="0">
-                <a:ln>
-                  <a:noFill/>
-                </a:ln>
-                <a:solidFill>
-                  <a:srgbClr val="0000FF"/>
-                </a:solidFill>
-                <a:effectLst/>
-                <a:latin typeface="Lucida Console" panose="020B0609040504020204" pitchFamily="49" charset="0"/>
-              </a:rPr>
-              <a:t>&gt; dev.new()</a:t>
-            </a:r>
-            <a:endParaRPr kumimoji="0" lang="zh-CN" altLang="zh-CN" sz="2800" b="0" i="0" u="none" strike="noStrike" cap="none" normalizeH="0" baseline="0" smtClean="0">
-              <a:ln>
-                <a:noFill/>
-              </a:ln>
-              <a:solidFill>
-                <a:schemeClr val="tx1"/>
-              </a:solidFill>
-              <a:effectLst/>
-              <a:latin typeface="Arial" panose="020B0604020202020204" pitchFamily="34" charset="0"/>
-            </a:endParaRPr>
-          </a:p>
-        </p:txBody>
-      </p:sp>
-    </p:spTree>
-    <p:extLst>
-      <p:ext uri="{BB962C8B-B14F-4D97-AF65-F5344CB8AC3E}">
-        <p14:creationId xmlns:p14="http://schemas.microsoft.com/office/powerpoint/2010/main" val="3185870211"/>
-      </p:ext>
-    </p:extLst>
-  </p:cSld>
-  <p:clrMapOvr>
-    <a:masterClrMapping/>
-  </p:clrMapOvr>
-</p:sld>
-</file>
-
-<file path=ppt/slides/slide14.xml><?xml version="1.0" encoding="utf-8"?>
-<p:sld xmlns:a="http://schemas.openxmlformats.org/drawingml/2006/main" xmlns:r="http://schemas.openxmlformats.org/officeDocument/2006/relationships" xmlns:p="http://schemas.openxmlformats.org/presentationml/2006/main">
-  <p:cSld>
-    <p:spTree>
-      <p:nvGrpSpPr>
-        <p:cNvPr id="1" name=""/>
-        <p:cNvGrpSpPr/>
-        <p:nvPr/>
-      </p:nvGrpSpPr>
-      <p:grpSpPr>
-        <a:xfrm>
-          <a:off x="0" y="0"/>
-          <a:ext cx="0" cy="0"/>
-          <a:chOff x="0" y="0"/>
-          <a:chExt cx="0" cy="0"/>
-        </a:xfrm>
-      </p:grpSpPr>
-      <p:sp>
-        <p:nvSpPr>
-          <p:cNvPr id="2" name="标题 1"/>
-          <p:cNvSpPr>
-            <a:spLocks noGrp="1"/>
-          </p:cNvSpPr>
-          <p:nvPr>
-            <p:ph type="title"/>
-          </p:nvPr>
-        </p:nvSpPr>
         <p:spPr>
           <a:xfrm>
             <a:off x="1097280" y="1078173"/>
@@ -6841,7 +6214,7 @@
 </p:sld>
 </file>
 
-<file path=ppt/slides/slide15.xml><?xml version="1.0" encoding="utf-8"?>
+<file path=ppt/slides/slide14.xml><?xml version="1.0" encoding="utf-8"?>
 <p:sld xmlns:a="http://schemas.openxmlformats.org/drawingml/2006/main" xmlns:r="http://schemas.openxmlformats.org/officeDocument/2006/relationships" xmlns:p="http://schemas.openxmlformats.org/presentationml/2006/main">
   <p:cSld>
     <p:spTree>
@@ -7348,7 +6721,7 @@
 </p:sld>
 </file>
 
-<file path=ppt/slides/slide16.xml><?xml version="1.0" encoding="utf-8"?>
+<file path=ppt/slides/slide15.xml><?xml version="1.0" encoding="utf-8"?>
 <p:sld xmlns:a="http://schemas.openxmlformats.org/drawingml/2006/main" xmlns:r="http://schemas.openxmlformats.org/officeDocument/2006/relationships" xmlns:p="http://schemas.openxmlformats.org/presentationml/2006/main">
   <p:cSld>
     <p:spTree>
@@ -7455,8 +6828,99 @@
               <a:t>boxplot()</a:t>
             </a:r>
           </a:p>
-        </p:txBody>
-      </p:sp>
+          <a:p>
+            <a:r>
+              <a:rPr lang="zh-CN" altLang="en-US" dirty="0" smtClean="0"/>
+              <a:t>散点图 </a:t>
+            </a:r>
+            <a:r>
+              <a:rPr lang="en-US" altLang="zh-CN" dirty="0" smtClean="0"/>
+              <a:t>plot</a:t>
+            </a:r>
+          </a:p>
+          <a:p>
+            <a:r>
+              <a:rPr lang="zh-CN" altLang="en-US" dirty="0" smtClean="0"/>
+              <a:t>点图 </a:t>
+            </a:r>
+            <a:r>
+              <a:rPr lang="en-US" altLang="zh-CN" dirty="0" err="1" smtClean="0"/>
+              <a:t>dotchart</a:t>
+            </a:r>
+            <a:endParaRPr lang="en-US" altLang="zh-CN" dirty="0" smtClean="0"/>
+          </a:p>
+        </p:txBody>
+      </p:sp>
+      <p:sp>
+        <p:nvSpPr>
+          <p:cNvPr id="4" name="文本框 3"/>
+          <p:cNvSpPr txBox="1"/>
+          <p:nvPr/>
+        </p:nvSpPr>
+        <p:spPr>
+          <a:xfrm>
+            <a:off x="1893384" y="4521558"/>
+            <a:ext cx="2692147" cy="369332"/>
+          </a:xfrm>
+          <a:prstGeom prst="rect">
+            <a:avLst/>
+          </a:prstGeom>
+          <a:noFill/>
+        </p:spPr>
+        <p:txBody>
+          <a:bodyPr wrap="none" rtlCol="0">
+            <a:spAutoFit/>
+          </a:bodyPr>
+          <a:lstStyle/>
+          <a:p>
+            <a:r>
+              <a:rPr lang="zh-CN" altLang="en-US" dirty="0" smtClean="0"/>
+              <a:t>格式：</a:t>
+            </a:r>
+            <a:r>
+              <a:rPr lang="en-US" altLang="zh-CN" dirty="0" err="1" smtClean="0"/>
+              <a:t>dotchart</a:t>
+            </a:r>
+            <a:r>
+              <a:rPr lang="en-US" altLang="zh-CN" dirty="0" smtClean="0"/>
+              <a:t>(</a:t>
+            </a:r>
+            <a:r>
+              <a:rPr lang="en-US" altLang="zh-CN" dirty="0" err="1" smtClean="0"/>
+              <a:t>x,labels</a:t>
+            </a:r>
+            <a:r>
+              <a:rPr lang="en-US" altLang="zh-CN" dirty="0" smtClean="0"/>
+              <a:t>= )</a:t>
+            </a:r>
+            <a:endParaRPr lang="zh-CN" altLang="en-US" dirty="0"/>
+          </a:p>
+        </p:txBody>
+      </p:sp>
+      <p:pic>
+        <p:nvPicPr>
+          <p:cNvPr id="5" name="图片 4"/>
+          <p:cNvPicPr>
+            <a:picLocks noChangeAspect="1"/>
+          </p:cNvPicPr>
+          <p:nvPr/>
+        </p:nvPicPr>
+        <p:blipFill>
+          <a:blip r:embed="rId2"/>
+          <a:stretch>
+            <a:fillRect/>
+          </a:stretch>
+        </p:blipFill>
+        <p:spPr>
+          <a:xfrm>
+            <a:off x="1893384" y="5129743"/>
+            <a:ext cx="7200900" cy="847725"/>
+          </a:xfrm>
+          <a:prstGeom prst="rect">
+            <a:avLst/>
+          </a:prstGeom>
+        </p:spPr>
+      </p:pic>
     </p:spTree>
     <p:extLst>
       <p:ext uri="{BB962C8B-B14F-4D97-AF65-F5344CB8AC3E}">
@@ -7477,7 +6941,7 @@
 </p:sld>
 </file>
 
-<file path=ppt/slides/slide17.xml><?xml version="1.0" encoding="utf-8"?>
+<file path=ppt/slides/slide16.xml><?xml version="1.0" encoding="utf-8"?>
 <p:sld xmlns:a="http://schemas.openxmlformats.org/drawingml/2006/main" xmlns:r="http://schemas.openxmlformats.org/officeDocument/2006/relationships" xmlns:p="http://schemas.openxmlformats.org/presentationml/2006/main">
   <p:cSld>
     <p:spTree>
@@ -8207,6 +7671,29 @@
           <a:chExt cx="0" cy="0"/>
         </a:xfrm>
       </p:grpSpPr>
+      <p:pic>
+        <p:nvPicPr>
+          <p:cNvPr id="2" name="图片 1"/>
+          <p:cNvPicPr>
+            <a:picLocks noChangeAspect="1"/>
+          </p:cNvPicPr>
+          <p:nvPr/>
+        </p:nvPicPr>
+        <p:blipFill rotWithShape="1">
+          <a:blip r:embed="rId2"/>
+          <a:srcRect l="8221" r="12238"/>
+          <a:stretch/>
+        </p:blipFill>
+        <p:spPr>
+          <a:xfrm>
+            <a:off x="217284" y="2198699"/>
+            <a:ext cx="5508703" cy="2058601"/>
+          </a:xfrm>
+          <a:prstGeom prst="rect">
+            <a:avLst/>
+          </a:prstGeom>
+        </p:spPr>
+      </p:pic>
       <p:sp>
         <p:nvSpPr>
           <p:cNvPr id="4" name="标题 3"/>
@@ -8258,53 +7745,51 @@
           </a:p>
           <a:p>
             <a:pPr lvl="1"/>
-            <a:r>
-              <a:rPr lang="en-US" altLang="zh-CN" dirty="0"/>
-              <a:t>“p” </a:t>
-            </a:r>
-            <a:r>
-              <a:rPr lang="zh-CN" altLang="en-US" dirty="0"/>
-              <a:t> </a:t>
-            </a:r>
-            <a:r>
-              <a:rPr lang="en-US" altLang="zh-CN" dirty="0"/>
-              <a:t>for points</a:t>
-            </a:r>
+            <a:endParaRPr lang="en-US" altLang="zh-CN" dirty="0" smtClean="0">
+              <a:solidFill>
+                <a:schemeClr val="bg1"/>
+              </a:solidFill>
+            </a:endParaRPr>
           </a:p>
           <a:p>
             <a:pPr lvl="1"/>
-            <a:r>
-              <a:rPr lang="en-US" altLang="zh-CN" dirty="0"/>
-              <a:t>“l” for lines</a:t>
-            </a:r>
+            <a:endParaRPr lang="en-US" altLang="zh-CN" dirty="0">
+              <a:solidFill>
+                <a:schemeClr val="bg1"/>
+              </a:solidFill>
+            </a:endParaRPr>
           </a:p>
           <a:p>
             <a:pPr lvl="1"/>
-            <a:r>
-              <a:rPr lang="en-US" altLang="zh-CN" dirty="0"/>
-              <a:t>“b” for both</a:t>
-            </a:r>
+            <a:endParaRPr lang="en-US" altLang="zh-CN" dirty="0" smtClean="0">
+              <a:solidFill>
+                <a:schemeClr val="bg1"/>
+              </a:solidFill>
+            </a:endParaRPr>
           </a:p>
           <a:p>
             <a:pPr lvl="1"/>
-            <a:r>
-              <a:rPr lang="en-US" altLang="zh-CN" dirty="0"/>
-              <a:t>“c” for the lines part alone of “b”</a:t>
-            </a:r>
+            <a:endParaRPr lang="en-US" altLang="zh-CN" dirty="0">
+              <a:solidFill>
+                <a:schemeClr val="bg1"/>
+              </a:solidFill>
+            </a:endParaRPr>
           </a:p>
           <a:p>
             <a:pPr lvl="1"/>
-            <a:r>
-              <a:rPr lang="en-US" altLang="zh-CN" dirty="0"/>
-              <a:t>“h” for ‘histogram’ like vertical lines</a:t>
-            </a:r>
+            <a:endParaRPr lang="en-US" altLang="zh-CN" dirty="0" smtClean="0">
+              <a:solidFill>
+                <a:schemeClr val="bg1"/>
+              </a:solidFill>
+            </a:endParaRPr>
           </a:p>
           <a:p>
             <a:pPr lvl="1"/>
-            <a:r>
-              <a:rPr lang="en-US" altLang="zh-CN" dirty="0"/>
-              <a:t>“s” or “S” for stair steps</a:t>
-            </a:r>
+            <a:endParaRPr lang="en-US" altLang="zh-CN" dirty="0">
+              <a:solidFill>
+                <a:schemeClr val="bg1"/>
+              </a:solidFill>
+            </a:endParaRPr>
           </a:p>
           <a:p>
             <a:r>
@@ -8399,7 +7884,7 @@
           <p:nvPr/>
         </p:nvPicPr>
         <p:blipFill rotWithShape="1">
-          <a:blip r:embed="rId2"/>
+          <a:blip r:embed="rId3"/>
           <a:srcRect r="21890"/>
           <a:stretch/>
         </p:blipFill>
@@ -8422,7 +7907,7 @@
           <p:nvPr/>
         </p:nvPicPr>
         <p:blipFill>
-          <a:blip r:embed="rId3"/>
+          <a:blip r:embed="rId4"/>
           <a:stretch>
             <a:fillRect/>
           </a:stretch>
@@ -8447,7 +7932,7 @@
         </p:nvSpPr>
         <p:spPr bwMode="auto">
           <a:xfrm>
-            <a:off x="1427753" y="4764023"/>
+            <a:off x="1662881" y="4856356"/>
             <a:ext cx="2138406" cy="184666"/>
           </a:xfrm>
           <a:prstGeom prst="rect">
@@ -8543,7 +8028,7 @@
         </p:nvSpPr>
         <p:spPr bwMode="auto">
           <a:xfrm>
-            <a:off x="3456878" y="2199243"/>
+            <a:off x="3530140" y="1905659"/>
             <a:ext cx="1952458" cy="184666"/>
           </a:xfrm>
           <a:prstGeom prst="rect">
@@ -8604,7 +8089,7 @@
               <a:tabLst/>
             </a:pPr>
             <a:r>
-              <a:rPr kumimoji="0" lang="zh-CN" altLang="zh-CN" sz="1200" b="0" i="0" u="none" strike="noStrike" cap="none" normalizeH="0" baseline="0" smtClean="0">
+              <a:rPr kumimoji="0" lang="zh-CN" altLang="zh-CN" sz="1200" b="0" i="0" u="none" strike="noStrike" cap="none" normalizeH="0" baseline="0" dirty="0" smtClean="0">
                 <a:ln>
                   <a:noFill/>
                 </a:ln>
@@ -8616,7 +8101,7 @@
               </a:rPr>
               <a:t>&gt; plot(cars,type="b")</a:t>
             </a:r>
-            <a:endParaRPr kumimoji="0" lang="zh-CN" altLang="zh-CN" sz="2800" b="0" i="0" u="none" strike="noStrike" cap="none" normalizeH="0" baseline="0" smtClean="0">
+            <a:endParaRPr kumimoji="0" lang="zh-CN" altLang="zh-CN" sz="2800" b="0" i="0" u="none" strike="noStrike" cap="none" normalizeH="0" baseline="0" dirty="0" smtClean="0">
               <a:ln>
                 <a:noFill/>
               </a:ln>
@@ -8686,6 +8171,52 @@
               <a:t>“solid”</a:t>
             </a:r>
             <a:endParaRPr lang="zh-CN" altLang="en-US" dirty="0"/>
+          </a:p>
+        </p:txBody>
+      </p:sp>
+      <p:sp>
+        <p:nvSpPr>
+          <p:cNvPr id="12" name="矩形 11"/>
+          <p:cNvSpPr/>
+          <p:nvPr/>
+        </p:nvSpPr>
+        <p:spPr>
+          <a:xfrm>
+            <a:off x="133815" y="2475571"/>
+            <a:ext cx="5592172" cy="490653"/>
+          </a:xfrm>
+          <a:prstGeom prst="rect">
+            <a:avLst/>
+          </a:prstGeom>
+          <a:noFill/>
+          <a:ln>
+            <a:solidFill>
+              <a:srgbClr val="FF0000"/>
+            </a:solidFill>
+          </a:ln>
+        </p:spPr>
+        <p:style>
+          <a:lnRef idx="2">
+            <a:schemeClr val="accent1">
+              <a:shade val="50000"/>
+            </a:schemeClr>
+          </a:lnRef>
+          <a:fillRef idx="1">
+            <a:schemeClr val="accent1"/>
+          </a:fillRef>
+          <a:effectRef idx="0">
+            <a:schemeClr val="accent1"/>
+          </a:effectRef>
+          <a:fontRef idx="minor">
+            <a:schemeClr val="lt1"/>
+          </a:fontRef>
+        </p:style>
+        <p:txBody>
+          <a:bodyPr rtlCol="0" anchor="ctr"/>
+          <a:lstStyle/>
+          <a:p>
+            <a:pPr algn="ctr"/>
+            <a:endParaRPr lang="zh-CN" altLang="en-US"/>
           </a:p>
         </p:txBody>
       </p:sp>
@@ -8895,20 +8426,7 @@
                 <a:effectLst/>
                 <a:latin typeface="Lucida Console" panose="020B0609040504020204" pitchFamily="49" charset="0"/>
               </a:rPr>
-              <a:t>&gt;legend</a:t>
-            </a:r>
-            <a:r>
-              <a:rPr kumimoji="0" lang="zh-CN" altLang="zh-CN" sz="1200" b="0" i="0" u="none" strike="noStrike" cap="none" normalizeH="0" baseline="0" dirty="0" smtClean="0">
-                <a:ln>
-                  <a:noFill/>
-                </a:ln>
-                <a:solidFill>
-                  <a:srgbClr val="0000FF"/>
-                </a:solidFill>
-                <a:effectLst/>
-                <a:latin typeface="Lucida Console" panose="020B0609040504020204" pitchFamily="49" charset="0"/>
-              </a:rPr>
-              <a:t>("topleft",legend=levels(iris$Species),pch=c(0,1,2),col=c("black","red","blue"),bty="n")</a:t>
+              <a:t>&gt;legend("topleft",legend=levels(iris$Species),pch=c(0,1,2),col=c("black","red","blue"),bty="n")</a:t>
             </a:r>
             <a:endParaRPr kumimoji="0" lang="zh-CN" altLang="zh-CN" sz="2800" b="0" i="0" u="none" strike="noStrike" cap="none" normalizeH="0" baseline="0" dirty="0" smtClean="0">
               <a:ln>
@@ -10110,11 +9628,7 @@
           <a:p>
             <a:r>
               <a:rPr lang="zh-CN" altLang="en-US" dirty="0" smtClean="0"/>
-              <a:t>添加坐标轴</a:t>
-            </a:r>
-            <a:r>
-              <a:rPr lang="zh-CN" altLang="en-US" dirty="0" smtClean="0"/>
-              <a:t>刻度</a:t>
+              <a:t>添加坐标轴刻度</a:t>
             </a:r>
             <a:endParaRPr lang="en-US" altLang="zh-CN" dirty="0" smtClean="0"/>
           </a:p>
@@ -10162,14 +9676,14 @@
           <a:effectLst/>
           <a:extLst>
             <a:ext uri="{909E8E84-426E-40dd-AFC4-6F175D3DCCD1}">
-              <a14:hiddenFill xmlns:lc="http://schemas.openxmlformats.org/drawingml/2006/lockedCanvas" xmlns:a14="http://schemas.microsoft.com/office/drawing/2010/main" xmlns="">
+              <a14:hiddenFill xmlns="" xmlns:a14="http://schemas.microsoft.com/office/drawing/2010/main" xmlns:lc="http://schemas.openxmlformats.org/drawingml/2006/lockedCanvas">
                 <a:solidFill>
                   <a:schemeClr val="accent1"/>
                 </a:solidFill>
               </a14:hiddenFill>
             </a:ext>
             <a:ext uri="{AF507438-7753-43e0-B8FC-AC1667EBCBE1}">
-              <a14:hiddenEffects xmlns:lc="http://schemas.openxmlformats.org/drawingml/2006/lockedCanvas" xmlns:a14="http://schemas.microsoft.com/office/drawing/2010/main" xmlns="">
+              <a14:hiddenEffects xmlns="" xmlns:a14="http://schemas.microsoft.com/office/drawing/2010/main" xmlns:lc="http://schemas.openxmlformats.org/drawingml/2006/lockedCanvas">
                 <a:effectLst>
                   <a:outerShdw blurRad="63500" dist="12700" dir="2700000" algn="ctr" rotWithShape="0">
                     <a:schemeClr val="hlink">
@@ -10934,7 +10448,20 @@
                 <a:effectLst/>
                 <a:latin typeface="Lucida Console" panose="020B0609040504020204" pitchFamily="49" charset="0"/>
               </a:rPr>
-              <a:t>&gt; legend("topleft</a:t>
+              <a:t>&gt; legend("topleft",</a:t>
+            </a:r>
+            <a:r>
+              <a:rPr kumimoji="0" lang="en-US" altLang="zh-CN" sz="1200" b="0" i="0" u="none" strike="noStrike" cap="none" normalizeH="0" baseline="0" dirty="0" smtClean="0">
+                <a:ln>
+                  <a:noFill/>
+                </a:ln>
+                <a:solidFill>
+                  <a:srgbClr val="0000FF"/>
+                </a:solidFill>
+                <a:effectLst/>
+                <a:latin typeface="Lucida Console" panose="020B0609040504020204" pitchFamily="49" charset="0"/>
+              </a:rPr>
+              <a:t>inset=0.03,</a:t>
             </a:r>
             <a:r>
               <a:rPr kumimoji="0" lang="zh-CN" altLang="zh-CN" sz="1200" b="0" i="0" u="none" strike="noStrike" cap="none" normalizeH="0" baseline="0" dirty="0" smtClean="0">
@@ -10947,46 +10474,7 @@
                 <a:effectLst/>
                 <a:latin typeface="Lucida Console" panose="020B0609040504020204" pitchFamily="49" charset="0"/>
               </a:rPr>
-              <a:t>",</a:t>
-            </a:r>
-            <a:r>
-              <a:rPr kumimoji="0" lang="en-US" altLang="zh-CN" sz="1200" b="0" i="0" u="none" strike="noStrike" cap="none" normalizeH="0" baseline="0" dirty="0" smtClean="0">
-                <a:ln>
-                  <a:noFill/>
-                </a:ln>
-                <a:solidFill>
-                  <a:srgbClr val="0000FF"/>
-                </a:solidFill>
-                <a:effectLst/>
-                <a:latin typeface="Lucida Console" panose="020B0609040504020204" pitchFamily="49" charset="0"/>
-              </a:rPr>
-              <a:t>inset=0.03,</a:t>
-            </a:r>
-            <a:r>
-              <a:rPr kumimoji="0" lang="zh-CN" altLang="zh-CN" sz="1200" b="0" i="0" u="none" strike="noStrike" cap="none" normalizeH="0" baseline="0" dirty="0" smtClean="0">
-                <a:ln>
-                  <a:noFill/>
-                </a:ln>
-                <a:solidFill>
-                  <a:srgbClr val="0000FF"/>
-                </a:solidFill>
-                <a:effectLst/>
-                <a:latin typeface="Lucida Console" panose="020B0609040504020204" pitchFamily="49" charset="0"/>
-              </a:rPr>
-              <a:t>legend</a:t>
-            </a:r>
-            <a:r>
-              <a:rPr kumimoji="0" lang="zh-CN" altLang="zh-CN" sz="1200" b="0" i="0" u="none" strike="noStrike" cap="none" normalizeH="0" baseline="0" dirty="0" smtClean="0">
-                <a:ln>
-                  <a:noFill/>
-                </a:ln>
-                <a:solidFill>
-                  <a:srgbClr val="0000FF"/>
-                </a:solidFill>
-                <a:effectLst/>
-                <a:latin typeface="Lucida Console" panose="020B0609040504020204" pitchFamily="49" charset="0"/>
-              </a:rPr>
-              <a:t>="car",lty=1,pch=1,col="blue",bty="n")</a:t>
+              <a:t>legend="car",lty=1,pch=1,col="blue",bty="n")</a:t>
             </a:r>
             <a:endParaRPr kumimoji="0" lang="zh-CN" altLang="zh-CN" sz="2800" b="0" i="0" u="none" strike="noStrike" cap="none" normalizeH="0" baseline="0" dirty="0" smtClean="0">
               <a:ln>
@@ -11082,7 +10570,20 @@
                 <a:effectLst/>
                 <a:latin typeface="Lucida Console" panose="020B0609040504020204" pitchFamily="49" charset="0"/>
               </a:rPr>
-              <a:t>&gt; legend("topleft</a:t>
+              <a:t>&gt; legend("topleft",</a:t>
+            </a:r>
+            <a:r>
+              <a:rPr kumimoji="0" lang="en-US" altLang="zh-CN" sz="1200" b="0" i="0" u="none" strike="noStrike" cap="none" normalizeH="0" baseline="0" dirty="0" smtClean="0">
+                <a:ln>
+                  <a:noFill/>
+                </a:ln>
+                <a:solidFill>
+                  <a:srgbClr val="0000FF"/>
+                </a:solidFill>
+                <a:effectLst/>
+                <a:latin typeface="Lucida Console" panose="020B0609040504020204" pitchFamily="49" charset="0"/>
+              </a:rPr>
+              <a:t>inset=0.03,</a:t>
             </a:r>
             <a:r>
               <a:rPr kumimoji="0" lang="zh-CN" altLang="zh-CN" sz="1200" b="0" i="0" u="none" strike="noStrike" cap="none" normalizeH="0" baseline="0" dirty="0" smtClean="0">
@@ -11095,46 +10596,7 @@
                 <a:effectLst/>
                 <a:latin typeface="Lucida Console" panose="020B0609040504020204" pitchFamily="49" charset="0"/>
               </a:rPr>
-              <a:t>",</a:t>
-            </a:r>
-            <a:r>
-              <a:rPr kumimoji="0" lang="en-US" altLang="zh-CN" sz="1200" b="0" i="0" u="none" strike="noStrike" cap="none" normalizeH="0" baseline="0" dirty="0" smtClean="0">
-                <a:ln>
-                  <a:noFill/>
-                </a:ln>
-                <a:solidFill>
-                  <a:srgbClr val="0000FF"/>
-                </a:solidFill>
-                <a:effectLst/>
-                <a:latin typeface="Lucida Console" panose="020B0609040504020204" pitchFamily="49" charset="0"/>
-              </a:rPr>
-              <a:t>inset=0.03,</a:t>
-            </a:r>
-            <a:r>
-              <a:rPr kumimoji="0" lang="zh-CN" altLang="zh-CN" sz="1200" b="0" i="0" u="none" strike="noStrike" cap="none" normalizeH="0" baseline="0" dirty="0" smtClean="0">
-                <a:ln>
-                  <a:noFill/>
-                </a:ln>
-                <a:solidFill>
-                  <a:srgbClr val="0000FF"/>
-                </a:solidFill>
-                <a:effectLst/>
-                <a:latin typeface="Lucida Console" panose="020B0609040504020204" pitchFamily="49" charset="0"/>
-              </a:rPr>
-              <a:t>legend</a:t>
-            </a:r>
-            <a:r>
-              <a:rPr kumimoji="0" lang="zh-CN" altLang="zh-CN" sz="1200" b="0" i="0" u="none" strike="noStrike" cap="none" normalizeH="0" baseline="0" dirty="0" smtClean="0">
-                <a:ln>
-                  <a:noFill/>
-                </a:ln>
-                <a:solidFill>
-                  <a:srgbClr val="0000FF"/>
-                </a:solidFill>
-                <a:effectLst/>
-                <a:latin typeface="Lucida Console" panose="020B0609040504020204" pitchFamily="49" charset="0"/>
-              </a:rPr>
-              <a:t>="car",title="图例",lty=1,pch=1,col="blue",bty="n")</a:t>
+              <a:t>legend="car",title="图例",lty=1,pch=1,col="blue",bty="n")</a:t>
             </a:r>
             <a:endParaRPr kumimoji="0" lang="zh-CN" altLang="zh-CN" sz="2800" b="0" i="0" u="none" strike="noStrike" cap="none" normalizeH="0" baseline="0" dirty="0" smtClean="0">
               <a:ln>
@@ -11663,16 +11125,14 @@
         </p:nvSpPr>
         <p:spPr/>
         <p:txBody>
-          <a:bodyPr>
-            <a:normAutofit/>
-          </a:bodyPr>
+          <a:bodyPr/>
           <a:lstStyle/>
           <a:p>
             <a:r>
-              <a:rPr lang="zh-CN" altLang="en-US" sz="3600" dirty="0" smtClean="0"/>
-              <a:t>数据可视化的惯例</a:t>
-            </a:r>
-            <a:endParaRPr lang="zh-CN" altLang="en-US" sz="3600" dirty="0"/>
+              <a:rPr lang="zh-CN" altLang="en-US" dirty="0" smtClean="0"/>
+              <a:t>添加形状</a:t>
+            </a:r>
+            <a:endParaRPr lang="zh-CN" altLang="en-US" dirty="0"/>
           </a:p>
         </p:txBody>
       </p:sp>
@@ -11693,24 +11153,15 @@
           <a:p>
             <a:r>
               <a:rPr lang="zh-CN" altLang="en-US" dirty="0" smtClean="0"/>
-              <a:t>通常来讲，</a:t>
-            </a:r>
-            <a:r>
-              <a:rPr lang="en-US" altLang="zh-CN" dirty="0" smtClean="0"/>
-              <a:t>x</a:t>
-            </a:r>
-            <a:r>
-              <a:rPr lang="zh-CN" altLang="en-US" dirty="0" smtClean="0"/>
-              <a:t>轴上放自变量，</a:t>
-            </a:r>
-            <a:r>
-              <a:rPr lang="en-US" altLang="zh-CN" dirty="0" smtClean="0"/>
-              <a:t>y</a:t>
-            </a:r>
-            <a:r>
-              <a:rPr lang="zh-CN" altLang="en-US" dirty="0" smtClean="0"/>
-              <a:t>轴上放因变量</a:t>
-            </a:r>
+              <a:t>辅助线 </a:t>
+            </a:r>
+            <a:r>
+              <a:rPr lang="en-US" altLang="zh-CN" dirty="0" err="1" smtClean="0"/>
+              <a:t>abline</a:t>
+            </a:r>
+            <a:endParaRPr lang="en-US" altLang="zh-CN" dirty="0" smtClean="0"/>
+          </a:p>
+          <a:p>
             <a:endParaRPr lang="zh-CN" altLang="en-US" dirty="0"/>
           </a:p>
         </p:txBody>
@@ -11724,15 +11175,15 @@
           <p:nvPr/>
         </p:nvPicPr>
         <p:blipFill>
-          <a:blip r:embed="rId2"/>
+          <a:blip r:embed="rId3"/>
           <a:stretch>
             <a:fillRect/>
           </a:stretch>
         </p:blipFill>
         <p:spPr>
           <a:xfrm>
-            <a:off x="6259747" y="286603"/>
-            <a:ext cx="5041232" cy="5041232"/>
+            <a:off x="182582" y="2313570"/>
+            <a:ext cx="3847585" cy="3847585"/>
           </a:xfrm>
           <a:prstGeom prst="rect">
             <a:avLst/>
@@ -11749,8 +11200,8 @@
         </p:nvSpPr>
         <p:spPr bwMode="auto">
           <a:xfrm>
-            <a:off x="372979" y="5468985"/>
-            <a:ext cx="10498067" cy="430887"/>
+            <a:off x="1209619" y="2523754"/>
+            <a:ext cx="1859483" cy="184666"/>
           </a:xfrm>
           <a:prstGeom prst="rect">
             <a:avLst/>
@@ -11810,7 +11261,7 @@
               <a:tabLst/>
             </a:pPr>
             <a:r>
-              <a:rPr kumimoji="0" lang="zh-CN" altLang="zh-CN" sz="1400" b="0" i="0" u="none" strike="noStrike" cap="none" normalizeH="0" baseline="0" dirty="0" smtClean="0">
+              <a:rPr kumimoji="0" lang="zh-CN" altLang="zh-CN" sz="1200" b="0" i="0" u="none" strike="noStrike" cap="none" normalizeH="0" baseline="0" dirty="0" smtClean="0">
                 <a:ln>
                   <a:noFill/>
                 </a:ln>
@@ -11820,19 +11271,74 @@
                 <a:effectLst/>
                 <a:latin typeface="Lucida Console" panose="020B0609040504020204" pitchFamily="49" charset="0"/>
               </a:rPr>
-              <a:t>&gt; plot(cars$dist,cars$speed,main="车速与刹车距离关系图",xlab="刹车距离",ylab="车速",type="b",col="red")</a:t>
-            </a:r>
-            <a:endParaRPr kumimoji="0" lang="en-US" altLang="zh-CN" sz="1400" b="0" i="0" u="none" strike="noStrike" cap="none" normalizeH="0" baseline="0" dirty="0" smtClean="0">
+              <a:t>&gt; abline(h=20,lty=5)</a:t>
+            </a:r>
+            <a:endParaRPr kumimoji="0" lang="zh-CN" altLang="zh-CN" sz="2800" b="0" i="0" u="none" strike="noStrike" cap="none" normalizeH="0" baseline="0" dirty="0" smtClean="0">
               <a:ln>
                 <a:noFill/>
               </a:ln>
               <a:solidFill>
-                <a:srgbClr val="0000FF"/>
+                <a:schemeClr val="tx1"/>
               </a:solidFill>
               <a:effectLst/>
-              <a:latin typeface="Lucida Console" panose="020B0609040504020204" pitchFamily="49" charset="0"/>
+              <a:latin typeface="Arial" panose="020B0604020202020204" pitchFamily="34" charset="0"/>
             </a:endParaRPr>
           </a:p>
+        </p:txBody>
+      </p:sp>
+      <p:sp>
+        <p:nvSpPr>
+          <p:cNvPr id="6" name="Rectangle 2"/>
+          <p:cNvSpPr>
+            <a:spLocks noChangeArrowheads="1"/>
+          </p:cNvSpPr>
+          <p:nvPr/>
+        </p:nvSpPr>
+        <p:spPr bwMode="auto">
+          <a:xfrm>
+            <a:off x="137108" y="2228932"/>
+            <a:ext cx="1554913" cy="169277"/>
+          </a:xfrm>
+          <a:prstGeom prst="rect">
+            <a:avLst/>
+          </a:prstGeom>
+          <a:solidFill>
+            <a:srgbClr val="FFFFFF"/>
+          </a:solidFill>
+          <a:ln>
+            <a:noFill/>
+          </a:ln>
+          <a:effectLst/>
+          <a:extLst>
+            <a:ext uri="{91240B29-F687-4F45-9708-019B960494DF}">
+              <a14:hiddenLine xmlns:a14="http://schemas.microsoft.com/office/drawing/2010/main" w="9525">
+                <a:solidFill>
+                  <a:schemeClr val="tx1"/>
+                </a:solidFill>
+                <a:miter lim="800000"/>
+                <a:headEnd/>
+                <a:tailEnd/>
+              </a14:hiddenLine>
+            </a:ext>
+            <a:ext uri="{AF507438-7753-43E0-B8FC-AC1667EBCBE1}">
+              <a14:hiddenEffects xmlns:a14="http://schemas.microsoft.com/office/drawing/2010/main">
+                <a:effectLst>
+                  <a:outerShdw dist="35921" dir="2700000" algn="ctr" rotWithShape="0">
+                    <a:schemeClr val="bg2"/>
+                  </a:outerShdw>
+                </a:effectLst>
+              </a14:hiddenEffects>
+            </a:ext>
+          </a:extLst>
+        </p:spPr>
+        <p:txBody>
+          <a:bodyPr vert="horz" wrap="none" lIns="0" tIns="0" rIns="0" bIns="0" numCol="1" anchor="ctr" anchorCtr="0" compatLnSpc="1">
+            <a:prstTxWarp prst="textNoShape">
+              <a:avLst/>
+            </a:prstTxWarp>
+            <a:spAutoFit/>
+          </a:bodyPr>
+          <a:lstStyle/>
           <a:p>
             <a:pPr marL="0" marR="0" lvl="0" indent="0" algn="l" defTabSz="914400" rtl="0" eaLnBrk="0" fontAlgn="base" latinLnBrk="0" hangingPunct="0">
               <a:lnSpc>
@@ -11851,16 +11357,7 @@
               <a:tabLst/>
             </a:pPr>
             <a:r>
-              <a:rPr lang="en-US" altLang="zh-CN" sz="1400" dirty="0" smtClean="0">
-                <a:solidFill>
-                  <a:srgbClr val="0000FF"/>
-                </a:solidFill>
-                <a:latin typeface="Lucida Console" panose="020B0609040504020204" pitchFamily="49" charset="0"/>
-              </a:rPr>
-              <a:t>&gt;</a:t>
-            </a:r>
-            <a:r>
-              <a:rPr kumimoji="0" lang="zh-CN" altLang="zh-CN" sz="1400" b="0" i="0" u="none" strike="noStrike" cap="none" normalizeH="0" baseline="0" dirty="0" smtClean="0">
+              <a:rPr kumimoji="0" lang="zh-CN" altLang="en-US" sz="1100" b="0" i="0" u="none" strike="noStrike" cap="none" normalizeH="0" baseline="0" dirty="0" smtClean="0">
                 <a:ln>
                   <a:noFill/>
                 </a:ln>
@@ -11870,9 +11367,35 @@
                 <a:effectLst/>
                 <a:latin typeface="Lucida Console" panose="020B0609040504020204" pitchFamily="49" charset="0"/>
               </a:rPr>
-              <a:t> legend(0,25,legend = "car",lty = 1,pch = 1,col="blue")</a:t>
-            </a:r>
-            <a:endParaRPr kumimoji="0" lang="zh-CN" altLang="zh-CN" sz="3200" b="0" i="0" u="none" strike="noStrike" cap="none" normalizeH="0" baseline="0" dirty="0" smtClean="0">
+              <a:t>仍然以</a:t>
+            </a:r>
+            <a:r>
+              <a:rPr kumimoji="0" lang="zh-CN" altLang="zh-CN" sz="1100" b="0" i="0" u="none" strike="noStrike" cap="none" normalizeH="0" baseline="0" dirty="0" smtClean="0">
+                <a:ln>
+                  <a:noFill/>
+                </a:ln>
+                <a:solidFill>
+                  <a:srgbClr val="0000FF"/>
+                </a:solidFill>
+                <a:effectLst/>
+                <a:latin typeface="Lucida Console" panose="020B0609040504020204" pitchFamily="49" charset="0"/>
+              </a:rPr>
+              <a:t>plot(cars)</a:t>
+            </a:r>
+            <a:r>
+              <a:rPr kumimoji="0" lang="zh-CN" altLang="en-US" sz="1100" b="0" i="0" u="none" strike="noStrike" cap="none" normalizeH="0" baseline="0" dirty="0" smtClean="0">
+                <a:ln>
+                  <a:noFill/>
+                </a:ln>
+                <a:solidFill>
+                  <a:srgbClr val="0000FF"/>
+                </a:solidFill>
+                <a:effectLst/>
+                <a:latin typeface="Lucida Console" panose="020B0609040504020204" pitchFamily="49" charset="0"/>
+              </a:rPr>
+              <a:t>为例</a:t>
+            </a:r>
+            <a:endParaRPr kumimoji="0" lang="zh-CN" altLang="zh-CN" sz="2400" b="0" i="0" u="none" strike="noStrike" cap="none" normalizeH="0" baseline="0" dirty="0" smtClean="0">
               <a:ln>
                 <a:noFill/>
               </a:ln>
@@ -11885,23 +11408,313 @@
           </a:p>
         </p:txBody>
       </p:sp>
+      <p:pic>
+        <p:nvPicPr>
+          <p:cNvPr id="7" name="图片 6"/>
+          <p:cNvPicPr>
+            <a:picLocks noChangeAspect="1"/>
+          </p:cNvPicPr>
+          <p:nvPr/>
+        </p:nvPicPr>
+        <p:blipFill>
+          <a:blip r:embed="rId4"/>
+          <a:stretch>
+            <a:fillRect/>
+          </a:stretch>
+        </p:blipFill>
+        <p:spPr>
+          <a:xfrm>
+            <a:off x="4142506" y="2275185"/>
+            <a:ext cx="3925089" cy="3925089"/>
+          </a:xfrm>
+          <a:prstGeom prst="rect">
+            <a:avLst/>
+          </a:prstGeom>
+        </p:spPr>
+      </p:pic>
+      <p:sp>
+        <p:nvSpPr>
+          <p:cNvPr id="8" name="Rectangle 3"/>
+          <p:cNvSpPr>
+            <a:spLocks noChangeArrowheads="1"/>
+          </p:cNvSpPr>
+          <p:nvPr/>
+        </p:nvSpPr>
+        <p:spPr bwMode="auto">
+          <a:xfrm>
+            <a:off x="5196738" y="2431421"/>
+            <a:ext cx="1859483" cy="184666"/>
+          </a:xfrm>
+          <a:prstGeom prst="rect">
+            <a:avLst/>
+          </a:prstGeom>
+          <a:solidFill>
+            <a:srgbClr val="FFFFFF"/>
+          </a:solidFill>
+          <a:ln>
+            <a:noFill/>
+          </a:ln>
+          <a:effectLst/>
+          <a:extLst>
+            <a:ext uri="{91240B29-F687-4F45-9708-019B960494DF}">
+              <a14:hiddenLine xmlns:a14="http://schemas.microsoft.com/office/drawing/2010/main" w="9525">
+                <a:solidFill>
+                  <a:schemeClr val="tx1"/>
+                </a:solidFill>
+                <a:miter lim="800000"/>
+                <a:headEnd/>
+                <a:tailEnd/>
+              </a14:hiddenLine>
+            </a:ext>
+            <a:ext uri="{AF507438-7753-43E0-B8FC-AC1667EBCBE1}">
+              <a14:hiddenEffects xmlns:a14="http://schemas.microsoft.com/office/drawing/2010/main">
+                <a:effectLst>
+                  <a:outerShdw dist="35921" dir="2700000" algn="ctr" rotWithShape="0">
+                    <a:schemeClr val="bg2"/>
+                  </a:outerShdw>
+                </a:effectLst>
+              </a14:hiddenEffects>
+            </a:ext>
+          </a:extLst>
+        </p:spPr>
+        <p:txBody>
+          <a:bodyPr vert="horz" wrap="none" lIns="0" tIns="0" rIns="0" bIns="0" numCol="1" anchor="ctr" anchorCtr="0" compatLnSpc="1">
+            <a:prstTxWarp prst="textNoShape">
+              <a:avLst/>
+            </a:prstTxWarp>
+            <a:spAutoFit/>
+          </a:bodyPr>
+          <a:lstStyle/>
+          <a:p>
+            <a:pPr marL="0" marR="0" lvl="0" indent="0" algn="l" defTabSz="914400" rtl="0" eaLnBrk="0" fontAlgn="base" latinLnBrk="0" hangingPunct="0">
+              <a:lnSpc>
+                <a:spcPct val="100000"/>
+              </a:lnSpc>
+              <a:spcBef>
+                <a:spcPct val="0"/>
+              </a:spcBef>
+              <a:spcAft>
+                <a:spcPct val="0"/>
+              </a:spcAft>
+              <a:buClrTx/>
+              <a:buSzTx/>
+              <a:buFontTx/>
+              <a:buNone/>
+              <a:tabLst/>
+            </a:pPr>
+            <a:r>
+              <a:rPr kumimoji="0" lang="zh-CN" altLang="zh-CN" sz="1200" b="0" i="0" u="none" strike="noStrike" cap="none" normalizeH="0" baseline="0" smtClean="0">
+                <a:ln>
+                  <a:noFill/>
+                </a:ln>
+                <a:solidFill>
+                  <a:srgbClr val="0000FF"/>
+                </a:solidFill>
+                <a:effectLst/>
+                <a:latin typeface="Lucida Console" panose="020B0609040504020204" pitchFamily="49" charset="0"/>
+              </a:rPr>
+              <a:t>&gt; abline(v=20,lty=5)</a:t>
+            </a:r>
+            <a:endParaRPr kumimoji="0" lang="zh-CN" altLang="zh-CN" sz="2800" b="0" i="0" u="none" strike="noStrike" cap="none" normalizeH="0" baseline="0" smtClean="0">
+              <a:ln>
+                <a:noFill/>
+              </a:ln>
+              <a:solidFill>
+                <a:schemeClr val="tx1"/>
+              </a:solidFill>
+              <a:effectLst/>
+              <a:latin typeface="Arial" panose="020B0604020202020204" pitchFamily="34" charset="0"/>
+            </a:endParaRPr>
+          </a:p>
+        </p:txBody>
+      </p:sp>
+      <p:pic>
+        <p:nvPicPr>
+          <p:cNvPr id="9" name="图片 8"/>
+          <p:cNvPicPr>
+            <a:picLocks noChangeAspect="1"/>
+          </p:cNvPicPr>
+          <p:nvPr/>
+        </p:nvPicPr>
+        <p:blipFill>
+          <a:blip r:embed="rId5"/>
+          <a:stretch>
+            <a:fillRect/>
+          </a:stretch>
+        </p:blipFill>
+        <p:spPr>
+          <a:xfrm>
+            <a:off x="8003001" y="2228932"/>
+            <a:ext cx="3914986" cy="3914986"/>
+          </a:xfrm>
+          <a:prstGeom prst="rect">
+            <a:avLst/>
+          </a:prstGeom>
+        </p:spPr>
+      </p:pic>
+      <p:sp>
+        <p:nvSpPr>
+          <p:cNvPr id="11" name="Rectangle 5"/>
+          <p:cNvSpPr>
+            <a:spLocks noChangeArrowheads="1"/>
+          </p:cNvSpPr>
+          <p:nvPr/>
+        </p:nvSpPr>
+        <p:spPr bwMode="auto">
+          <a:xfrm>
+            <a:off x="8419170" y="2305876"/>
+            <a:ext cx="3347070" cy="184666"/>
+          </a:xfrm>
+          <a:prstGeom prst="rect">
+            <a:avLst/>
+          </a:prstGeom>
+          <a:solidFill>
+            <a:srgbClr val="FFFFFF"/>
+          </a:solidFill>
+          <a:ln>
+            <a:noFill/>
+          </a:ln>
+          <a:effectLst/>
+          <a:extLst>
+            <a:ext uri="{91240B29-F687-4F45-9708-019B960494DF}">
+              <a14:hiddenLine xmlns:a14="http://schemas.microsoft.com/office/drawing/2010/main" w="9525">
+                <a:solidFill>
+                  <a:schemeClr val="tx1"/>
+                </a:solidFill>
+                <a:miter lim="800000"/>
+                <a:headEnd/>
+                <a:tailEnd/>
+              </a14:hiddenLine>
+            </a:ext>
+            <a:ext uri="{AF507438-7753-43E0-B8FC-AC1667EBCBE1}">
+              <a14:hiddenEffects xmlns:a14="http://schemas.microsoft.com/office/drawing/2010/main">
+                <a:effectLst>
+                  <a:outerShdw dist="35921" dir="2700000" algn="ctr" rotWithShape="0">
+                    <a:schemeClr val="bg2"/>
+                  </a:outerShdw>
+                </a:effectLst>
+              </a14:hiddenEffects>
+            </a:ext>
+          </a:extLst>
+        </p:spPr>
+        <p:txBody>
+          <a:bodyPr vert="horz" wrap="none" lIns="0" tIns="0" rIns="0" bIns="0" numCol="1" anchor="ctr" anchorCtr="0" compatLnSpc="1">
+            <a:prstTxWarp prst="textNoShape">
+              <a:avLst/>
+            </a:prstTxWarp>
+            <a:spAutoFit/>
+          </a:bodyPr>
+          <a:lstStyle/>
+          <a:p>
+            <a:pPr marL="0" marR="0" lvl="0" indent="0" algn="l" defTabSz="914400" rtl="0" eaLnBrk="0" fontAlgn="base" latinLnBrk="0" hangingPunct="0">
+              <a:lnSpc>
+                <a:spcPct val="100000"/>
+              </a:lnSpc>
+              <a:spcBef>
+                <a:spcPct val="0"/>
+              </a:spcBef>
+              <a:spcAft>
+                <a:spcPct val="0"/>
+              </a:spcAft>
+              <a:buClrTx/>
+              <a:buSzTx/>
+              <a:buFontTx/>
+              <a:buNone/>
+              <a:tabLst/>
+            </a:pPr>
+            <a:r>
+              <a:rPr kumimoji="0" lang="zh-CN" altLang="zh-CN" sz="1200" b="0" i="0" u="none" strike="noStrike" cap="none" normalizeH="0" baseline="0" smtClean="0">
+                <a:ln>
+                  <a:noFill/>
+                </a:ln>
+                <a:solidFill>
+                  <a:srgbClr val="0000FF"/>
+                </a:solidFill>
+                <a:effectLst/>
+                <a:latin typeface="Lucida Console" panose="020B0609040504020204" pitchFamily="49" charset="0"/>
+              </a:rPr>
+              <a:t>&gt; abline(a=20,b=1.2,lty=5,col="red")</a:t>
+            </a:r>
+            <a:endParaRPr kumimoji="0" lang="zh-CN" altLang="zh-CN" sz="2800" b="0" i="0" u="none" strike="noStrike" cap="none" normalizeH="0" baseline="0" smtClean="0">
+              <a:ln>
+                <a:noFill/>
+              </a:ln>
+              <a:solidFill>
+                <a:schemeClr val="tx1"/>
+              </a:solidFill>
+              <a:effectLst/>
+              <a:latin typeface="Arial" panose="020B0604020202020204" pitchFamily="34" charset="0"/>
+            </a:endParaRPr>
+          </a:p>
+        </p:txBody>
+      </p:sp>
+      <p:graphicFrame>
+        <p:nvGraphicFramePr>
+          <p:cNvPr id="12" name="对象 11"/>
+          <p:cNvGraphicFramePr>
+            <a:graphicFrameLocks noChangeAspect="1"/>
+          </p:cNvGraphicFramePr>
+          <p:nvPr>
+            <p:extLst>
+              <p:ext uri="{D42A27DB-BD31-4B8C-83A1-F6EECF244321}">
+                <p14:modId xmlns:p14="http://schemas.microsoft.com/office/powerpoint/2010/main" val="1030608199"/>
+              </p:ext>
+            </p:extLst>
+          </p:nvPr>
+        </p:nvGraphicFramePr>
+        <p:xfrm>
+          <a:off x="9213714" y="1776817"/>
+          <a:ext cx="878991" cy="275762"/>
+        </p:xfrm>
+        <a:graphic>
+          <a:graphicData uri="http://schemas.openxmlformats.org/presentationml/2006/ole">
+            <mc:AlternateContent xmlns:mc="http://schemas.openxmlformats.org/markup-compatibility/2006">
+              <mc:Choice xmlns:v="urn:schemas-microsoft-com:vml" Requires="v">
+                <p:oleObj spid="_x0000_s4131" name="Equation" r:id="rId6" imgW="647640" imgH="203040" progId="Equation.DSMT4">
+                  <p:embed/>
+                </p:oleObj>
+              </mc:Choice>
+              <mc:Fallback>
+                <p:oleObj name="Equation" r:id="rId6" imgW="647640" imgH="203040" progId="Equation.DSMT4">
+                  <p:embed/>
+                  <p:pic>
+                    <p:nvPicPr>
+                      <p:cNvPr id="0" name=""/>
+                      <p:cNvPicPr/>
+                      <p:nvPr/>
+                    </p:nvPicPr>
+                    <p:blipFill>
+                      <a:blip r:embed="rId7"/>
+                      <a:stretch>
+                        <a:fillRect/>
+                      </a:stretch>
+                    </p:blipFill>
+                    <p:spPr>
+                      <a:xfrm>
+                        <a:off x="9213714" y="1776817"/>
+                        <a:ext cx="878991" cy="275762"/>
+                      </a:xfrm>
+                      <a:prstGeom prst="rect">
+                        <a:avLst/>
+                      </a:prstGeom>
+                    </p:spPr>
+                  </p:pic>
+                </p:oleObj>
+              </mc:Fallback>
+            </mc:AlternateContent>
+          </a:graphicData>
+        </a:graphic>
+      </p:graphicFrame>
     </p:spTree>
     <p:extLst>
       <p:ext uri="{BB962C8B-B14F-4D97-AF65-F5344CB8AC3E}">
-        <p14:creationId xmlns:p14="http://schemas.microsoft.com/office/powerpoint/2010/main" val="3702187524"/>
+        <p14:creationId xmlns:p14="http://schemas.microsoft.com/office/powerpoint/2010/main" val="2260426643"/>
       </p:ext>
     </p:extLst>
   </p:cSld>
   <p:clrMapOvr>
     <a:masterClrMapping/>
   </p:clrMapOvr>
-  <p:timing>
-    <p:tnLst>
-      <p:par>
-        <p:cTn id="1" dur="indefinite" restart="never" nodeType="tmRoot"/>
-      </p:par>
-    </p:tnLst>
-  </p:timing>
 </p:sld>
 </file>
 

--- a/实验-5-数据可视化.pptx
+++ b/实验-5-数据可视化.pptx
@@ -353,7 +353,7 @@
           <a:p>
             <a:fld id="{22B5609F-EBEC-463B-AA32-A5BE38243DB0}" type="datetimeFigureOut">
               <a:rPr lang="zh-CN" altLang="en-US" smtClean="0"/>
-              <a:t>2017/11/5</a:t>
+              <a:t>2017/11/9</a:t>
             </a:fld>
             <a:endParaRPr lang="zh-CN" altLang="en-US"/>
           </a:p>
@@ -561,7 +561,7 @@
           <a:p>
             <a:fld id="{22B5609F-EBEC-463B-AA32-A5BE38243DB0}" type="datetimeFigureOut">
               <a:rPr lang="zh-CN" altLang="en-US" smtClean="0"/>
-              <a:t>2017/11/5</a:t>
+              <a:t>2017/11/9</a:t>
             </a:fld>
             <a:endParaRPr lang="zh-CN" altLang="en-US"/>
           </a:p>
@@ -817,7 +817,7 @@
           <a:p>
             <a:fld id="{22B5609F-EBEC-463B-AA32-A5BE38243DB0}" type="datetimeFigureOut">
               <a:rPr lang="zh-CN" altLang="en-US" smtClean="0"/>
-              <a:t>2017/11/5</a:t>
+              <a:t>2017/11/9</a:t>
             </a:fld>
             <a:endParaRPr lang="zh-CN" altLang="en-US"/>
           </a:p>
@@ -1016,7 +1016,7 @@
           <a:p>
             <a:fld id="{22B5609F-EBEC-463B-AA32-A5BE38243DB0}" type="datetimeFigureOut">
               <a:rPr lang="zh-CN" altLang="en-US" smtClean="0"/>
-              <a:t>2017/11/5</a:t>
+              <a:t>2017/11/9</a:t>
             </a:fld>
             <a:endParaRPr lang="zh-CN" altLang="en-US"/>
           </a:p>
@@ -1358,7 +1358,7 @@
           <a:p>
             <a:fld id="{22B5609F-EBEC-463B-AA32-A5BE38243DB0}" type="datetimeFigureOut">
               <a:rPr lang="zh-CN" altLang="en-US" smtClean="0"/>
-              <a:t>2017/11/5</a:t>
+              <a:t>2017/11/9</a:t>
             </a:fld>
             <a:endParaRPr lang="zh-CN" altLang="en-US"/>
           </a:p>
@@ -1633,7 +1633,7 @@
           <a:p>
             <a:fld id="{22B5609F-EBEC-463B-AA32-A5BE38243DB0}" type="datetimeFigureOut">
               <a:rPr lang="zh-CN" altLang="en-US" smtClean="0"/>
-              <a:t>2017/11/5</a:t>
+              <a:t>2017/11/9</a:t>
             </a:fld>
             <a:endParaRPr lang="zh-CN" altLang="en-US"/>
           </a:p>
@@ -2012,7 +2012,7 @@
           <a:p>
             <a:fld id="{22B5609F-EBEC-463B-AA32-A5BE38243DB0}" type="datetimeFigureOut">
               <a:rPr lang="zh-CN" altLang="en-US" smtClean="0"/>
-              <a:t>2017/11/5</a:t>
+              <a:t>2017/11/9</a:t>
             </a:fld>
             <a:endParaRPr lang="zh-CN" altLang="en-US"/>
           </a:p>
@@ -2130,7 +2130,7 @@
           <a:p>
             <a:fld id="{22B5609F-EBEC-463B-AA32-A5BE38243DB0}" type="datetimeFigureOut">
               <a:rPr lang="zh-CN" altLang="en-US" smtClean="0"/>
-              <a:t>2017/11/5</a:t>
+              <a:t>2017/11/9</a:t>
             </a:fld>
             <a:endParaRPr lang="zh-CN" altLang="en-US"/>
           </a:p>
@@ -2301,7 +2301,7 @@
           <a:p>
             <a:fld id="{22B5609F-EBEC-463B-AA32-A5BE38243DB0}" type="datetimeFigureOut">
               <a:rPr lang="zh-CN" altLang="en-US" smtClean="0"/>
-              <a:t>2017/11/5</a:t>
+              <a:t>2017/11/9</a:t>
             </a:fld>
             <a:endParaRPr lang="zh-CN" altLang="en-US"/>
           </a:p>
@@ -2655,7 +2655,7 @@
           <a:p>
             <a:fld id="{22B5609F-EBEC-463B-AA32-A5BE38243DB0}" type="datetimeFigureOut">
               <a:rPr lang="zh-CN" altLang="en-US" smtClean="0"/>
-              <a:t>2017/11/5</a:t>
+              <a:t>2017/11/9</a:t>
             </a:fld>
             <a:endParaRPr lang="zh-CN" altLang="en-US"/>
           </a:p>
@@ -3037,7 +3037,7 @@
           <a:p>
             <a:fld id="{22B5609F-EBEC-463B-AA32-A5BE38243DB0}" type="datetimeFigureOut">
               <a:rPr lang="zh-CN" altLang="en-US" smtClean="0"/>
-              <a:t>2017/11/5</a:t>
+              <a:t>2017/11/9</a:t>
             </a:fld>
             <a:endParaRPr lang="zh-CN" altLang="en-US"/>
           </a:p>
@@ -3324,7 +3324,7 @@
           <a:p>
             <a:fld id="{22B5609F-EBEC-463B-AA32-A5BE38243DB0}" type="datetimeFigureOut">
               <a:rPr lang="zh-CN" altLang="en-US" smtClean="0"/>
-              <a:t>2017/11/5</a:t>
+              <a:t>2017/11/9</a:t>
             </a:fld>
             <a:endParaRPr lang="zh-CN" altLang="en-US"/>
           </a:p>
@@ -6069,26 +6069,15 @@
             </a:r>
             <a:r>
               <a:rPr lang="zh-CN" altLang="en-US" dirty="0" smtClean="0"/>
-              <a:t>设置或查看图形参数</a:t>
-            </a:r>
-            <a:endParaRPr lang="en-US" altLang="zh-CN" dirty="0" smtClean="0"/>
-          </a:p>
-          <a:p>
-            <a:r>
-              <a:rPr lang="en-US" altLang="zh-CN" dirty="0" smtClean="0"/>
-              <a:t>help(“par”) </a:t>
+              <a:t>设置或</a:t>
             </a:r>
             <a:r>
               <a:rPr lang="zh-CN" altLang="en-US" dirty="0" smtClean="0"/>
-              <a:t>参看</a:t>
-            </a:r>
-            <a:r>
-              <a:rPr lang="en-US" altLang="zh-CN" dirty="0" smtClean="0"/>
-              <a:t>par</a:t>
+              <a:t>查看默认图形</a:t>
             </a:r>
             <a:r>
               <a:rPr lang="zh-CN" altLang="en-US" dirty="0" smtClean="0"/>
-              <a:t>的说明文档</a:t>
+              <a:t>参数</a:t>
             </a:r>
             <a:endParaRPr lang="en-US" altLang="zh-CN" dirty="0" smtClean="0"/>
           </a:p>
@@ -6098,11 +6087,23 @@
             </a:pPr>
             <a:r>
               <a:rPr lang="en-US" altLang="zh-CN" dirty="0" smtClean="0"/>
-              <a:t>par() #</a:t>
+              <a:t>par</a:t>
+            </a:r>
+            <a:r>
+              <a:rPr lang="en-US" altLang="zh-CN" dirty="0" smtClean="0"/>
+              <a:t>() </a:t>
+            </a:r>
+            <a:r>
+              <a:rPr lang="en-US" altLang="zh-CN" dirty="0" smtClean="0"/>
+              <a:t>#</a:t>
             </a:r>
             <a:r>
               <a:rPr lang="zh-CN" altLang="en-US" dirty="0" smtClean="0"/>
-              <a:t>默认状态下返回当前图形参数设置</a:t>
+              <a:t>默认</a:t>
+            </a:r>
+            <a:r>
+              <a:rPr lang="zh-CN" altLang="en-US" dirty="0" smtClean="0"/>
+              <a:t>状态下返回当前图形参数设置</a:t>
             </a:r>
             <a:endParaRPr lang="en-US" altLang="zh-CN" dirty="0" smtClean="0"/>
           </a:p>
@@ -6188,7 +6189,37 @@
             </a:r>
             <a:r>
               <a:rPr lang="zh-CN" altLang="en-US" dirty="0" smtClean="0"/>
-              <a:t>中的参数设置</a:t>
+              <a:t>中的参数</a:t>
+            </a:r>
+            <a:r>
+              <a:rPr lang="zh-CN" altLang="en-US" dirty="0" smtClean="0"/>
+              <a:t>设置</a:t>
+            </a:r>
+            <a:endParaRPr lang="en-US" altLang="zh-CN" smtClean="0"/>
+          </a:p>
+          <a:p>
+            <a:pPr marL="0" indent="0">
+              <a:buNone/>
+            </a:pPr>
+            <a:r>
+              <a:rPr lang="zh-CN" altLang="en-US" smtClean="0"/>
+              <a:t>全部</a:t>
+            </a:r>
+            <a:r>
+              <a:rPr lang="zh-CN" altLang="en-US" dirty="0" smtClean="0"/>
+              <a:t>图形参数请在</a:t>
+            </a:r>
+            <a:r>
+              <a:rPr lang="en-US" altLang="zh-CN" dirty="0" smtClean="0"/>
+              <a:t>R</a:t>
+            </a:r>
+            <a:r>
+              <a:rPr lang="zh-CN" altLang="en-US" dirty="0" smtClean="0"/>
+              <a:t>中查询</a:t>
+            </a:r>
+            <a:r>
+              <a:rPr lang="en-US" altLang="zh-CN" dirty="0" smtClean="0"/>
+              <a:t>help(par)</a:t>
             </a:r>
             <a:endParaRPr lang="zh-CN" altLang="en-US" dirty="0"/>
           </a:p>
@@ -6248,7 +6279,7 @@
           <a:p>
             <a:r>
               <a:rPr lang="zh-CN" altLang="en-US" dirty="0" smtClean="0"/>
-              <a:t>分位面</a:t>
+              <a:t>分面</a:t>
             </a:r>
             <a:endParaRPr lang="zh-CN" altLang="en-US" dirty="0"/>
           </a:p>
@@ -8891,7 +8922,7 @@
         </p:spPr>
         <p:txBody>
           <a:bodyPr>
-            <a:normAutofit lnSpcReduction="10000"/>
+            <a:normAutofit fontScale="92500" lnSpcReduction="10000"/>
           </a:bodyPr>
           <a:lstStyle/>
           <a:p>
@@ -8944,20 +8975,12 @@
               <a:t>main sub </a:t>
             </a:r>
             <a:r>
-              <a:rPr lang="en-US" altLang="zh-CN" dirty="0" err="1"/>
-              <a:t>xlab</a:t>
-            </a:r>
-            <a:r>
-              <a:rPr lang="en-US" altLang="zh-CN" dirty="0"/>
-              <a:t> </a:t>
-            </a:r>
-            <a:r>
-              <a:rPr lang="en-US" altLang="zh-CN" dirty="0" err="1"/>
-              <a:t>ylab</a:t>
+              <a:rPr lang="zh-CN" altLang="en-US" dirty="0" smtClean="0"/>
+              <a:t>和轴标题等</a:t>
             </a:r>
             <a:r>
               <a:rPr lang="zh-CN" altLang="en-US" dirty="0"/>
-              <a:t>等配置</a:t>
+              <a:t>配置</a:t>
             </a:r>
             <a:r>
               <a:rPr lang="zh-CN" altLang="en-US" dirty="0" smtClean="0"/>
@@ -8973,11 +8996,27 @@
             </a:r>
             <a:r>
               <a:rPr lang="en-US" altLang="zh-CN" dirty="0" err="1" smtClean="0"/>
-              <a:t>col.xlab</a:t>
+              <a:t>col.main</a:t>
             </a:r>
             <a:r>
               <a:rPr lang="en-US" altLang="zh-CN" dirty="0" smtClean="0"/>
-              <a:t>=“red”</a:t>
+              <a:t>=“</a:t>
+            </a:r>
+            <a:r>
+              <a:rPr lang="en-US" altLang="zh-CN" dirty="0" smtClean="0"/>
+              <a:t>red</a:t>
+            </a:r>
+            <a:r>
+              <a:rPr lang="en-US" altLang="zh-CN" dirty="0" smtClean="0"/>
+              <a:t>”  </a:t>
+            </a:r>
+            <a:r>
+              <a:rPr lang="en-US" altLang="zh-CN" dirty="0" err="1" smtClean="0"/>
+              <a:t>col.lab</a:t>
+            </a:r>
+            <a:r>
+              <a:rPr lang="en-US" altLang="zh-CN" dirty="0" smtClean="0"/>
+              <a:t>=“blue”</a:t>
             </a:r>
             <a:endParaRPr lang="en-US" altLang="zh-CN" dirty="0"/>
           </a:p>
@@ -9052,20 +9091,12 @@
               <a:t>sub </a:t>
             </a:r>
             <a:r>
-              <a:rPr lang="en-US" altLang="zh-CN" dirty="0" err="1"/>
-              <a:t>xlab</a:t>
-            </a:r>
-            <a:r>
-              <a:rPr lang="en-US" altLang="zh-CN" dirty="0"/>
-              <a:t> </a:t>
-            </a:r>
-            <a:r>
-              <a:rPr lang="en-US" altLang="zh-CN" dirty="0" err="1"/>
-              <a:t>ylab</a:t>
-            </a:r>
-            <a:r>
               <a:rPr lang="zh-CN" altLang="en-US" dirty="0" smtClean="0"/>
-              <a:t>等设置放缩比例</a:t>
+              <a:t>和轴标题等</a:t>
+            </a:r>
+            <a:r>
+              <a:rPr lang="zh-CN" altLang="en-US" dirty="0" smtClean="0"/>
+              <a:t>设置放缩比例</a:t>
             </a:r>
             <a:r>
               <a:rPr lang="en-US" altLang="zh-CN" dirty="0" smtClean="0"/>
@@ -9077,7 +9108,7 @@
             </a:r>
             <a:r>
               <a:rPr lang="en-US" altLang="zh-CN" dirty="0" err="1" smtClean="0"/>
-              <a:t>cex.xlab</a:t>
+              <a:t>cex.lab</a:t>
             </a:r>
             <a:r>
               <a:rPr lang="en-US" altLang="zh-CN" dirty="0" smtClean="0"/>
@@ -9522,6 +9553,140 @@
           </a:p>
         </p:txBody>
       </p:sp>
+      <p:sp>
+        <p:nvSpPr>
+          <p:cNvPr id="4" name="文本框 3"/>
+          <p:cNvSpPr txBox="1"/>
+          <p:nvPr/>
+        </p:nvSpPr>
+        <p:spPr>
+          <a:xfrm>
+            <a:off x="2899318" y="3356517"/>
+            <a:ext cx="2718373" cy="369332"/>
+          </a:xfrm>
+          <a:prstGeom prst="rect">
+            <a:avLst/>
+          </a:prstGeom>
+          <a:noFill/>
+        </p:spPr>
+        <p:txBody>
+          <a:bodyPr wrap="none" rtlCol="0">
+            <a:spAutoFit/>
+          </a:bodyPr>
+          <a:lstStyle/>
+          <a:p>
+            <a:r>
+              <a:rPr lang="zh-CN" altLang="en-US" dirty="0" smtClean="0">
+                <a:latin typeface="华文楷体" panose="02010600040101010101" pitchFamily="2" charset="-122"/>
+                <a:ea typeface="华文楷体" panose="02010600040101010101" pitchFamily="2" charset="-122"/>
+              </a:rPr>
+              <a:t>注意是</a:t>
+            </a:r>
+            <a:r>
+              <a:rPr lang="en-US" altLang="zh-CN" dirty="0" err="1" smtClean="0">
+                <a:latin typeface="华文楷体" panose="02010600040101010101" pitchFamily="2" charset="-122"/>
+                <a:ea typeface="华文楷体" panose="02010600040101010101" pitchFamily="2" charset="-122"/>
+              </a:rPr>
+              <a:t>col.lab</a:t>
+            </a:r>
+            <a:r>
+              <a:rPr lang="en-US" altLang="zh-CN" dirty="0" smtClean="0">
+                <a:latin typeface="华文楷体" panose="02010600040101010101" pitchFamily="2" charset="-122"/>
+                <a:ea typeface="华文楷体" panose="02010600040101010101" pitchFamily="2" charset="-122"/>
+              </a:rPr>
+              <a:t> </a:t>
+            </a:r>
+            <a:r>
+              <a:rPr lang="zh-CN" altLang="en-US" dirty="0" smtClean="0">
+                <a:latin typeface="华文楷体" panose="02010600040101010101" pitchFamily="2" charset="-122"/>
+                <a:ea typeface="华文楷体" panose="02010600040101010101" pitchFamily="2" charset="-122"/>
+              </a:rPr>
+              <a:t>不是</a:t>
+            </a:r>
+            <a:r>
+              <a:rPr lang="en-US" altLang="zh-CN" dirty="0" err="1" smtClean="0">
+                <a:latin typeface="华文楷体" panose="02010600040101010101" pitchFamily="2" charset="-122"/>
+                <a:ea typeface="华文楷体" panose="02010600040101010101" pitchFamily="2" charset="-122"/>
+              </a:rPr>
+              <a:t>col.xlab</a:t>
+            </a:r>
+            <a:endParaRPr lang="zh-CN" altLang="en-US" dirty="0">
+              <a:latin typeface="华文楷体" panose="02010600040101010101" pitchFamily="2" charset="-122"/>
+              <a:ea typeface="华文楷体" panose="02010600040101010101" pitchFamily="2" charset="-122"/>
+            </a:endParaRPr>
+          </a:p>
+        </p:txBody>
+      </p:sp>
+      <p:cxnSp>
+        <p:nvCxnSpPr>
+          <p:cNvPr id="6" name="直接箭头连接符 5"/>
+          <p:cNvCxnSpPr>
+            <a:stCxn id="4" idx="0"/>
+          </p:cNvCxnSpPr>
+          <p:nvPr/>
+        </p:nvCxnSpPr>
+        <p:spPr>
+          <a:xfrm flipH="1" flipV="1">
+            <a:off x="3587347" y="3122341"/>
+            <a:ext cx="671158" cy="234176"/>
+          </a:xfrm>
+          <a:prstGeom prst="straightConnector1">
+            <a:avLst/>
+          </a:prstGeom>
+          <a:ln>
+            <a:tailEnd type="triangle"/>
+          </a:ln>
+        </p:spPr>
+        <p:style>
+          <a:lnRef idx="1">
+            <a:schemeClr val="accent1"/>
+          </a:lnRef>
+          <a:fillRef idx="0">
+            <a:schemeClr val="accent1"/>
+          </a:fillRef>
+          <a:effectRef idx="0">
+            <a:schemeClr val="accent1"/>
+          </a:effectRef>
+          <a:fontRef idx="minor">
+            <a:schemeClr val="tx1"/>
+          </a:fontRef>
+        </p:style>
+      </p:cxnSp>
+      <p:cxnSp>
+        <p:nvCxnSpPr>
+          <p:cNvPr id="10" name="直接箭头连接符 9"/>
+          <p:cNvCxnSpPr>
+            <a:stCxn id="4" idx="2"/>
+          </p:cNvCxnSpPr>
+          <p:nvPr/>
+        </p:nvCxnSpPr>
+        <p:spPr>
+          <a:xfrm flipH="1">
+            <a:off x="2107581" y="3725849"/>
+            <a:ext cx="2150924" cy="1682492"/>
+          </a:xfrm>
+          <a:prstGeom prst="straightConnector1">
+            <a:avLst/>
+          </a:prstGeom>
+          <a:ln>
+            <a:tailEnd type="triangle"/>
+          </a:ln>
+        </p:spPr>
+        <p:style>
+          <a:lnRef idx="1">
+            <a:schemeClr val="accent1"/>
+          </a:lnRef>
+          <a:fillRef idx="0">
+            <a:schemeClr val="accent1"/>
+          </a:fillRef>
+          <a:effectRef idx="0">
+            <a:schemeClr val="accent1"/>
+          </a:effectRef>
+          <a:fontRef idx="minor">
+            <a:schemeClr val="tx1"/>
+          </a:fontRef>
+        </p:style>
+      </p:cxnSp>
     </p:spTree>
     <p:extLst>
       <p:ext uri="{BB962C8B-B14F-4D97-AF65-F5344CB8AC3E}">
@@ -11670,7 +11835,7 @@
           <a:graphicData uri="http://schemas.openxmlformats.org/presentationml/2006/ole">
             <mc:AlternateContent xmlns:mc="http://schemas.openxmlformats.org/markup-compatibility/2006">
               <mc:Choice xmlns:v="urn:schemas-microsoft-com:vml" Requires="v">
-                <p:oleObj spid="_x0000_s4131" name="Equation" r:id="rId6" imgW="647640" imgH="203040" progId="Equation.DSMT4">
+                <p:oleObj spid="_x0000_s4139" name="Equation" r:id="rId6" imgW="647640" imgH="203040" progId="Equation.DSMT4">
                   <p:embed/>
                 </p:oleObj>
               </mc:Choice>
